--- a/course_resources/slides/Used/019_Trees_over_under.pptx
+++ b/course_resources/slides/Used/019_Trees_over_under.pptx
@@ -5853,8 +5853,8 @@
         </p:nvSpPr>
         <p:spPr>
           <a:xfrm>
-            <a:off x="1451579" y="1853754"/>
-            <a:ext cx="9603275" cy="4284287"/>
+            <a:off x="411061" y="1853754"/>
+            <a:ext cx="10643793" cy="4284287"/>
           </a:xfrm>
         </p:spPr>
         <p:txBody>
@@ -5922,6 +5922,51 @@
           </a:p>
         </p:txBody>
       </p:sp>
+      <p:pic>
+        <p:nvPicPr>
+          <p:cNvPr id="4098" name="Picture 2" descr="Random Forest Hyperparameter Tuning in Python | Machine learning">
+            <a:extLst>
+              <a:ext uri="{FF2B5EF4-FFF2-40B4-BE49-F238E27FC236}">
+                <a16:creationId xmlns:a16="http://schemas.microsoft.com/office/drawing/2014/main" id="{CA887C87-1EDB-D98D-E8D4-0FBAC837455A}"/>
+              </a:ext>
+            </a:extLst>
+          </p:cNvPr>
+          <p:cNvPicPr>
+            <a:picLocks noChangeAspect="1" noChangeArrowheads="1"/>
+          </p:cNvPicPr>
+          <p:nvPr/>
+        </p:nvPicPr>
+        <p:blipFill rotWithShape="1">
+          <a:blip r:embed="rId2">
+            <a:extLst>
+              <a:ext uri="{28A0092B-C50C-407E-A947-70E740481C1C}">
+                <a14:useLocalDpi xmlns:a14="http://schemas.microsoft.com/office/drawing/2010/main" val="0"/>
+              </a:ext>
+            </a:extLst>
+          </a:blip>
+          <a:srcRect l="3116" t="4893" r="15125" b="3976"/>
+          <a:stretch/>
+        </p:blipFill>
+        <p:spPr bwMode="auto">
+          <a:xfrm>
+            <a:off x="6819639" y="2835479"/>
+            <a:ext cx="5372361" cy="4022521"/>
+          </a:xfrm>
+          <a:prstGeom prst="rect">
+            <a:avLst/>
+          </a:prstGeom>
+          <a:noFill/>
+          <a:extLst>
+            <a:ext uri="{909E8E84-426E-40DD-AFC4-6F175D3DCCD1}">
+              <a14:hiddenFill xmlns:a14="http://schemas.microsoft.com/office/drawing/2010/main">
+                <a:solidFill>
+                  <a:srgbClr val="FFFFFF"/>
+                </a:solidFill>
+              </a14:hiddenFill>
+            </a:ext>
+          </a:extLst>
+        </p:spPr>
+      </p:pic>
     </p:spTree>
     <p:extLst>
       <p:ext uri="{BB962C8B-B14F-4D97-AF65-F5344CB8AC3E}">
@@ -6576,7 +6621,7 @@
           <a:p>
             <a:r>
               <a:rPr lang="en-US" dirty="0"/>
-              <a:t>Limiting Growth</a:t>
+              <a:t>Tree Conclusion</a:t>
             </a:r>
           </a:p>
         </p:txBody>
@@ -6597,12 +6642,75 @@
             <p:ph idx="1"/>
           </p:nvPr>
         </p:nvSpPr>
-        <p:spPr/>
+        <p:spPr>
+          <a:xfrm>
+            <a:off x="1451579" y="1940482"/>
+            <a:ext cx="9603275" cy="4181112"/>
+          </a:xfrm>
+        </p:spPr>
         <p:txBody>
           <a:bodyPr/>
           <a:lstStyle/>
           <a:p>
-            <a:endParaRPr lang="en-US"/>
+            <a:r>
+              <a:rPr lang="en-US" dirty="0"/>
+              <a:t>Trees are a very useful type of model, that can work better than regression sometimes:</a:t>
+            </a:r>
+          </a:p>
+          <a:p>
+            <a:pPr lvl="1"/>
+            <a:r>
+              <a:rPr lang="en-US" dirty="0"/>
+              <a:t>Can handle non-linear relationships by default. </a:t>
+            </a:r>
+          </a:p>
+          <a:p>
+            <a:pPr lvl="1"/>
+            <a:r>
+              <a:rPr lang="en-US" dirty="0"/>
+              <a:t>Able to be very adaptable, i.e. able to learn more complex relationships in data. </a:t>
+            </a:r>
+          </a:p>
+          <a:p>
+            <a:pPr lvl="1"/>
+            <a:r>
+              <a:rPr lang="en-US" dirty="0"/>
+              <a:t>Can be explained – a human can walk through the decision. </a:t>
+            </a:r>
+          </a:p>
+          <a:p>
+            <a:pPr lvl="1"/>
+            <a:r>
+              <a:rPr lang="en-US" dirty="0"/>
+              <a:t>More advanced ensemble (more than one model combined) models use trees as a base. </a:t>
+            </a:r>
+          </a:p>
+          <a:p>
+            <a:r>
+              <a:rPr lang="en-US" dirty="0"/>
+              <a:t>Tree issues still exist:</a:t>
+            </a:r>
+          </a:p>
+          <a:p>
+            <a:pPr lvl="1"/>
+            <a:r>
+              <a:rPr lang="en-US" dirty="0"/>
+              <a:t>Tend to overfit – to become too customized to the exact training data. </a:t>
+            </a:r>
+          </a:p>
+          <a:p>
+            <a:pPr lvl="1"/>
+            <a:r>
+              <a:rPr lang="en-US" dirty="0"/>
+              <a:t>Unstable – small differences in randomness in training can result in very different models. </a:t>
+            </a:r>
+          </a:p>
+          <a:p>
+            <a:pPr lvl="1"/>
+            <a:r>
+              <a:rPr lang="en-US" dirty="0"/>
+              <a:t>More variability in what results – we need to run trials more than with regression. </a:t>
+            </a:r>
           </a:p>
         </p:txBody>
       </p:sp>
@@ -6620,7 +6728,7 @@
 </file>
 
 <file path=ppt/slides/slide27.xml><?xml version="1.0" encoding="utf-8"?>
-<p:sld xmlns:a="http://schemas.openxmlformats.org/drawingml/2006/main" xmlns:r="http://schemas.openxmlformats.org/officeDocument/2006/relationships" xmlns:p="http://schemas.openxmlformats.org/presentationml/2006/main">
+<p:sld xmlns:a="http://schemas.openxmlformats.org/drawingml/2006/main" xmlns:r="http://schemas.openxmlformats.org/officeDocument/2006/relationships" xmlns:p="http://schemas.openxmlformats.org/presentationml/2006/main" show="0">
   <p:cSld>
     <p:bg>
       <p:bgPr>
@@ -6813,7 +6921,7 @@
 </file>
 
 <file path=ppt/slides/slide28.xml><?xml version="1.0" encoding="utf-8"?>
-<p:sld xmlns:a="http://schemas.openxmlformats.org/drawingml/2006/main" xmlns:r="http://schemas.openxmlformats.org/officeDocument/2006/relationships" xmlns:p="http://schemas.openxmlformats.org/presentationml/2006/main">
+<p:sld xmlns:a="http://schemas.openxmlformats.org/drawingml/2006/main" xmlns:r="http://schemas.openxmlformats.org/officeDocument/2006/relationships" xmlns:p="http://schemas.openxmlformats.org/presentationml/2006/main" show="0">
   <p:cSld>
     <p:bg>
       <p:bgPr>

--- a/course_resources/slides/Used/019_Trees_over_under.pptx
+++ b/course_resources/slides/Used/019_Trees_over_under.pptx
@@ -5,37 +5,38 @@
     <p:sldMasterId id="2147483660" r:id="rId1"/>
   </p:sldMasterIdLst>
   <p:notesMasterIdLst>
-    <p:notesMasterId r:id="rId30"/>
+    <p:notesMasterId r:id="rId31"/>
   </p:notesMasterIdLst>
   <p:sldIdLst>
-    <p:sldId id="256" r:id="rId2"/>
-    <p:sldId id="289" r:id="rId3"/>
-    <p:sldId id="260" r:id="rId4"/>
-    <p:sldId id="265" r:id="rId5"/>
-    <p:sldId id="261" r:id="rId6"/>
-    <p:sldId id="262" r:id="rId7"/>
-    <p:sldId id="257" r:id="rId8"/>
-    <p:sldId id="258" r:id="rId9"/>
-    <p:sldId id="259" r:id="rId10"/>
-    <p:sldId id="264" r:id="rId11"/>
-    <p:sldId id="287" r:id="rId12"/>
-    <p:sldId id="286" r:id="rId13"/>
-    <p:sldId id="266" r:id="rId14"/>
-    <p:sldId id="267" r:id="rId15"/>
-    <p:sldId id="282" r:id="rId16"/>
-    <p:sldId id="284" r:id="rId17"/>
-    <p:sldId id="281" r:id="rId18"/>
-    <p:sldId id="288" r:id="rId19"/>
-    <p:sldId id="290" r:id="rId20"/>
-    <p:sldId id="279" r:id="rId21"/>
-    <p:sldId id="274" r:id="rId22"/>
-    <p:sldId id="275" r:id="rId23"/>
-    <p:sldId id="278" r:id="rId24"/>
-    <p:sldId id="283" r:id="rId25"/>
-    <p:sldId id="285" r:id="rId26"/>
-    <p:sldId id="280" r:id="rId27"/>
-    <p:sldId id="276" r:id="rId28"/>
-    <p:sldId id="277" r:id="rId29"/>
+    <p:sldId id="291" r:id="rId2"/>
+    <p:sldId id="256" r:id="rId3"/>
+    <p:sldId id="289" r:id="rId4"/>
+    <p:sldId id="260" r:id="rId5"/>
+    <p:sldId id="265" r:id="rId6"/>
+    <p:sldId id="261" r:id="rId7"/>
+    <p:sldId id="262" r:id="rId8"/>
+    <p:sldId id="257" r:id="rId9"/>
+    <p:sldId id="258" r:id="rId10"/>
+    <p:sldId id="259" r:id="rId11"/>
+    <p:sldId id="264" r:id="rId12"/>
+    <p:sldId id="287" r:id="rId13"/>
+    <p:sldId id="286" r:id="rId14"/>
+    <p:sldId id="266" r:id="rId15"/>
+    <p:sldId id="267" r:id="rId16"/>
+    <p:sldId id="282" r:id="rId17"/>
+    <p:sldId id="284" r:id="rId18"/>
+    <p:sldId id="281" r:id="rId19"/>
+    <p:sldId id="288" r:id="rId20"/>
+    <p:sldId id="290" r:id="rId21"/>
+    <p:sldId id="279" r:id="rId22"/>
+    <p:sldId id="274" r:id="rId23"/>
+    <p:sldId id="275" r:id="rId24"/>
+    <p:sldId id="278" r:id="rId25"/>
+    <p:sldId id="283" r:id="rId26"/>
+    <p:sldId id="285" r:id="rId27"/>
+    <p:sldId id="280" r:id="rId28"/>
+    <p:sldId id="276" r:id="rId29"/>
+    <p:sldId id="277" r:id="rId30"/>
   </p:sldIdLst>
   <p:sldSz cx="12192000" cy="6858000"/>
   <p:notesSz cx="6858000" cy="9144000"/>
@@ -556,7 +557,7 @@
           <a:p>
             <a:fld id="{9CB1A861-F0D7-D84E-A25F-3A724E46AE05}" type="slidenum">
               <a:rPr lang="en-US" smtClean="0"/>
-              <a:t>27</a:t>
+              <a:t>28</a:t>
             </a:fld>
             <a:endParaRPr lang="en-US"/>
           </a:p>
@@ -4093,7 +4094,7 @@
           <p:cNvPr id="2" name="Title 1">
             <a:extLst>
               <a:ext uri="{FF2B5EF4-FFF2-40B4-BE49-F238E27FC236}">
-                <a16:creationId xmlns:a16="http://schemas.microsoft.com/office/drawing/2014/main" id="{B8E2AD5A-7A83-5C4C-9676-675895A77766}"/>
+                <a16:creationId xmlns:a16="http://schemas.microsoft.com/office/drawing/2014/main" id="{1CF84E72-D1D9-2D1C-13A9-A0C137D991FB}"/>
               </a:ext>
             </a:extLst>
           </p:cNvPr>
@@ -4101,7 +4102,7 @@
             <a:spLocks noGrp="1"/>
           </p:cNvSpPr>
           <p:nvPr>
-            <p:ph type="ctrTitle"/>
+            <p:ph type="title"/>
           </p:nvPr>
         </p:nvSpPr>
         <p:spPr/>
@@ -4111,17 +4112,17 @@
           <a:p>
             <a:r>
               <a:rPr lang="en-US" dirty="0"/>
-              <a:t>Trees</a:t>
-            </a:r>
-          </a:p>
-        </p:txBody>
-      </p:sp>
-      <p:sp>
-        <p:nvSpPr>
-          <p:cNvPr id="3" name="Subtitle 2">
+              <a:t>Housekeeping</a:t>
+            </a:r>
+          </a:p>
+        </p:txBody>
+      </p:sp>
+      <p:sp>
+        <p:nvSpPr>
+          <p:cNvPr id="3" name="Content Placeholder 2">
             <a:extLst>
               <a:ext uri="{FF2B5EF4-FFF2-40B4-BE49-F238E27FC236}">
-                <a16:creationId xmlns:a16="http://schemas.microsoft.com/office/drawing/2014/main" id="{1DF7E239-BEEB-794A-A95E-6522428CD737}"/>
+                <a16:creationId xmlns:a16="http://schemas.microsoft.com/office/drawing/2014/main" id="{C748BDDF-97E2-737C-6BC9-32587A1EF842}"/>
               </a:ext>
             </a:extLst>
           </p:cNvPr>
@@ -4129,7 +4130,7 @@
             <a:spLocks noGrp="1"/>
           </p:cNvSpPr>
           <p:nvPr>
-            <p:ph type="subTitle" idx="1"/>
+            <p:ph idx="1"/>
           </p:nvPr>
         </p:nvSpPr>
         <p:spPr/>
@@ -4139,15 +4140,48 @@
           <a:p>
             <a:r>
               <a:rPr lang="en-US" dirty="0"/>
-              <a:t>They Grow</a:t>
-            </a:r>
+              <a:t>Today – trees</a:t>
+            </a:r>
+          </a:p>
+          <a:p>
+            <a:pPr lvl="1"/>
+            <a:r>
+              <a:rPr lang="en-US" dirty="0"/>
+              <a:t>Classification trees</a:t>
+            </a:r>
+          </a:p>
+          <a:p>
+            <a:pPr lvl="1"/>
+            <a:r>
+              <a:rPr lang="en-US" dirty="0"/>
+              <a:t>Tree logic, theory, and background math at a high level. </a:t>
+            </a:r>
+          </a:p>
+          <a:p>
+            <a:pPr lvl="1"/>
+            <a:r>
+              <a:rPr lang="en-US" dirty="0"/>
+              <a:t>Using trees (very little changes in code). </a:t>
+            </a:r>
+          </a:p>
+          <a:p>
+            <a:pPr lvl="1"/>
+            <a:r>
+              <a:rPr lang="en-US" dirty="0"/>
+              <a:t>Under and over fitting and mitigation with </a:t>
+            </a:r>
+            <a:r>
+              <a:rPr lang="en-US"/>
+              <a:t>HP tuning. </a:t>
+            </a:r>
+            <a:endParaRPr lang="en-US" dirty="0"/>
           </a:p>
         </p:txBody>
       </p:sp>
     </p:spTree>
     <p:extLst>
       <p:ext uri="{BB962C8B-B14F-4D97-AF65-F5344CB8AC3E}">
-        <p14:creationId xmlns:p14="http://schemas.microsoft.com/office/powerpoint/2010/main" val="90841124"/>
+        <p14:creationId xmlns:p14="http://schemas.microsoft.com/office/powerpoint/2010/main" val="169387740"/>
       </p:ext>
     </p:extLst>
   </p:cSld>
@@ -4158,1056 +4192,6 @@
 </file>
 
 <file path=ppt/slides/slide10.xml><?xml version="1.0" encoding="utf-8"?>
-<p:sld xmlns:a="http://schemas.openxmlformats.org/drawingml/2006/main" xmlns:r="http://schemas.openxmlformats.org/officeDocument/2006/relationships" xmlns:p="http://schemas.openxmlformats.org/presentationml/2006/main">
-  <p:cSld>
-    <p:spTree>
-      <p:nvGrpSpPr>
-        <p:cNvPr id="1" name=""/>
-        <p:cNvGrpSpPr/>
-        <p:nvPr/>
-      </p:nvGrpSpPr>
-      <p:grpSpPr>
-        <a:xfrm>
-          <a:off x="0" y="0"/>
-          <a:ext cx="0" cy="0"/>
-          <a:chOff x="0" y="0"/>
-          <a:chExt cx="0" cy="0"/>
-        </a:xfrm>
-      </p:grpSpPr>
-      <p:sp>
-        <p:nvSpPr>
-          <p:cNvPr id="2" name="Title 1">
-            <a:extLst>
-              <a:ext uri="{FF2B5EF4-FFF2-40B4-BE49-F238E27FC236}">
-                <a16:creationId xmlns:a16="http://schemas.microsoft.com/office/drawing/2014/main" id="{B2208BBE-CA3C-2244-A997-B6F6BC2411EC}"/>
-              </a:ext>
-            </a:extLst>
-          </p:cNvPr>
-          <p:cNvSpPr>
-            <a:spLocks noGrp="1"/>
-          </p:cNvSpPr>
-          <p:nvPr>
-            <p:ph type="title"/>
-          </p:nvPr>
-        </p:nvSpPr>
-        <p:spPr/>
-        <p:txBody>
-          <a:bodyPr/>
-          <a:lstStyle/>
-          <a:p>
-            <a:r>
-              <a:rPr lang="en-US" dirty="0"/>
-              <a:t>Splitting Decision</a:t>
-            </a:r>
-          </a:p>
-        </p:txBody>
-      </p:sp>
-      <p:sp>
-        <p:nvSpPr>
-          <p:cNvPr id="3" name="Content Placeholder 2">
-            <a:extLst>
-              <a:ext uri="{FF2B5EF4-FFF2-40B4-BE49-F238E27FC236}">
-                <a16:creationId xmlns:a16="http://schemas.microsoft.com/office/drawing/2014/main" id="{BD802F17-797C-6440-A30C-B7581EB0011E}"/>
-              </a:ext>
-            </a:extLst>
-          </p:cNvPr>
-          <p:cNvSpPr>
-            <a:spLocks noGrp="1"/>
-          </p:cNvSpPr>
-          <p:nvPr>
-            <p:ph idx="1"/>
-          </p:nvPr>
-        </p:nvSpPr>
-        <p:spPr>
-          <a:xfrm>
-            <a:off x="1451579" y="1853754"/>
-            <a:ext cx="9603275" cy="2624901"/>
-          </a:xfrm>
-        </p:spPr>
-        <p:txBody>
-          <a:bodyPr/>
-          <a:lstStyle/>
-          <a:p>
-            <a:r>
-              <a:rPr lang="en-US" dirty="0"/>
-              <a:t>The algorithm looks for the decision that maximizes information gain or purity. </a:t>
-            </a:r>
-          </a:p>
-          <a:p>
-            <a:pPr lvl="1"/>
-            <a:r>
-              <a:rPr lang="en-US" dirty="0"/>
-              <a:t>Gain = Gini/ENT before the split – Gini/ENT after the split</a:t>
-            </a:r>
-          </a:p>
-          <a:p>
-            <a:pPr lvl="1"/>
-            <a:r>
-              <a:rPr lang="en-US" dirty="0"/>
-              <a:t>The split is the one that makes the tree more pure after. </a:t>
-            </a:r>
-          </a:p>
-          <a:p>
-            <a:pPr lvl="1"/>
-            <a:r>
-              <a:rPr lang="en-US" dirty="0"/>
-              <a:t>Maximize discrimination with the division. </a:t>
-            </a:r>
-          </a:p>
-          <a:p>
-            <a:r>
-              <a:rPr lang="en-US" dirty="0"/>
-              <a:t>The series of the decisions makes the tree sequence of decisions. </a:t>
-            </a:r>
-          </a:p>
-          <a:p>
-            <a:r>
-              <a:rPr lang="en-US" dirty="0"/>
-              <a:t>In practice Gini and Entropy will usually give close to the same results</a:t>
-            </a:r>
-          </a:p>
-        </p:txBody>
-      </p:sp>
-      <p:pic>
-        <p:nvPicPr>
-          <p:cNvPr id="5122" name="Picture 2" descr="Representation of Gini Index and Entropy">
-            <a:extLst>
-              <a:ext uri="{FF2B5EF4-FFF2-40B4-BE49-F238E27FC236}">
-                <a16:creationId xmlns:a16="http://schemas.microsoft.com/office/drawing/2014/main" id="{0B4F503F-65DF-594A-A2CB-6F3BE1112854}"/>
-              </a:ext>
-            </a:extLst>
-          </p:cNvPr>
-          <p:cNvPicPr>
-            <a:picLocks noChangeAspect="1" noChangeArrowheads="1"/>
-          </p:cNvPicPr>
-          <p:nvPr/>
-        </p:nvPicPr>
-        <p:blipFill rotWithShape="1">
-          <a:blip r:embed="rId2">
-            <a:extLst>
-              <a:ext uri="{28A0092B-C50C-407E-A947-70E740481C1C}">
-                <a14:useLocalDpi xmlns:a14="http://schemas.microsoft.com/office/drawing/2010/main" val="0"/>
-              </a:ext>
-            </a:extLst>
-          </a:blip>
-          <a:srcRect l="9202" t="11718" r="9548" b="6250"/>
-          <a:stretch/>
-        </p:blipFill>
-        <p:spPr bwMode="auto">
-          <a:xfrm>
-            <a:off x="2679844" y="4478655"/>
-            <a:ext cx="6832311" cy="2299336"/>
-          </a:xfrm>
-          <a:prstGeom prst="rect">
-            <a:avLst/>
-          </a:prstGeom>
-          <a:noFill/>
-          <a:extLst>
-            <a:ext uri="{909E8E84-426E-40DD-AFC4-6F175D3DCCD1}">
-              <a14:hiddenFill xmlns:a14="http://schemas.microsoft.com/office/drawing/2010/main">
-                <a:solidFill>
-                  <a:srgbClr val="FFFFFF"/>
-                </a:solidFill>
-              </a14:hiddenFill>
-            </a:ext>
-          </a:extLst>
-        </p:spPr>
-      </p:pic>
-    </p:spTree>
-    <p:extLst>
-      <p:ext uri="{BB962C8B-B14F-4D97-AF65-F5344CB8AC3E}">
-        <p14:creationId xmlns:p14="http://schemas.microsoft.com/office/powerpoint/2010/main" val="1641771913"/>
-      </p:ext>
-    </p:extLst>
-  </p:cSld>
-  <p:clrMapOvr>
-    <a:masterClrMapping/>
-  </p:clrMapOvr>
-</p:sld>
-</file>
-
-<file path=ppt/slides/slide11.xml><?xml version="1.0" encoding="utf-8"?>
-<p:sld xmlns:a="http://schemas.openxmlformats.org/drawingml/2006/main" xmlns:r="http://schemas.openxmlformats.org/officeDocument/2006/relationships" xmlns:p="http://schemas.openxmlformats.org/presentationml/2006/main">
-  <p:cSld>
-    <p:spTree>
-      <p:nvGrpSpPr>
-        <p:cNvPr id="1" name=""/>
-        <p:cNvGrpSpPr/>
-        <p:nvPr/>
-      </p:nvGrpSpPr>
-      <p:grpSpPr>
-        <a:xfrm>
-          <a:off x="0" y="0"/>
-          <a:ext cx="0" cy="0"/>
-          <a:chOff x="0" y="0"/>
-          <a:chExt cx="0" cy="0"/>
-        </a:xfrm>
-      </p:grpSpPr>
-      <p:sp>
-        <p:nvSpPr>
-          <p:cNvPr id="2" name="Title 1">
-            <a:extLst>
-              <a:ext uri="{FF2B5EF4-FFF2-40B4-BE49-F238E27FC236}">
-                <a16:creationId xmlns:a16="http://schemas.microsoft.com/office/drawing/2014/main" id="{AF54E7B3-0681-EAF3-0F4D-FD9440D5D87F}"/>
-              </a:ext>
-            </a:extLst>
-          </p:cNvPr>
-          <p:cNvSpPr>
-            <a:spLocks noGrp="1"/>
-          </p:cNvSpPr>
-          <p:nvPr>
-            <p:ph type="title"/>
-          </p:nvPr>
-        </p:nvSpPr>
-        <p:spPr/>
-        <p:txBody>
-          <a:bodyPr/>
-          <a:lstStyle/>
-          <a:p>
-            <a:endParaRPr lang="en-US"/>
-          </a:p>
-        </p:txBody>
-      </p:sp>
-      <p:sp>
-        <p:nvSpPr>
-          <p:cNvPr id="3" name="Content Placeholder 2">
-            <a:extLst>
-              <a:ext uri="{FF2B5EF4-FFF2-40B4-BE49-F238E27FC236}">
-                <a16:creationId xmlns:a16="http://schemas.microsoft.com/office/drawing/2014/main" id="{866428B7-D221-4AB4-49D1-C9ACE105F313}"/>
-              </a:ext>
-            </a:extLst>
-          </p:cNvPr>
-          <p:cNvSpPr>
-            <a:spLocks noGrp="1"/>
-          </p:cNvSpPr>
-          <p:nvPr>
-            <p:ph idx="1"/>
-          </p:nvPr>
-        </p:nvSpPr>
-        <p:spPr/>
-        <p:txBody>
-          <a:bodyPr/>
-          <a:lstStyle/>
-          <a:p>
-            <a:endParaRPr lang="en-US"/>
-          </a:p>
-        </p:txBody>
-      </p:sp>
-      <p:pic>
-        <p:nvPicPr>
-          <p:cNvPr id="4" name="Picture 3">
-            <a:extLst>
-              <a:ext uri="{FF2B5EF4-FFF2-40B4-BE49-F238E27FC236}">
-                <a16:creationId xmlns:a16="http://schemas.microsoft.com/office/drawing/2014/main" id="{AE1DAD06-CF8B-120D-A9C3-277BBED48F48}"/>
-              </a:ext>
-            </a:extLst>
-          </p:cNvPr>
-          <p:cNvPicPr>
-            <a:picLocks noChangeAspect="1"/>
-          </p:cNvPicPr>
-          <p:nvPr/>
-        </p:nvPicPr>
-        <p:blipFill>
-          <a:blip r:embed="rId2"/>
-          <a:stretch>
-            <a:fillRect/>
-          </a:stretch>
-        </p:blipFill>
-        <p:spPr>
-          <a:xfrm>
-            <a:off x="0" y="-36953"/>
-            <a:ext cx="12192000" cy="6931906"/>
-          </a:xfrm>
-          <a:prstGeom prst="rect">
-            <a:avLst/>
-          </a:prstGeom>
-        </p:spPr>
-      </p:pic>
-    </p:spTree>
-    <p:extLst>
-      <p:ext uri="{BB962C8B-B14F-4D97-AF65-F5344CB8AC3E}">
-        <p14:creationId xmlns:p14="http://schemas.microsoft.com/office/powerpoint/2010/main" val="3242732333"/>
-      </p:ext>
-    </p:extLst>
-  </p:cSld>
-  <p:clrMapOvr>
-    <a:masterClrMapping/>
-  </p:clrMapOvr>
-</p:sld>
-</file>
-
-<file path=ppt/slides/slide12.xml><?xml version="1.0" encoding="utf-8"?>
-<p:sld xmlns:a="http://schemas.openxmlformats.org/drawingml/2006/main" xmlns:r="http://schemas.openxmlformats.org/officeDocument/2006/relationships" xmlns:p="http://schemas.openxmlformats.org/presentationml/2006/main">
-  <p:cSld>
-    <p:spTree>
-      <p:nvGrpSpPr>
-        <p:cNvPr id="1" name=""/>
-        <p:cNvGrpSpPr/>
-        <p:nvPr/>
-      </p:nvGrpSpPr>
-      <p:grpSpPr>
-        <a:xfrm>
-          <a:off x="0" y="0"/>
-          <a:ext cx="0" cy="0"/>
-          <a:chOff x="0" y="0"/>
-          <a:chExt cx="0" cy="0"/>
-        </a:xfrm>
-      </p:grpSpPr>
-      <p:sp>
-        <p:nvSpPr>
-          <p:cNvPr id="2" name="Title 1">
-            <a:extLst>
-              <a:ext uri="{FF2B5EF4-FFF2-40B4-BE49-F238E27FC236}">
-                <a16:creationId xmlns:a16="http://schemas.microsoft.com/office/drawing/2014/main" id="{26F5BBE3-2842-33EF-82FD-4075E0B47B5A}"/>
-              </a:ext>
-            </a:extLst>
-          </p:cNvPr>
-          <p:cNvSpPr>
-            <a:spLocks noGrp="1"/>
-          </p:cNvSpPr>
-          <p:nvPr>
-            <p:ph type="title"/>
-          </p:nvPr>
-        </p:nvSpPr>
-        <p:spPr/>
-        <p:txBody>
-          <a:bodyPr/>
-          <a:lstStyle/>
-          <a:p>
-            <a:endParaRPr lang="en-US"/>
-          </a:p>
-        </p:txBody>
-      </p:sp>
-      <p:sp>
-        <p:nvSpPr>
-          <p:cNvPr id="3" name="Content Placeholder 2">
-            <a:extLst>
-              <a:ext uri="{FF2B5EF4-FFF2-40B4-BE49-F238E27FC236}">
-                <a16:creationId xmlns:a16="http://schemas.microsoft.com/office/drawing/2014/main" id="{6D6B79B7-E28D-3143-E95E-1E5C57211B47}"/>
-              </a:ext>
-            </a:extLst>
-          </p:cNvPr>
-          <p:cNvSpPr>
-            <a:spLocks noGrp="1"/>
-          </p:cNvSpPr>
-          <p:nvPr>
-            <p:ph idx="1"/>
-          </p:nvPr>
-        </p:nvSpPr>
-        <p:spPr/>
-        <p:txBody>
-          <a:bodyPr/>
-          <a:lstStyle/>
-          <a:p>
-            <a:endParaRPr lang="en-US"/>
-          </a:p>
-        </p:txBody>
-      </p:sp>
-      <p:pic>
-        <p:nvPicPr>
-          <p:cNvPr id="2052" name="Picture 4" descr="Decision Tree Split | How to Split Decision Tree and Get Ideal Split">
-            <a:extLst>
-              <a:ext uri="{FF2B5EF4-FFF2-40B4-BE49-F238E27FC236}">
-                <a16:creationId xmlns:a16="http://schemas.microsoft.com/office/drawing/2014/main" id="{1778CE7F-E37A-9A00-6C8A-AA7FFF2021E5}"/>
-              </a:ext>
-            </a:extLst>
-          </p:cNvPr>
-          <p:cNvPicPr>
-            <a:picLocks noChangeAspect="1" noChangeArrowheads="1"/>
-          </p:cNvPicPr>
-          <p:nvPr/>
-        </p:nvPicPr>
-        <p:blipFill rotWithShape="1">
-          <a:blip r:embed="rId2">
-            <a:extLst>
-              <a:ext uri="{28A0092B-C50C-407E-A947-70E740481C1C}">
-                <a14:useLocalDpi xmlns:a14="http://schemas.microsoft.com/office/drawing/2010/main" val="0"/>
-              </a:ext>
-            </a:extLst>
-          </a:blip>
-          <a:srcRect b="14035"/>
-          <a:stretch/>
-        </p:blipFill>
-        <p:spPr bwMode="auto">
-          <a:xfrm>
-            <a:off x="0" y="445170"/>
-            <a:ext cx="12192000" cy="5895474"/>
-          </a:xfrm>
-          <a:prstGeom prst="rect">
-            <a:avLst/>
-          </a:prstGeom>
-          <a:noFill/>
-          <a:extLst>
-            <a:ext uri="{909E8E84-426E-40DD-AFC4-6F175D3DCCD1}">
-              <a14:hiddenFill xmlns:a14="http://schemas.microsoft.com/office/drawing/2010/main">
-                <a:solidFill>
-                  <a:srgbClr val="FFFFFF"/>
-                </a:solidFill>
-              </a14:hiddenFill>
-            </a:ext>
-          </a:extLst>
-        </p:spPr>
-      </p:pic>
-    </p:spTree>
-    <p:extLst>
-      <p:ext uri="{BB962C8B-B14F-4D97-AF65-F5344CB8AC3E}">
-        <p14:creationId xmlns:p14="http://schemas.microsoft.com/office/powerpoint/2010/main" val="1186289336"/>
-      </p:ext>
-    </p:extLst>
-  </p:cSld>
-  <p:clrMapOvr>
-    <a:masterClrMapping/>
-  </p:clrMapOvr>
-</p:sld>
-</file>
-
-<file path=ppt/slides/slide13.xml><?xml version="1.0" encoding="utf-8"?>
-<p:sld xmlns:a="http://schemas.openxmlformats.org/drawingml/2006/main" xmlns:r="http://schemas.openxmlformats.org/officeDocument/2006/relationships" xmlns:p="http://schemas.openxmlformats.org/presentationml/2006/main">
-  <p:cSld>
-    <p:spTree>
-      <p:nvGrpSpPr>
-        <p:cNvPr id="1" name=""/>
-        <p:cNvGrpSpPr/>
-        <p:nvPr/>
-      </p:nvGrpSpPr>
-      <p:grpSpPr>
-        <a:xfrm>
-          <a:off x="0" y="0"/>
-          <a:ext cx="0" cy="0"/>
-          <a:chOff x="0" y="0"/>
-          <a:chExt cx="0" cy="0"/>
-        </a:xfrm>
-      </p:grpSpPr>
-      <p:sp>
-        <p:nvSpPr>
-          <p:cNvPr id="2" name="Title 1">
-            <a:extLst>
-              <a:ext uri="{FF2B5EF4-FFF2-40B4-BE49-F238E27FC236}">
-                <a16:creationId xmlns:a16="http://schemas.microsoft.com/office/drawing/2014/main" id="{0E00FFD6-22ED-F546-B798-68AAFE8DFDE8}"/>
-              </a:ext>
-            </a:extLst>
-          </p:cNvPr>
-          <p:cNvSpPr>
-            <a:spLocks noGrp="1"/>
-          </p:cNvSpPr>
-          <p:nvPr>
-            <p:ph type="title"/>
-          </p:nvPr>
-        </p:nvSpPr>
-        <p:spPr/>
-        <p:txBody>
-          <a:bodyPr/>
-          <a:lstStyle/>
-          <a:p>
-            <a:r>
-              <a:rPr lang="en-US" dirty="0"/>
-              <a:t>Woody Goodness</a:t>
-            </a:r>
-          </a:p>
-        </p:txBody>
-      </p:sp>
-      <p:sp>
-        <p:nvSpPr>
-          <p:cNvPr id="3" name="Content Placeholder 2">
-            <a:extLst>
-              <a:ext uri="{FF2B5EF4-FFF2-40B4-BE49-F238E27FC236}">
-                <a16:creationId xmlns:a16="http://schemas.microsoft.com/office/drawing/2014/main" id="{06F1374C-BD2A-1F48-A02F-FDEBA81F953F}"/>
-              </a:ext>
-            </a:extLst>
-          </p:cNvPr>
-          <p:cNvSpPr>
-            <a:spLocks noGrp="1"/>
-          </p:cNvSpPr>
-          <p:nvPr>
-            <p:ph idx="1"/>
-          </p:nvPr>
-        </p:nvSpPr>
-        <p:spPr>
-          <a:xfrm>
-            <a:off x="1451579" y="2015732"/>
-            <a:ext cx="9603275" cy="4037749"/>
-          </a:xfrm>
-        </p:spPr>
-        <p:txBody>
-          <a:bodyPr/>
-          <a:lstStyle/>
-          <a:p>
-            <a:r>
-              <a:rPr lang="en-US" dirty="0"/>
-              <a:t>Tree benefits:</a:t>
-            </a:r>
-          </a:p>
-          <a:p>
-            <a:pPr lvl="1"/>
-            <a:r>
-              <a:rPr lang="en-US" dirty="0"/>
-              <a:t>Simple, understandable, and mirrors human decision making. </a:t>
-            </a:r>
-          </a:p>
-          <a:p>
-            <a:pPr lvl="1"/>
-            <a:r>
-              <a:rPr lang="en-US" dirty="0"/>
-              <a:t>Handles non-linear relationships. </a:t>
-            </a:r>
-          </a:p>
-          <a:p>
-            <a:pPr lvl="1"/>
-            <a:r>
-              <a:rPr lang="en-US" dirty="0"/>
-              <a:t>Non-parametric (Meaning they aren’t based on prior assumptions, like normality). </a:t>
-            </a:r>
-          </a:p>
-          <a:p>
-            <a:pPr lvl="1"/>
-            <a:r>
-              <a:rPr lang="en-US" dirty="0"/>
-              <a:t>Explainable – we can follow the exact logic of the decisions. </a:t>
-            </a:r>
-          </a:p>
-          <a:p>
-            <a:pPr lvl="1"/>
-            <a:r>
-              <a:rPr lang="en-US" dirty="0"/>
-              <a:t>Data prep is minimal – no need to encode or scale data. </a:t>
-            </a:r>
-          </a:p>
-          <a:p>
-            <a:pPr lvl="1"/>
-            <a:r>
-              <a:rPr lang="en-US" dirty="0"/>
-              <a:t>Generally computationally efficient with large datasets when making decisions. </a:t>
-            </a:r>
-          </a:p>
-          <a:p>
-            <a:r>
-              <a:rPr lang="en-US" dirty="0"/>
-              <a:t>Can be acceptable in scenarios (finance, insurance, </a:t>
-            </a:r>
-            <a:r>
-              <a:rPr lang="en-US" dirty="0" err="1"/>
-              <a:t>etc</a:t>
-            </a:r>
-            <a:r>
-              <a:rPr lang="en-US" dirty="0"/>
-              <a:t>…) where a black box model isn’t. </a:t>
-            </a:r>
-          </a:p>
-          <a:p>
-            <a:pPr lvl="1"/>
-            <a:r>
-              <a:rPr lang="en-US" dirty="0"/>
-              <a:t>A human can explain how a decision was made, this is less true with most models. </a:t>
-            </a:r>
-          </a:p>
-          <a:p>
-            <a:pPr lvl="1"/>
-            <a:endParaRPr lang="en-US" dirty="0"/>
-          </a:p>
-        </p:txBody>
-      </p:sp>
-    </p:spTree>
-    <p:extLst>
-      <p:ext uri="{BB962C8B-B14F-4D97-AF65-F5344CB8AC3E}">
-        <p14:creationId xmlns:p14="http://schemas.microsoft.com/office/powerpoint/2010/main" val="4290145207"/>
-      </p:ext>
-    </p:extLst>
-  </p:cSld>
-  <p:clrMapOvr>
-    <a:masterClrMapping/>
-  </p:clrMapOvr>
-</p:sld>
-</file>
-
-<file path=ppt/slides/slide14.xml><?xml version="1.0" encoding="utf-8"?>
-<p:sld xmlns:a="http://schemas.openxmlformats.org/drawingml/2006/main" xmlns:r="http://schemas.openxmlformats.org/officeDocument/2006/relationships" xmlns:p="http://schemas.openxmlformats.org/presentationml/2006/main">
-  <p:cSld>
-    <p:spTree>
-      <p:nvGrpSpPr>
-        <p:cNvPr id="1" name=""/>
-        <p:cNvGrpSpPr/>
-        <p:nvPr/>
-      </p:nvGrpSpPr>
-      <p:grpSpPr>
-        <a:xfrm>
-          <a:off x="0" y="0"/>
-          <a:ext cx="0" cy="0"/>
-          <a:chOff x="0" y="0"/>
-          <a:chExt cx="0" cy="0"/>
-        </a:xfrm>
-      </p:grpSpPr>
-      <p:sp>
-        <p:nvSpPr>
-          <p:cNvPr id="2" name="Title 1">
-            <a:extLst>
-              <a:ext uri="{FF2B5EF4-FFF2-40B4-BE49-F238E27FC236}">
-                <a16:creationId xmlns:a16="http://schemas.microsoft.com/office/drawing/2014/main" id="{CDCB3360-6454-764B-82F2-EEA9E2CAF8FE}"/>
-              </a:ext>
-            </a:extLst>
-          </p:cNvPr>
-          <p:cNvSpPr>
-            <a:spLocks noGrp="1"/>
-          </p:cNvSpPr>
-          <p:nvPr>
-            <p:ph type="title"/>
-          </p:nvPr>
-        </p:nvSpPr>
-        <p:spPr/>
-        <p:txBody>
-          <a:bodyPr/>
-          <a:lstStyle/>
-          <a:p>
-            <a:r>
-              <a:rPr lang="en-US" dirty="0"/>
-              <a:t>Barky Badness</a:t>
-            </a:r>
-          </a:p>
-        </p:txBody>
-      </p:sp>
-      <p:sp>
-        <p:nvSpPr>
-          <p:cNvPr id="3" name="Content Placeholder 2">
-            <a:extLst>
-              <a:ext uri="{FF2B5EF4-FFF2-40B4-BE49-F238E27FC236}">
-                <a16:creationId xmlns:a16="http://schemas.microsoft.com/office/drawing/2014/main" id="{1AAFD4D7-B3CA-C14B-8695-4991E10C095A}"/>
-              </a:ext>
-            </a:extLst>
-          </p:cNvPr>
-          <p:cNvSpPr>
-            <a:spLocks noGrp="1"/>
-          </p:cNvSpPr>
-          <p:nvPr>
-            <p:ph idx="1"/>
-          </p:nvPr>
-        </p:nvSpPr>
-        <p:spPr>
-          <a:xfrm>
-            <a:off x="1451579" y="2015732"/>
-            <a:ext cx="9603275" cy="3867832"/>
-          </a:xfrm>
-        </p:spPr>
-        <p:txBody>
-          <a:bodyPr/>
-          <a:lstStyle/>
-          <a:p>
-            <a:r>
-              <a:rPr lang="en-US" dirty="0"/>
-              <a:t>Trees have some disadvantages:</a:t>
-            </a:r>
-          </a:p>
-          <a:p>
-            <a:pPr lvl="1"/>
-            <a:r>
-              <a:rPr lang="en-US" dirty="0"/>
-              <a:t>Non-robust – small changes in training data can generate wildly different trees. </a:t>
-            </a:r>
-          </a:p>
-          <a:p>
-            <a:pPr lvl="2"/>
-            <a:r>
-              <a:rPr lang="en-US" dirty="0"/>
-              <a:t>I.e. a small difference in train-test split can yield different split points, which can then lead to a very different tree. Even if the end results perform almost identically. </a:t>
-            </a:r>
-          </a:p>
-          <a:p>
-            <a:pPr lvl="1"/>
-            <a:r>
-              <a:rPr lang="en-US" dirty="0"/>
-              <a:t>Prone to overfitting (though we can combat that when we code them).</a:t>
-            </a:r>
-          </a:p>
-          <a:p>
-            <a:pPr lvl="1"/>
-            <a:r>
-              <a:rPr lang="en-US" dirty="0"/>
-              <a:t>Training with large datasets can be time consuming, especially when attempting to limit overfitting. </a:t>
-            </a:r>
-          </a:p>
-          <a:p>
-            <a:pPr lvl="1"/>
-            <a:endParaRPr lang="en-US" dirty="0"/>
-          </a:p>
-        </p:txBody>
-      </p:sp>
-    </p:spTree>
-    <p:extLst>
-      <p:ext uri="{BB962C8B-B14F-4D97-AF65-F5344CB8AC3E}">
-        <p14:creationId xmlns:p14="http://schemas.microsoft.com/office/powerpoint/2010/main" val="1274345100"/>
-      </p:ext>
-    </p:extLst>
-  </p:cSld>
-  <p:clrMapOvr>
-    <a:masterClrMapping/>
-  </p:clrMapOvr>
-</p:sld>
-</file>
-
-<file path=ppt/slides/slide15.xml><?xml version="1.0" encoding="utf-8"?>
-<p:sld xmlns:a="http://schemas.openxmlformats.org/drawingml/2006/main" xmlns:r="http://schemas.openxmlformats.org/officeDocument/2006/relationships" xmlns:p="http://schemas.openxmlformats.org/presentationml/2006/main">
-  <p:cSld>
-    <p:spTree>
-      <p:nvGrpSpPr>
-        <p:cNvPr id="1" name=""/>
-        <p:cNvGrpSpPr/>
-        <p:nvPr/>
-      </p:nvGrpSpPr>
-      <p:grpSpPr>
-        <a:xfrm>
-          <a:off x="0" y="0"/>
-          <a:ext cx="0" cy="0"/>
-          <a:chOff x="0" y="0"/>
-          <a:chExt cx="0" cy="0"/>
-        </a:xfrm>
-      </p:grpSpPr>
-      <p:sp>
-        <p:nvSpPr>
-          <p:cNvPr id="2" name="Title 1">
-            <a:extLst>
-              <a:ext uri="{FF2B5EF4-FFF2-40B4-BE49-F238E27FC236}">
-                <a16:creationId xmlns:a16="http://schemas.microsoft.com/office/drawing/2014/main" id="{CD79E5E5-59E5-35EA-274E-D25B61233504}"/>
-              </a:ext>
-            </a:extLst>
-          </p:cNvPr>
-          <p:cNvSpPr>
-            <a:spLocks noGrp="1"/>
-          </p:cNvSpPr>
-          <p:nvPr>
-            <p:ph type="title"/>
-          </p:nvPr>
-        </p:nvSpPr>
-        <p:spPr/>
-        <p:txBody>
-          <a:bodyPr/>
-          <a:lstStyle/>
-          <a:p>
-            <a:r>
-              <a:rPr lang="en-US" dirty="0"/>
-              <a:t>Overfitting and Underfitting</a:t>
-            </a:r>
-          </a:p>
-        </p:txBody>
-      </p:sp>
-      <p:sp>
-        <p:nvSpPr>
-          <p:cNvPr id="3" name="Content Placeholder 2">
-            <a:extLst>
-              <a:ext uri="{FF2B5EF4-FFF2-40B4-BE49-F238E27FC236}">
-                <a16:creationId xmlns:a16="http://schemas.microsoft.com/office/drawing/2014/main" id="{16EDB27F-6794-70FF-2E55-C188D6024E76}"/>
-              </a:ext>
-            </a:extLst>
-          </p:cNvPr>
-          <p:cNvSpPr>
-            <a:spLocks noGrp="1"/>
-          </p:cNvSpPr>
-          <p:nvPr>
-            <p:ph idx="1"/>
-          </p:nvPr>
-        </p:nvSpPr>
-        <p:spPr>
-          <a:xfrm>
-            <a:off x="1451579" y="1853754"/>
-            <a:ext cx="9603275" cy="4199727"/>
-          </a:xfrm>
-        </p:spPr>
-        <p:txBody>
-          <a:bodyPr/>
-          <a:lstStyle/>
-          <a:p>
-            <a:r>
-              <a:rPr lang="en-US" dirty="0"/>
-              <a:t>We call a model that is too tailored to its training data to be ‘overfitted’ or ‘overtrained’.</a:t>
-            </a:r>
-          </a:p>
-          <a:p>
-            <a:r>
-              <a:rPr lang="en-US" dirty="0"/>
-              <a:t>In many/most ML models, balancing over/underfitting is a primary concern. </a:t>
-            </a:r>
-          </a:p>
-          <a:p>
-            <a:pPr lvl="1"/>
-            <a:r>
-              <a:rPr lang="en-US" dirty="0"/>
-              <a:t>Allow a model to learn enough so that it can make accurate predictions. </a:t>
-            </a:r>
-          </a:p>
-          <a:p>
-            <a:pPr lvl="1"/>
-            <a:r>
-              <a:rPr lang="en-US" dirty="0"/>
-              <a:t>Constrain that growth so the model doesn’t become so specialized that it only predicts what it has already seen. </a:t>
-            </a:r>
-          </a:p>
-          <a:p>
-            <a:endParaRPr lang="en-US" dirty="0"/>
-          </a:p>
-        </p:txBody>
-      </p:sp>
-    </p:spTree>
-    <p:extLst>
-      <p:ext uri="{BB962C8B-B14F-4D97-AF65-F5344CB8AC3E}">
-        <p14:creationId xmlns:p14="http://schemas.microsoft.com/office/powerpoint/2010/main" val="3461336889"/>
-      </p:ext>
-    </p:extLst>
-  </p:cSld>
-  <p:clrMapOvr>
-    <a:masterClrMapping/>
-  </p:clrMapOvr>
-</p:sld>
-</file>
-
-<file path=ppt/slides/slide16.xml><?xml version="1.0" encoding="utf-8"?>
-<p:sld xmlns:a="http://schemas.openxmlformats.org/drawingml/2006/main" xmlns:r="http://schemas.openxmlformats.org/officeDocument/2006/relationships" xmlns:p="http://schemas.openxmlformats.org/presentationml/2006/main">
-  <p:cSld>
-    <p:spTree>
-      <p:nvGrpSpPr>
-        <p:cNvPr id="1" name=""/>
-        <p:cNvGrpSpPr/>
-        <p:nvPr/>
-      </p:nvGrpSpPr>
-      <p:grpSpPr>
-        <a:xfrm>
-          <a:off x="0" y="0"/>
-          <a:ext cx="0" cy="0"/>
-          <a:chOff x="0" y="0"/>
-          <a:chExt cx="0" cy="0"/>
-        </a:xfrm>
-      </p:grpSpPr>
-      <p:sp>
-        <p:nvSpPr>
-          <p:cNvPr id="2" name="Title 1">
-            <a:extLst>
-              <a:ext uri="{FF2B5EF4-FFF2-40B4-BE49-F238E27FC236}">
-                <a16:creationId xmlns:a16="http://schemas.microsoft.com/office/drawing/2014/main" id="{8BD22178-9B3E-3637-9A67-8B14DAB4DEFF}"/>
-              </a:ext>
-            </a:extLst>
-          </p:cNvPr>
-          <p:cNvSpPr>
-            <a:spLocks noGrp="1"/>
-          </p:cNvSpPr>
-          <p:nvPr>
-            <p:ph type="title"/>
-          </p:nvPr>
-        </p:nvSpPr>
-        <p:spPr/>
-        <p:txBody>
-          <a:bodyPr/>
-          <a:lstStyle/>
-          <a:p>
-            <a:endParaRPr lang="en-US"/>
-          </a:p>
-        </p:txBody>
-      </p:sp>
-      <p:sp>
-        <p:nvSpPr>
-          <p:cNvPr id="3" name="Content Placeholder 2">
-            <a:extLst>
-              <a:ext uri="{FF2B5EF4-FFF2-40B4-BE49-F238E27FC236}">
-                <a16:creationId xmlns:a16="http://schemas.microsoft.com/office/drawing/2014/main" id="{2CED83C0-8AB8-B7F7-7167-38C73F5FD85A}"/>
-              </a:ext>
-            </a:extLst>
-          </p:cNvPr>
-          <p:cNvSpPr>
-            <a:spLocks noGrp="1"/>
-          </p:cNvSpPr>
-          <p:nvPr>
-            <p:ph idx="1"/>
-          </p:nvPr>
-        </p:nvSpPr>
-        <p:spPr/>
-        <p:txBody>
-          <a:bodyPr/>
-          <a:lstStyle/>
-          <a:p>
-            <a:endParaRPr lang="en-US"/>
-          </a:p>
-        </p:txBody>
-      </p:sp>
-      <p:pic>
-        <p:nvPicPr>
-          <p:cNvPr id="1026" name="Picture 2" descr="Underfitting and Overfitting in Machine Learning-Geeksforgeeks">
-            <a:extLst>
-              <a:ext uri="{FF2B5EF4-FFF2-40B4-BE49-F238E27FC236}">
-                <a16:creationId xmlns:a16="http://schemas.microsoft.com/office/drawing/2014/main" id="{4BA6F22A-74BC-742E-5AEF-7F84D30E1348}"/>
-              </a:ext>
-            </a:extLst>
-          </p:cNvPr>
-          <p:cNvPicPr>
-            <a:picLocks noChangeAspect="1" noChangeArrowheads="1"/>
-          </p:cNvPicPr>
-          <p:nvPr/>
-        </p:nvPicPr>
-        <p:blipFill>
-          <a:blip r:embed="rId2">
-            <a:extLst>
-              <a:ext uri="{28A0092B-C50C-407E-A947-70E740481C1C}">
-                <a14:useLocalDpi xmlns:a14="http://schemas.microsoft.com/office/drawing/2010/main" val="0"/>
-              </a:ext>
-            </a:extLst>
-          </a:blip>
-          <a:srcRect/>
-          <a:stretch>
-            <a:fillRect/>
-          </a:stretch>
-        </p:blipFill>
-        <p:spPr bwMode="auto">
-          <a:xfrm>
-            <a:off x="0" y="928688"/>
-            <a:ext cx="12192000" cy="4999037"/>
-          </a:xfrm>
-          <a:prstGeom prst="rect">
-            <a:avLst/>
-          </a:prstGeom>
-          <a:noFill/>
-          <a:extLst>
-            <a:ext uri="{909E8E84-426E-40DD-AFC4-6F175D3DCCD1}">
-              <a14:hiddenFill xmlns:a14="http://schemas.microsoft.com/office/drawing/2010/main">
-                <a:solidFill>
-                  <a:srgbClr val="FFFFFF"/>
-                </a:solidFill>
-              </a14:hiddenFill>
-            </a:ext>
-          </a:extLst>
-        </p:spPr>
-      </p:pic>
-    </p:spTree>
-    <p:extLst>
-      <p:ext uri="{BB962C8B-B14F-4D97-AF65-F5344CB8AC3E}">
-        <p14:creationId xmlns:p14="http://schemas.microsoft.com/office/powerpoint/2010/main" val="3813514137"/>
-      </p:ext>
-    </p:extLst>
-  </p:cSld>
-  <p:clrMapOvr>
-    <a:masterClrMapping/>
-  </p:clrMapOvr>
-</p:sld>
-</file>
-
-<file path=ppt/slides/slide17.xml><?xml version="1.0" encoding="utf-8"?>
-<p:sld xmlns:a="http://schemas.openxmlformats.org/drawingml/2006/main" xmlns:r="http://schemas.openxmlformats.org/officeDocument/2006/relationships" xmlns:p="http://schemas.openxmlformats.org/presentationml/2006/main">
-  <p:cSld>
-    <p:spTree>
-      <p:nvGrpSpPr>
-        <p:cNvPr id="1" name=""/>
-        <p:cNvGrpSpPr/>
-        <p:nvPr/>
-      </p:nvGrpSpPr>
-      <p:grpSpPr>
-        <a:xfrm>
-          <a:off x="0" y="0"/>
-          <a:ext cx="0" cy="0"/>
-          <a:chOff x="0" y="0"/>
-          <a:chExt cx="0" cy="0"/>
-        </a:xfrm>
-      </p:grpSpPr>
-      <p:sp>
-        <p:nvSpPr>
-          <p:cNvPr id="2" name="Title 1">
-            <a:extLst>
-              <a:ext uri="{FF2B5EF4-FFF2-40B4-BE49-F238E27FC236}">
-                <a16:creationId xmlns:a16="http://schemas.microsoft.com/office/drawing/2014/main" id="{A915E0F4-D4D8-11C7-A7B5-2FBA6AC2D253}"/>
-              </a:ext>
-            </a:extLst>
-          </p:cNvPr>
-          <p:cNvSpPr>
-            <a:spLocks noGrp="1"/>
-          </p:cNvSpPr>
-          <p:nvPr>
-            <p:ph type="title"/>
-          </p:nvPr>
-        </p:nvSpPr>
-        <p:spPr/>
-        <p:txBody>
-          <a:bodyPr/>
-          <a:lstStyle/>
-          <a:p>
-            <a:r>
-              <a:rPr lang="en-US" dirty="0"/>
-              <a:t>Observing a Tree’s Growth…</a:t>
-            </a:r>
-          </a:p>
-        </p:txBody>
-      </p:sp>
-      <p:sp>
-        <p:nvSpPr>
-          <p:cNvPr id="3" name="Content Placeholder 2">
-            <a:extLst>
-              <a:ext uri="{FF2B5EF4-FFF2-40B4-BE49-F238E27FC236}">
-                <a16:creationId xmlns:a16="http://schemas.microsoft.com/office/drawing/2014/main" id="{4F2E773B-944D-A38F-663E-11F7EF98E059}"/>
-              </a:ext>
-            </a:extLst>
-          </p:cNvPr>
-          <p:cNvSpPr>
-            <a:spLocks noGrp="1"/>
-          </p:cNvSpPr>
-          <p:nvPr>
-            <p:ph idx="1"/>
-          </p:nvPr>
-        </p:nvSpPr>
-        <p:spPr>
-          <a:xfrm>
-            <a:off x="1313793" y="1954924"/>
-            <a:ext cx="9858704" cy="4098557"/>
-          </a:xfrm>
-        </p:spPr>
-        <p:txBody>
-          <a:bodyPr/>
-          <a:lstStyle/>
-          <a:p>
-            <a:r>
-              <a:rPr lang="en-US" dirty="0"/>
-              <a:t>Trees are ‘greedy’ – they will try to get as accurate as possible without limits. </a:t>
-            </a:r>
-          </a:p>
-          <a:p>
-            <a:pPr lvl="1"/>
-            <a:r>
-              <a:rPr lang="en-US" dirty="0"/>
-              <a:t>This means that if a node has 2 values, a 1 and a 0, the tree will split to two nodes of one item.</a:t>
-            </a:r>
-          </a:p>
-          <a:p>
-            <a:r>
-              <a:rPr lang="en-US" dirty="0"/>
-              <a:t>A tree working to get every single prediction correct in the training data is new. </a:t>
-            </a:r>
-          </a:p>
-          <a:p>
-            <a:pPr lvl="1"/>
-            <a:r>
-              <a:rPr lang="en-US" dirty="0"/>
-              <a:t>Regression models will try to generate a model that is “down the middle”. </a:t>
-            </a:r>
-          </a:p>
-          <a:p>
-            <a:pPr lvl="1"/>
-            <a:r>
-              <a:rPr lang="en-US" dirty="0"/>
-              <a:t>Regression models can’t really adapt to small differences in the data like a tree can. </a:t>
-            </a:r>
-          </a:p>
-          <a:p>
-            <a:r>
-              <a:rPr lang="en-US" dirty="0"/>
-              <a:t>One concern is that if a model is able to get so accurate on the training data, what happens when we have new data that it is trying to predict. </a:t>
-            </a:r>
-          </a:p>
-        </p:txBody>
-      </p:sp>
-    </p:spTree>
-    <p:extLst>
-      <p:ext uri="{BB962C8B-B14F-4D97-AF65-F5344CB8AC3E}">
-        <p14:creationId xmlns:p14="http://schemas.microsoft.com/office/powerpoint/2010/main" val="3607179106"/>
-      </p:ext>
-    </p:extLst>
-  </p:cSld>
-  <p:clrMapOvr>
-    <a:masterClrMapping/>
-  </p:clrMapOvr>
-</p:sld>
-</file>
-
-<file path=ppt/slides/slide18.xml><?xml version="1.0" encoding="utf-8"?>
 <p:sld xmlns:a="http://schemas.openxmlformats.org/drawingml/2006/main" xmlns:r="http://schemas.openxmlformats.org/officeDocument/2006/relationships" xmlns:p="http://schemas.openxmlformats.org/presentationml/2006/main">
   <p:cSld>
     <p:bg>
@@ -5253,6 +4237,1291 @@
           <p:cNvPr id="2" name="Title 1">
             <a:extLst>
               <a:ext uri="{FF2B5EF4-FFF2-40B4-BE49-F238E27FC236}">
+                <a16:creationId xmlns:a16="http://schemas.microsoft.com/office/drawing/2014/main" id="{ED543A67-B4E8-0540-8FF0-60889B16AAC5}"/>
+              </a:ext>
+            </a:extLst>
+          </p:cNvPr>
+          <p:cNvSpPr>
+            <a:spLocks noGrp="1"/>
+          </p:cNvSpPr>
+          <p:nvPr>
+            <p:ph type="title"/>
+          </p:nvPr>
+        </p:nvSpPr>
+        <p:spPr>
+          <a:xfrm>
+            <a:off x="1451579" y="804519"/>
+            <a:ext cx="9603275" cy="1049235"/>
+          </a:xfrm>
+        </p:spPr>
+        <p:txBody>
+          <a:bodyPr>
+            <a:normAutofit/>
+          </a:bodyPr>
+          <a:lstStyle/>
+          <a:p>
+            <a:r>
+              <a:rPr lang="en-US" dirty="0"/>
+              <a:t>Entropy</a:t>
+            </a:r>
+          </a:p>
+        </p:txBody>
+      </p:sp>
+      <p:sp>
+        <p:nvSpPr>
+          <p:cNvPr id="3" name="Content Placeholder 2">
+            <a:extLst>
+              <a:ext uri="{FF2B5EF4-FFF2-40B4-BE49-F238E27FC236}">
+                <a16:creationId xmlns:a16="http://schemas.microsoft.com/office/drawing/2014/main" id="{9A2CDE5A-927B-D742-8DDC-8D84EDD06445}"/>
+              </a:ext>
+            </a:extLst>
+          </p:cNvPr>
+          <p:cNvSpPr>
+            <a:spLocks noGrp="1"/>
+          </p:cNvSpPr>
+          <p:nvPr>
+            <p:ph idx="1"/>
+          </p:nvPr>
+        </p:nvSpPr>
+        <p:spPr>
+          <a:xfrm>
+            <a:off x="485775" y="2015733"/>
+            <a:ext cx="5610225" cy="1856180"/>
+          </a:xfrm>
+        </p:spPr>
+        <p:txBody>
+          <a:bodyPr>
+            <a:normAutofit/>
+          </a:bodyPr>
+          <a:lstStyle/>
+          <a:p>
+            <a:r>
+              <a:rPr lang="en-US" dirty="0"/>
+              <a:t>Entropy is similar to Gini – a measure of impurity. </a:t>
+            </a:r>
+          </a:p>
+          <a:p>
+            <a:r>
+              <a:rPr lang="en-US" dirty="0"/>
+              <a:t>Created to convey the idea of information – the lower the entropy the more “information” it conveys. </a:t>
+            </a:r>
+          </a:p>
+        </p:txBody>
+      </p:sp>
+      <p:pic>
+        <p:nvPicPr>
+          <p:cNvPr id="2052" name="Picture 4" descr="The image highlights the variation of entropy over data points, Entropy is the lowest at end and maximum in middle of graph.">
+            <a:extLst>
+              <a:ext uri="{FF2B5EF4-FFF2-40B4-BE49-F238E27FC236}">
+                <a16:creationId xmlns:a16="http://schemas.microsoft.com/office/drawing/2014/main" id="{74E08735-059A-8642-B840-778AF373968F}"/>
+              </a:ext>
+            </a:extLst>
+          </p:cNvPr>
+          <p:cNvPicPr>
+            <a:picLocks noChangeAspect="1" noChangeArrowheads="1"/>
+          </p:cNvPicPr>
+          <p:nvPr/>
+        </p:nvPicPr>
+        <p:blipFill rotWithShape="1">
+          <a:blip r:embed="rId2">
+            <a:extLst>
+              <a:ext uri="{28A0092B-C50C-407E-A947-70E740481C1C}">
+                <a14:useLocalDpi xmlns:a14="http://schemas.microsoft.com/office/drawing/2010/main" val="0"/>
+              </a:ext>
+            </a:extLst>
+          </a:blip>
+          <a:srcRect l="19828" r="19004"/>
+          <a:stretch/>
+        </p:blipFill>
+        <p:spPr bwMode="auto">
+          <a:xfrm>
+            <a:off x="6451186" y="2015733"/>
+            <a:ext cx="5091630" cy="3995505"/>
+          </a:xfrm>
+          <a:prstGeom prst="rect">
+            <a:avLst/>
+          </a:prstGeom>
+          <a:noFill/>
+          <a:extLst>
+            <a:ext uri="{909E8E84-426E-40DD-AFC4-6F175D3DCCD1}">
+              <a14:hiddenFill xmlns:a14="http://schemas.microsoft.com/office/drawing/2010/main">
+                <a:solidFill>
+                  <a:srgbClr val="FFFFFF"/>
+                </a:solidFill>
+              </a14:hiddenFill>
+            </a:ext>
+          </a:extLst>
+        </p:spPr>
+      </p:pic>
+      <p:pic>
+        <p:nvPicPr>
+          <p:cNvPr id="2050" name="Picture 2">
+            <a:extLst>
+              <a:ext uri="{FF2B5EF4-FFF2-40B4-BE49-F238E27FC236}">
+                <a16:creationId xmlns:a16="http://schemas.microsoft.com/office/drawing/2014/main" id="{809AE712-1D3F-034B-88C6-9DC63BB6B5DA}"/>
+              </a:ext>
+            </a:extLst>
+          </p:cNvPr>
+          <p:cNvPicPr>
+            <a:picLocks noChangeAspect="1" noChangeArrowheads="1"/>
+          </p:cNvPicPr>
+          <p:nvPr/>
+        </p:nvPicPr>
+        <p:blipFill>
+          <a:blip r:embed="rId3">
+            <a:extLst>
+              <a:ext uri="{28A0092B-C50C-407E-A947-70E740481C1C}">
+                <a14:useLocalDpi xmlns:a14="http://schemas.microsoft.com/office/drawing/2010/main" val="0"/>
+              </a:ext>
+            </a:extLst>
+          </a:blip>
+          <a:stretch>
+            <a:fillRect/>
+          </a:stretch>
+        </p:blipFill>
+        <p:spPr bwMode="auto">
+          <a:xfrm>
+            <a:off x="165434" y="3994851"/>
+            <a:ext cx="5559145" cy="1298968"/>
+          </a:xfrm>
+          <a:prstGeom prst="rect">
+            <a:avLst/>
+          </a:prstGeom>
+          <a:noFill/>
+          <a:extLst>
+            <a:ext uri="{909E8E84-426E-40DD-AFC4-6F175D3DCCD1}">
+              <a14:hiddenFill xmlns:a14="http://schemas.microsoft.com/office/drawing/2010/main">
+                <a:solidFill>
+                  <a:srgbClr val="FFFFFF"/>
+                </a:solidFill>
+              </a14:hiddenFill>
+            </a:ext>
+          </a:extLst>
+        </p:spPr>
+      </p:pic>
+    </p:spTree>
+    <p:extLst>
+      <p:ext uri="{BB962C8B-B14F-4D97-AF65-F5344CB8AC3E}">
+        <p14:creationId xmlns:p14="http://schemas.microsoft.com/office/powerpoint/2010/main" val="2776245751"/>
+      </p:ext>
+    </p:extLst>
+  </p:cSld>
+  <p:clrMapOvr>
+    <a:masterClrMapping/>
+  </p:clrMapOvr>
+</p:sld>
+</file>
+
+<file path=ppt/slides/slide11.xml><?xml version="1.0" encoding="utf-8"?>
+<p:sld xmlns:a="http://schemas.openxmlformats.org/drawingml/2006/main" xmlns:r="http://schemas.openxmlformats.org/officeDocument/2006/relationships" xmlns:p="http://schemas.openxmlformats.org/presentationml/2006/main">
+  <p:cSld>
+    <p:spTree>
+      <p:nvGrpSpPr>
+        <p:cNvPr id="1" name=""/>
+        <p:cNvGrpSpPr/>
+        <p:nvPr/>
+      </p:nvGrpSpPr>
+      <p:grpSpPr>
+        <a:xfrm>
+          <a:off x="0" y="0"/>
+          <a:ext cx="0" cy="0"/>
+          <a:chOff x="0" y="0"/>
+          <a:chExt cx="0" cy="0"/>
+        </a:xfrm>
+      </p:grpSpPr>
+      <p:sp>
+        <p:nvSpPr>
+          <p:cNvPr id="2" name="Title 1">
+            <a:extLst>
+              <a:ext uri="{FF2B5EF4-FFF2-40B4-BE49-F238E27FC236}">
+                <a16:creationId xmlns:a16="http://schemas.microsoft.com/office/drawing/2014/main" id="{B2208BBE-CA3C-2244-A997-B6F6BC2411EC}"/>
+              </a:ext>
+            </a:extLst>
+          </p:cNvPr>
+          <p:cNvSpPr>
+            <a:spLocks noGrp="1"/>
+          </p:cNvSpPr>
+          <p:nvPr>
+            <p:ph type="title"/>
+          </p:nvPr>
+        </p:nvSpPr>
+        <p:spPr/>
+        <p:txBody>
+          <a:bodyPr/>
+          <a:lstStyle/>
+          <a:p>
+            <a:r>
+              <a:rPr lang="en-US" dirty="0"/>
+              <a:t>Splitting Decision</a:t>
+            </a:r>
+          </a:p>
+        </p:txBody>
+      </p:sp>
+      <p:sp>
+        <p:nvSpPr>
+          <p:cNvPr id="3" name="Content Placeholder 2">
+            <a:extLst>
+              <a:ext uri="{FF2B5EF4-FFF2-40B4-BE49-F238E27FC236}">
+                <a16:creationId xmlns:a16="http://schemas.microsoft.com/office/drawing/2014/main" id="{BD802F17-797C-6440-A30C-B7581EB0011E}"/>
+              </a:ext>
+            </a:extLst>
+          </p:cNvPr>
+          <p:cNvSpPr>
+            <a:spLocks noGrp="1"/>
+          </p:cNvSpPr>
+          <p:nvPr>
+            <p:ph idx="1"/>
+          </p:nvPr>
+        </p:nvSpPr>
+        <p:spPr>
+          <a:xfrm>
+            <a:off x="1451579" y="1853754"/>
+            <a:ext cx="9603275" cy="2624901"/>
+          </a:xfrm>
+        </p:spPr>
+        <p:txBody>
+          <a:bodyPr/>
+          <a:lstStyle/>
+          <a:p>
+            <a:r>
+              <a:rPr lang="en-US" dirty="0"/>
+              <a:t>The algorithm looks for the decision that maximizes information gain or purity. </a:t>
+            </a:r>
+          </a:p>
+          <a:p>
+            <a:pPr lvl="1"/>
+            <a:r>
+              <a:rPr lang="en-US" dirty="0"/>
+              <a:t>Gain = Gini/ENT before the split – Gini/ENT after the split</a:t>
+            </a:r>
+          </a:p>
+          <a:p>
+            <a:pPr lvl="1"/>
+            <a:r>
+              <a:rPr lang="en-US" dirty="0"/>
+              <a:t>The split is the one that makes the tree more pure after. </a:t>
+            </a:r>
+          </a:p>
+          <a:p>
+            <a:pPr lvl="1"/>
+            <a:r>
+              <a:rPr lang="en-US" dirty="0"/>
+              <a:t>Maximize discrimination with the division. </a:t>
+            </a:r>
+          </a:p>
+          <a:p>
+            <a:r>
+              <a:rPr lang="en-US" dirty="0"/>
+              <a:t>The series of the decisions makes the tree sequence of decisions. </a:t>
+            </a:r>
+          </a:p>
+          <a:p>
+            <a:r>
+              <a:rPr lang="en-US" dirty="0"/>
+              <a:t>In practice Gini and Entropy will usually give close to the same results</a:t>
+            </a:r>
+          </a:p>
+        </p:txBody>
+      </p:sp>
+      <p:pic>
+        <p:nvPicPr>
+          <p:cNvPr id="5122" name="Picture 2" descr="Representation of Gini Index and Entropy">
+            <a:extLst>
+              <a:ext uri="{FF2B5EF4-FFF2-40B4-BE49-F238E27FC236}">
+                <a16:creationId xmlns:a16="http://schemas.microsoft.com/office/drawing/2014/main" id="{0B4F503F-65DF-594A-A2CB-6F3BE1112854}"/>
+              </a:ext>
+            </a:extLst>
+          </p:cNvPr>
+          <p:cNvPicPr>
+            <a:picLocks noChangeAspect="1" noChangeArrowheads="1"/>
+          </p:cNvPicPr>
+          <p:nvPr/>
+        </p:nvPicPr>
+        <p:blipFill rotWithShape="1">
+          <a:blip r:embed="rId2">
+            <a:extLst>
+              <a:ext uri="{28A0092B-C50C-407E-A947-70E740481C1C}">
+                <a14:useLocalDpi xmlns:a14="http://schemas.microsoft.com/office/drawing/2010/main" val="0"/>
+              </a:ext>
+            </a:extLst>
+          </a:blip>
+          <a:srcRect l="9202" t="11718" r="9548" b="6250"/>
+          <a:stretch/>
+        </p:blipFill>
+        <p:spPr bwMode="auto">
+          <a:xfrm>
+            <a:off x="2679844" y="4478655"/>
+            <a:ext cx="6832311" cy="2299336"/>
+          </a:xfrm>
+          <a:prstGeom prst="rect">
+            <a:avLst/>
+          </a:prstGeom>
+          <a:noFill/>
+          <a:extLst>
+            <a:ext uri="{909E8E84-426E-40DD-AFC4-6F175D3DCCD1}">
+              <a14:hiddenFill xmlns:a14="http://schemas.microsoft.com/office/drawing/2010/main">
+                <a:solidFill>
+                  <a:srgbClr val="FFFFFF"/>
+                </a:solidFill>
+              </a14:hiddenFill>
+            </a:ext>
+          </a:extLst>
+        </p:spPr>
+      </p:pic>
+    </p:spTree>
+    <p:extLst>
+      <p:ext uri="{BB962C8B-B14F-4D97-AF65-F5344CB8AC3E}">
+        <p14:creationId xmlns:p14="http://schemas.microsoft.com/office/powerpoint/2010/main" val="1641771913"/>
+      </p:ext>
+    </p:extLst>
+  </p:cSld>
+  <p:clrMapOvr>
+    <a:masterClrMapping/>
+  </p:clrMapOvr>
+</p:sld>
+</file>
+
+<file path=ppt/slides/slide12.xml><?xml version="1.0" encoding="utf-8"?>
+<p:sld xmlns:a="http://schemas.openxmlformats.org/drawingml/2006/main" xmlns:r="http://schemas.openxmlformats.org/officeDocument/2006/relationships" xmlns:p="http://schemas.openxmlformats.org/presentationml/2006/main">
+  <p:cSld>
+    <p:spTree>
+      <p:nvGrpSpPr>
+        <p:cNvPr id="1" name=""/>
+        <p:cNvGrpSpPr/>
+        <p:nvPr/>
+      </p:nvGrpSpPr>
+      <p:grpSpPr>
+        <a:xfrm>
+          <a:off x="0" y="0"/>
+          <a:ext cx="0" cy="0"/>
+          <a:chOff x="0" y="0"/>
+          <a:chExt cx="0" cy="0"/>
+        </a:xfrm>
+      </p:grpSpPr>
+      <p:sp>
+        <p:nvSpPr>
+          <p:cNvPr id="2" name="Title 1">
+            <a:extLst>
+              <a:ext uri="{FF2B5EF4-FFF2-40B4-BE49-F238E27FC236}">
+                <a16:creationId xmlns:a16="http://schemas.microsoft.com/office/drawing/2014/main" id="{AF54E7B3-0681-EAF3-0F4D-FD9440D5D87F}"/>
+              </a:ext>
+            </a:extLst>
+          </p:cNvPr>
+          <p:cNvSpPr>
+            <a:spLocks noGrp="1"/>
+          </p:cNvSpPr>
+          <p:nvPr>
+            <p:ph type="title"/>
+          </p:nvPr>
+        </p:nvSpPr>
+        <p:spPr/>
+        <p:txBody>
+          <a:bodyPr/>
+          <a:lstStyle/>
+          <a:p>
+            <a:endParaRPr lang="en-US"/>
+          </a:p>
+        </p:txBody>
+      </p:sp>
+      <p:sp>
+        <p:nvSpPr>
+          <p:cNvPr id="3" name="Content Placeholder 2">
+            <a:extLst>
+              <a:ext uri="{FF2B5EF4-FFF2-40B4-BE49-F238E27FC236}">
+                <a16:creationId xmlns:a16="http://schemas.microsoft.com/office/drawing/2014/main" id="{866428B7-D221-4AB4-49D1-C9ACE105F313}"/>
+              </a:ext>
+            </a:extLst>
+          </p:cNvPr>
+          <p:cNvSpPr>
+            <a:spLocks noGrp="1"/>
+          </p:cNvSpPr>
+          <p:nvPr>
+            <p:ph idx="1"/>
+          </p:nvPr>
+        </p:nvSpPr>
+        <p:spPr/>
+        <p:txBody>
+          <a:bodyPr/>
+          <a:lstStyle/>
+          <a:p>
+            <a:endParaRPr lang="en-US"/>
+          </a:p>
+        </p:txBody>
+      </p:sp>
+      <p:pic>
+        <p:nvPicPr>
+          <p:cNvPr id="4" name="Picture 3">
+            <a:extLst>
+              <a:ext uri="{FF2B5EF4-FFF2-40B4-BE49-F238E27FC236}">
+                <a16:creationId xmlns:a16="http://schemas.microsoft.com/office/drawing/2014/main" id="{AE1DAD06-CF8B-120D-A9C3-277BBED48F48}"/>
+              </a:ext>
+            </a:extLst>
+          </p:cNvPr>
+          <p:cNvPicPr>
+            <a:picLocks noChangeAspect="1"/>
+          </p:cNvPicPr>
+          <p:nvPr/>
+        </p:nvPicPr>
+        <p:blipFill>
+          <a:blip r:embed="rId2"/>
+          <a:stretch>
+            <a:fillRect/>
+          </a:stretch>
+        </p:blipFill>
+        <p:spPr>
+          <a:xfrm>
+            <a:off x="0" y="-36953"/>
+            <a:ext cx="12192000" cy="6931906"/>
+          </a:xfrm>
+          <a:prstGeom prst="rect">
+            <a:avLst/>
+          </a:prstGeom>
+        </p:spPr>
+      </p:pic>
+    </p:spTree>
+    <p:extLst>
+      <p:ext uri="{BB962C8B-B14F-4D97-AF65-F5344CB8AC3E}">
+        <p14:creationId xmlns:p14="http://schemas.microsoft.com/office/powerpoint/2010/main" val="3242732333"/>
+      </p:ext>
+    </p:extLst>
+  </p:cSld>
+  <p:clrMapOvr>
+    <a:masterClrMapping/>
+  </p:clrMapOvr>
+</p:sld>
+</file>
+
+<file path=ppt/slides/slide13.xml><?xml version="1.0" encoding="utf-8"?>
+<p:sld xmlns:a="http://schemas.openxmlformats.org/drawingml/2006/main" xmlns:r="http://schemas.openxmlformats.org/officeDocument/2006/relationships" xmlns:p="http://schemas.openxmlformats.org/presentationml/2006/main">
+  <p:cSld>
+    <p:spTree>
+      <p:nvGrpSpPr>
+        <p:cNvPr id="1" name=""/>
+        <p:cNvGrpSpPr/>
+        <p:nvPr/>
+      </p:nvGrpSpPr>
+      <p:grpSpPr>
+        <a:xfrm>
+          <a:off x="0" y="0"/>
+          <a:ext cx="0" cy="0"/>
+          <a:chOff x="0" y="0"/>
+          <a:chExt cx="0" cy="0"/>
+        </a:xfrm>
+      </p:grpSpPr>
+      <p:sp>
+        <p:nvSpPr>
+          <p:cNvPr id="2" name="Title 1">
+            <a:extLst>
+              <a:ext uri="{FF2B5EF4-FFF2-40B4-BE49-F238E27FC236}">
+                <a16:creationId xmlns:a16="http://schemas.microsoft.com/office/drawing/2014/main" id="{26F5BBE3-2842-33EF-82FD-4075E0B47B5A}"/>
+              </a:ext>
+            </a:extLst>
+          </p:cNvPr>
+          <p:cNvSpPr>
+            <a:spLocks noGrp="1"/>
+          </p:cNvSpPr>
+          <p:nvPr>
+            <p:ph type="title"/>
+          </p:nvPr>
+        </p:nvSpPr>
+        <p:spPr/>
+        <p:txBody>
+          <a:bodyPr/>
+          <a:lstStyle/>
+          <a:p>
+            <a:endParaRPr lang="en-US"/>
+          </a:p>
+        </p:txBody>
+      </p:sp>
+      <p:sp>
+        <p:nvSpPr>
+          <p:cNvPr id="3" name="Content Placeholder 2">
+            <a:extLst>
+              <a:ext uri="{FF2B5EF4-FFF2-40B4-BE49-F238E27FC236}">
+                <a16:creationId xmlns:a16="http://schemas.microsoft.com/office/drawing/2014/main" id="{6D6B79B7-E28D-3143-E95E-1E5C57211B47}"/>
+              </a:ext>
+            </a:extLst>
+          </p:cNvPr>
+          <p:cNvSpPr>
+            <a:spLocks noGrp="1"/>
+          </p:cNvSpPr>
+          <p:nvPr>
+            <p:ph idx="1"/>
+          </p:nvPr>
+        </p:nvSpPr>
+        <p:spPr/>
+        <p:txBody>
+          <a:bodyPr/>
+          <a:lstStyle/>
+          <a:p>
+            <a:endParaRPr lang="en-US"/>
+          </a:p>
+        </p:txBody>
+      </p:sp>
+      <p:pic>
+        <p:nvPicPr>
+          <p:cNvPr id="2052" name="Picture 4" descr="Decision Tree Split | How to Split Decision Tree and Get Ideal Split">
+            <a:extLst>
+              <a:ext uri="{FF2B5EF4-FFF2-40B4-BE49-F238E27FC236}">
+                <a16:creationId xmlns:a16="http://schemas.microsoft.com/office/drawing/2014/main" id="{1778CE7F-E37A-9A00-6C8A-AA7FFF2021E5}"/>
+              </a:ext>
+            </a:extLst>
+          </p:cNvPr>
+          <p:cNvPicPr>
+            <a:picLocks noChangeAspect="1" noChangeArrowheads="1"/>
+          </p:cNvPicPr>
+          <p:nvPr/>
+        </p:nvPicPr>
+        <p:blipFill rotWithShape="1">
+          <a:blip r:embed="rId2">
+            <a:extLst>
+              <a:ext uri="{28A0092B-C50C-407E-A947-70E740481C1C}">
+                <a14:useLocalDpi xmlns:a14="http://schemas.microsoft.com/office/drawing/2010/main" val="0"/>
+              </a:ext>
+            </a:extLst>
+          </a:blip>
+          <a:srcRect b="14035"/>
+          <a:stretch/>
+        </p:blipFill>
+        <p:spPr bwMode="auto">
+          <a:xfrm>
+            <a:off x="0" y="445170"/>
+            <a:ext cx="12192000" cy="5895474"/>
+          </a:xfrm>
+          <a:prstGeom prst="rect">
+            <a:avLst/>
+          </a:prstGeom>
+          <a:noFill/>
+          <a:extLst>
+            <a:ext uri="{909E8E84-426E-40DD-AFC4-6F175D3DCCD1}">
+              <a14:hiddenFill xmlns:a14="http://schemas.microsoft.com/office/drawing/2010/main">
+                <a:solidFill>
+                  <a:srgbClr val="FFFFFF"/>
+                </a:solidFill>
+              </a14:hiddenFill>
+            </a:ext>
+          </a:extLst>
+        </p:spPr>
+      </p:pic>
+    </p:spTree>
+    <p:extLst>
+      <p:ext uri="{BB962C8B-B14F-4D97-AF65-F5344CB8AC3E}">
+        <p14:creationId xmlns:p14="http://schemas.microsoft.com/office/powerpoint/2010/main" val="1186289336"/>
+      </p:ext>
+    </p:extLst>
+  </p:cSld>
+  <p:clrMapOvr>
+    <a:masterClrMapping/>
+  </p:clrMapOvr>
+</p:sld>
+</file>
+
+<file path=ppt/slides/slide14.xml><?xml version="1.0" encoding="utf-8"?>
+<p:sld xmlns:a="http://schemas.openxmlformats.org/drawingml/2006/main" xmlns:r="http://schemas.openxmlformats.org/officeDocument/2006/relationships" xmlns:p="http://schemas.openxmlformats.org/presentationml/2006/main">
+  <p:cSld>
+    <p:spTree>
+      <p:nvGrpSpPr>
+        <p:cNvPr id="1" name=""/>
+        <p:cNvGrpSpPr/>
+        <p:nvPr/>
+      </p:nvGrpSpPr>
+      <p:grpSpPr>
+        <a:xfrm>
+          <a:off x="0" y="0"/>
+          <a:ext cx="0" cy="0"/>
+          <a:chOff x="0" y="0"/>
+          <a:chExt cx="0" cy="0"/>
+        </a:xfrm>
+      </p:grpSpPr>
+      <p:sp>
+        <p:nvSpPr>
+          <p:cNvPr id="2" name="Title 1">
+            <a:extLst>
+              <a:ext uri="{FF2B5EF4-FFF2-40B4-BE49-F238E27FC236}">
+                <a16:creationId xmlns:a16="http://schemas.microsoft.com/office/drawing/2014/main" id="{0E00FFD6-22ED-F546-B798-68AAFE8DFDE8}"/>
+              </a:ext>
+            </a:extLst>
+          </p:cNvPr>
+          <p:cNvSpPr>
+            <a:spLocks noGrp="1"/>
+          </p:cNvSpPr>
+          <p:nvPr>
+            <p:ph type="title"/>
+          </p:nvPr>
+        </p:nvSpPr>
+        <p:spPr/>
+        <p:txBody>
+          <a:bodyPr/>
+          <a:lstStyle/>
+          <a:p>
+            <a:r>
+              <a:rPr lang="en-US" dirty="0"/>
+              <a:t>Woody Goodness</a:t>
+            </a:r>
+          </a:p>
+        </p:txBody>
+      </p:sp>
+      <p:sp>
+        <p:nvSpPr>
+          <p:cNvPr id="3" name="Content Placeholder 2">
+            <a:extLst>
+              <a:ext uri="{FF2B5EF4-FFF2-40B4-BE49-F238E27FC236}">
+                <a16:creationId xmlns:a16="http://schemas.microsoft.com/office/drawing/2014/main" id="{06F1374C-BD2A-1F48-A02F-FDEBA81F953F}"/>
+              </a:ext>
+            </a:extLst>
+          </p:cNvPr>
+          <p:cNvSpPr>
+            <a:spLocks noGrp="1"/>
+          </p:cNvSpPr>
+          <p:nvPr>
+            <p:ph idx="1"/>
+          </p:nvPr>
+        </p:nvSpPr>
+        <p:spPr>
+          <a:xfrm>
+            <a:off x="1451579" y="2015732"/>
+            <a:ext cx="9603275" cy="4037749"/>
+          </a:xfrm>
+        </p:spPr>
+        <p:txBody>
+          <a:bodyPr/>
+          <a:lstStyle/>
+          <a:p>
+            <a:r>
+              <a:rPr lang="en-US" dirty="0"/>
+              <a:t>Tree benefits:</a:t>
+            </a:r>
+          </a:p>
+          <a:p>
+            <a:pPr lvl="1"/>
+            <a:r>
+              <a:rPr lang="en-US" dirty="0"/>
+              <a:t>Simple, understandable, and mirrors human decision making. </a:t>
+            </a:r>
+          </a:p>
+          <a:p>
+            <a:pPr lvl="1"/>
+            <a:r>
+              <a:rPr lang="en-US" dirty="0"/>
+              <a:t>Handles non-linear relationships. </a:t>
+            </a:r>
+          </a:p>
+          <a:p>
+            <a:pPr lvl="1"/>
+            <a:r>
+              <a:rPr lang="en-US" dirty="0"/>
+              <a:t>Non-parametric (Meaning they aren’t based on prior assumptions, like normality). </a:t>
+            </a:r>
+          </a:p>
+          <a:p>
+            <a:pPr lvl="1"/>
+            <a:r>
+              <a:rPr lang="en-US" dirty="0"/>
+              <a:t>Explainable – we can follow the exact logic of the decisions. </a:t>
+            </a:r>
+          </a:p>
+          <a:p>
+            <a:pPr lvl="1"/>
+            <a:r>
+              <a:rPr lang="en-US" dirty="0"/>
+              <a:t>Data prep is minimal – no need to encode or scale data (</a:t>
+            </a:r>
+            <a:r>
+              <a:rPr lang="en-US" dirty="0" err="1"/>
+              <a:t>inheirently</a:t>
+            </a:r>
+            <a:r>
+              <a:rPr lang="en-US" dirty="0"/>
+              <a:t>). </a:t>
+            </a:r>
+          </a:p>
+          <a:p>
+            <a:pPr lvl="1"/>
+            <a:r>
+              <a:rPr lang="en-US" dirty="0"/>
+              <a:t>Generally computationally efficient with large datasets when making predictions. </a:t>
+            </a:r>
+          </a:p>
+          <a:p>
+            <a:r>
+              <a:rPr lang="en-US" dirty="0"/>
+              <a:t>Can be acceptable in scenarios (finance, insurance, </a:t>
+            </a:r>
+            <a:r>
+              <a:rPr lang="en-US" dirty="0" err="1"/>
+              <a:t>etc</a:t>
+            </a:r>
+            <a:r>
+              <a:rPr lang="en-US" dirty="0"/>
+              <a:t>…) where a black box model isn’t. </a:t>
+            </a:r>
+          </a:p>
+          <a:p>
+            <a:pPr lvl="1"/>
+            <a:r>
+              <a:rPr lang="en-US" dirty="0"/>
+              <a:t>A human can explain how a decision was made, this is less true with most models. </a:t>
+            </a:r>
+          </a:p>
+          <a:p>
+            <a:pPr lvl="1"/>
+            <a:endParaRPr lang="en-US" dirty="0"/>
+          </a:p>
+        </p:txBody>
+      </p:sp>
+    </p:spTree>
+    <p:extLst>
+      <p:ext uri="{BB962C8B-B14F-4D97-AF65-F5344CB8AC3E}">
+        <p14:creationId xmlns:p14="http://schemas.microsoft.com/office/powerpoint/2010/main" val="4290145207"/>
+      </p:ext>
+    </p:extLst>
+  </p:cSld>
+  <p:clrMapOvr>
+    <a:masterClrMapping/>
+  </p:clrMapOvr>
+</p:sld>
+</file>
+
+<file path=ppt/slides/slide15.xml><?xml version="1.0" encoding="utf-8"?>
+<p:sld xmlns:a="http://schemas.openxmlformats.org/drawingml/2006/main" xmlns:r="http://schemas.openxmlformats.org/officeDocument/2006/relationships" xmlns:p="http://schemas.openxmlformats.org/presentationml/2006/main">
+  <p:cSld>
+    <p:spTree>
+      <p:nvGrpSpPr>
+        <p:cNvPr id="1" name=""/>
+        <p:cNvGrpSpPr/>
+        <p:nvPr/>
+      </p:nvGrpSpPr>
+      <p:grpSpPr>
+        <a:xfrm>
+          <a:off x="0" y="0"/>
+          <a:ext cx="0" cy="0"/>
+          <a:chOff x="0" y="0"/>
+          <a:chExt cx="0" cy="0"/>
+        </a:xfrm>
+      </p:grpSpPr>
+      <p:sp>
+        <p:nvSpPr>
+          <p:cNvPr id="2" name="Title 1">
+            <a:extLst>
+              <a:ext uri="{FF2B5EF4-FFF2-40B4-BE49-F238E27FC236}">
+                <a16:creationId xmlns:a16="http://schemas.microsoft.com/office/drawing/2014/main" id="{CDCB3360-6454-764B-82F2-EEA9E2CAF8FE}"/>
+              </a:ext>
+            </a:extLst>
+          </p:cNvPr>
+          <p:cNvSpPr>
+            <a:spLocks noGrp="1"/>
+          </p:cNvSpPr>
+          <p:nvPr>
+            <p:ph type="title"/>
+          </p:nvPr>
+        </p:nvSpPr>
+        <p:spPr/>
+        <p:txBody>
+          <a:bodyPr/>
+          <a:lstStyle/>
+          <a:p>
+            <a:r>
+              <a:rPr lang="en-US" dirty="0"/>
+              <a:t>Barky Badness</a:t>
+            </a:r>
+          </a:p>
+        </p:txBody>
+      </p:sp>
+      <p:sp>
+        <p:nvSpPr>
+          <p:cNvPr id="3" name="Content Placeholder 2">
+            <a:extLst>
+              <a:ext uri="{FF2B5EF4-FFF2-40B4-BE49-F238E27FC236}">
+                <a16:creationId xmlns:a16="http://schemas.microsoft.com/office/drawing/2014/main" id="{1AAFD4D7-B3CA-C14B-8695-4991E10C095A}"/>
+              </a:ext>
+            </a:extLst>
+          </p:cNvPr>
+          <p:cNvSpPr>
+            <a:spLocks noGrp="1"/>
+          </p:cNvSpPr>
+          <p:nvPr>
+            <p:ph idx="1"/>
+          </p:nvPr>
+        </p:nvSpPr>
+        <p:spPr>
+          <a:xfrm>
+            <a:off x="1451579" y="2015732"/>
+            <a:ext cx="9603275" cy="3867832"/>
+          </a:xfrm>
+        </p:spPr>
+        <p:txBody>
+          <a:bodyPr/>
+          <a:lstStyle/>
+          <a:p>
+            <a:r>
+              <a:rPr lang="en-US" dirty="0"/>
+              <a:t>Trees have some disadvantages:</a:t>
+            </a:r>
+          </a:p>
+          <a:p>
+            <a:pPr lvl="1"/>
+            <a:r>
+              <a:rPr lang="en-US" dirty="0"/>
+              <a:t>Non-robust – small changes in training data can generate wildly different trees. </a:t>
+            </a:r>
+          </a:p>
+          <a:p>
+            <a:pPr lvl="2"/>
+            <a:r>
+              <a:rPr lang="en-US" dirty="0"/>
+              <a:t>I.e. a small difference in train-test split can yield different split points, which can then lead to a very different tree. Even if the end results perform almost identically. </a:t>
+            </a:r>
+          </a:p>
+          <a:p>
+            <a:pPr lvl="1"/>
+            <a:r>
+              <a:rPr lang="en-US" dirty="0"/>
+              <a:t>Prone to overfitting (though we can combat that when we code them).</a:t>
+            </a:r>
+          </a:p>
+          <a:p>
+            <a:pPr lvl="1"/>
+            <a:r>
+              <a:rPr lang="en-US" dirty="0"/>
+              <a:t>Training with large datasets can be time consuming, especially when attempting to limit overfitting. </a:t>
+            </a:r>
+          </a:p>
+          <a:p>
+            <a:pPr lvl="1"/>
+            <a:endParaRPr lang="en-US" dirty="0"/>
+          </a:p>
+        </p:txBody>
+      </p:sp>
+    </p:spTree>
+    <p:extLst>
+      <p:ext uri="{BB962C8B-B14F-4D97-AF65-F5344CB8AC3E}">
+        <p14:creationId xmlns:p14="http://schemas.microsoft.com/office/powerpoint/2010/main" val="1274345100"/>
+      </p:ext>
+    </p:extLst>
+  </p:cSld>
+  <p:clrMapOvr>
+    <a:masterClrMapping/>
+  </p:clrMapOvr>
+</p:sld>
+</file>
+
+<file path=ppt/slides/slide16.xml><?xml version="1.0" encoding="utf-8"?>
+<p:sld xmlns:a="http://schemas.openxmlformats.org/drawingml/2006/main" xmlns:r="http://schemas.openxmlformats.org/officeDocument/2006/relationships" xmlns:p="http://schemas.openxmlformats.org/presentationml/2006/main">
+  <p:cSld>
+    <p:spTree>
+      <p:nvGrpSpPr>
+        <p:cNvPr id="1" name=""/>
+        <p:cNvGrpSpPr/>
+        <p:nvPr/>
+      </p:nvGrpSpPr>
+      <p:grpSpPr>
+        <a:xfrm>
+          <a:off x="0" y="0"/>
+          <a:ext cx="0" cy="0"/>
+          <a:chOff x="0" y="0"/>
+          <a:chExt cx="0" cy="0"/>
+        </a:xfrm>
+      </p:grpSpPr>
+      <p:sp>
+        <p:nvSpPr>
+          <p:cNvPr id="2" name="Title 1">
+            <a:extLst>
+              <a:ext uri="{FF2B5EF4-FFF2-40B4-BE49-F238E27FC236}">
+                <a16:creationId xmlns:a16="http://schemas.microsoft.com/office/drawing/2014/main" id="{CD79E5E5-59E5-35EA-274E-D25B61233504}"/>
+              </a:ext>
+            </a:extLst>
+          </p:cNvPr>
+          <p:cNvSpPr>
+            <a:spLocks noGrp="1"/>
+          </p:cNvSpPr>
+          <p:nvPr>
+            <p:ph type="title"/>
+          </p:nvPr>
+        </p:nvSpPr>
+        <p:spPr/>
+        <p:txBody>
+          <a:bodyPr/>
+          <a:lstStyle/>
+          <a:p>
+            <a:r>
+              <a:rPr lang="en-US" dirty="0"/>
+              <a:t>Overfitting and Underfitting</a:t>
+            </a:r>
+          </a:p>
+        </p:txBody>
+      </p:sp>
+      <p:sp>
+        <p:nvSpPr>
+          <p:cNvPr id="3" name="Content Placeholder 2">
+            <a:extLst>
+              <a:ext uri="{FF2B5EF4-FFF2-40B4-BE49-F238E27FC236}">
+                <a16:creationId xmlns:a16="http://schemas.microsoft.com/office/drawing/2014/main" id="{16EDB27F-6794-70FF-2E55-C188D6024E76}"/>
+              </a:ext>
+            </a:extLst>
+          </p:cNvPr>
+          <p:cNvSpPr>
+            <a:spLocks noGrp="1"/>
+          </p:cNvSpPr>
+          <p:nvPr>
+            <p:ph idx="1"/>
+          </p:nvPr>
+        </p:nvSpPr>
+        <p:spPr>
+          <a:xfrm>
+            <a:off x="1451579" y="1853754"/>
+            <a:ext cx="9603275" cy="4199727"/>
+          </a:xfrm>
+        </p:spPr>
+        <p:txBody>
+          <a:bodyPr/>
+          <a:lstStyle/>
+          <a:p>
+            <a:r>
+              <a:rPr lang="en-US" dirty="0"/>
+              <a:t>We call a model that is too tailored to its training data to be ‘overfitted’ or ‘overtrained’.</a:t>
+            </a:r>
+          </a:p>
+          <a:p>
+            <a:r>
+              <a:rPr lang="en-US" dirty="0"/>
+              <a:t>In many/most ML models, balancing over/underfitting is a primary concern. </a:t>
+            </a:r>
+          </a:p>
+          <a:p>
+            <a:pPr lvl="1"/>
+            <a:r>
+              <a:rPr lang="en-US" dirty="0"/>
+              <a:t>Allow a model to learn enough so that it can make accurate predictions. </a:t>
+            </a:r>
+          </a:p>
+          <a:p>
+            <a:pPr lvl="1"/>
+            <a:r>
+              <a:rPr lang="en-US" dirty="0"/>
+              <a:t>Constrain that growth so the model doesn’t become so specialized that it only predicts what it has already seen. </a:t>
+            </a:r>
+          </a:p>
+          <a:p>
+            <a:endParaRPr lang="en-US" dirty="0"/>
+          </a:p>
+        </p:txBody>
+      </p:sp>
+    </p:spTree>
+    <p:extLst>
+      <p:ext uri="{BB962C8B-B14F-4D97-AF65-F5344CB8AC3E}">
+        <p14:creationId xmlns:p14="http://schemas.microsoft.com/office/powerpoint/2010/main" val="3461336889"/>
+      </p:ext>
+    </p:extLst>
+  </p:cSld>
+  <p:clrMapOvr>
+    <a:masterClrMapping/>
+  </p:clrMapOvr>
+</p:sld>
+</file>
+
+<file path=ppt/slides/slide17.xml><?xml version="1.0" encoding="utf-8"?>
+<p:sld xmlns:a="http://schemas.openxmlformats.org/drawingml/2006/main" xmlns:r="http://schemas.openxmlformats.org/officeDocument/2006/relationships" xmlns:p="http://schemas.openxmlformats.org/presentationml/2006/main">
+  <p:cSld>
+    <p:spTree>
+      <p:nvGrpSpPr>
+        <p:cNvPr id="1" name=""/>
+        <p:cNvGrpSpPr/>
+        <p:nvPr/>
+      </p:nvGrpSpPr>
+      <p:grpSpPr>
+        <a:xfrm>
+          <a:off x="0" y="0"/>
+          <a:ext cx="0" cy="0"/>
+          <a:chOff x="0" y="0"/>
+          <a:chExt cx="0" cy="0"/>
+        </a:xfrm>
+      </p:grpSpPr>
+      <p:sp>
+        <p:nvSpPr>
+          <p:cNvPr id="2" name="Title 1">
+            <a:extLst>
+              <a:ext uri="{FF2B5EF4-FFF2-40B4-BE49-F238E27FC236}">
+                <a16:creationId xmlns:a16="http://schemas.microsoft.com/office/drawing/2014/main" id="{8BD22178-9B3E-3637-9A67-8B14DAB4DEFF}"/>
+              </a:ext>
+            </a:extLst>
+          </p:cNvPr>
+          <p:cNvSpPr>
+            <a:spLocks noGrp="1"/>
+          </p:cNvSpPr>
+          <p:nvPr>
+            <p:ph type="title"/>
+          </p:nvPr>
+        </p:nvSpPr>
+        <p:spPr/>
+        <p:txBody>
+          <a:bodyPr/>
+          <a:lstStyle/>
+          <a:p>
+            <a:endParaRPr lang="en-US"/>
+          </a:p>
+        </p:txBody>
+      </p:sp>
+      <p:sp>
+        <p:nvSpPr>
+          <p:cNvPr id="3" name="Content Placeholder 2">
+            <a:extLst>
+              <a:ext uri="{FF2B5EF4-FFF2-40B4-BE49-F238E27FC236}">
+                <a16:creationId xmlns:a16="http://schemas.microsoft.com/office/drawing/2014/main" id="{2CED83C0-8AB8-B7F7-7167-38C73F5FD85A}"/>
+              </a:ext>
+            </a:extLst>
+          </p:cNvPr>
+          <p:cNvSpPr>
+            <a:spLocks noGrp="1"/>
+          </p:cNvSpPr>
+          <p:nvPr>
+            <p:ph idx="1"/>
+          </p:nvPr>
+        </p:nvSpPr>
+        <p:spPr/>
+        <p:txBody>
+          <a:bodyPr/>
+          <a:lstStyle/>
+          <a:p>
+            <a:endParaRPr lang="en-US"/>
+          </a:p>
+        </p:txBody>
+      </p:sp>
+      <p:pic>
+        <p:nvPicPr>
+          <p:cNvPr id="1026" name="Picture 2" descr="Underfitting and Overfitting in Machine Learning-Geeksforgeeks">
+            <a:extLst>
+              <a:ext uri="{FF2B5EF4-FFF2-40B4-BE49-F238E27FC236}">
+                <a16:creationId xmlns:a16="http://schemas.microsoft.com/office/drawing/2014/main" id="{4BA6F22A-74BC-742E-5AEF-7F84D30E1348}"/>
+              </a:ext>
+            </a:extLst>
+          </p:cNvPr>
+          <p:cNvPicPr>
+            <a:picLocks noChangeAspect="1" noChangeArrowheads="1"/>
+          </p:cNvPicPr>
+          <p:nvPr/>
+        </p:nvPicPr>
+        <p:blipFill>
+          <a:blip r:embed="rId2">
+            <a:extLst>
+              <a:ext uri="{28A0092B-C50C-407E-A947-70E740481C1C}">
+                <a14:useLocalDpi xmlns:a14="http://schemas.microsoft.com/office/drawing/2010/main" val="0"/>
+              </a:ext>
+            </a:extLst>
+          </a:blip>
+          <a:srcRect/>
+          <a:stretch>
+            <a:fillRect/>
+          </a:stretch>
+        </p:blipFill>
+        <p:spPr bwMode="auto">
+          <a:xfrm>
+            <a:off x="0" y="928688"/>
+            <a:ext cx="12192000" cy="4999037"/>
+          </a:xfrm>
+          <a:prstGeom prst="rect">
+            <a:avLst/>
+          </a:prstGeom>
+          <a:noFill/>
+          <a:extLst>
+            <a:ext uri="{909E8E84-426E-40DD-AFC4-6F175D3DCCD1}">
+              <a14:hiddenFill xmlns:a14="http://schemas.microsoft.com/office/drawing/2010/main">
+                <a:solidFill>
+                  <a:srgbClr val="FFFFFF"/>
+                </a:solidFill>
+              </a14:hiddenFill>
+            </a:ext>
+          </a:extLst>
+        </p:spPr>
+      </p:pic>
+    </p:spTree>
+    <p:extLst>
+      <p:ext uri="{BB962C8B-B14F-4D97-AF65-F5344CB8AC3E}">
+        <p14:creationId xmlns:p14="http://schemas.microsoft.com/office/powerpoint/2010/main" val="3813514137"/>
+      </p:ext>
+    </p:extLst>
+  </p:cSld>
+  <p:clrMapOvr>
+    <a:masterClrMapping/>
+  </p:clrMapOvr>
+</p:sld>
+</file>
+
+<file path=ppt/slides/slide18.xml><?xml version="1.0" encoding="utf-8"?>
+<p:sld xmlns:a="http://schemas.openxmlformats.org/drawingml/2006/main" xmlns:r="http://schemas.openxmlformats.org/officeDocument/2006/relationships" xmlns:p="http://schemas.openxmlformats.org/presentationml/2006/main">
+  <p:cSld>
+    <p:spTree>
+      <p:nvGrpSpPr>
+        <p:cNvPr id="1" name=""/>
+        <p:cNvGrpSpPr/>
+        <p:nvPr/>
+      </p:nvGrpSpPr>
+      <p:grpSpPr>
+        <a:xfrm>
+          <a:off x="0" y="0"/>
+          <a:ext cx="0" cy="0"/>
+          <a:chOff x="0" y="0"/>
+          <a:chExt cx="0" cy="0"/>
+        </a:xfrm>
+      </p:grpSpPr>
+      <p:sp>
+        <p:nvSpPr>
+          <p:cNvPr id="2" name="Title 1">
+            <a:extLst>
+              <a:ext uri="{FF2B5EF4-FFF2-40B4-BE49-F238E27FC236}">
+                <a16:creationId xmlns:a16="http://schemas.microsoft.com/office/drawing/2014/main" id="{A915E0F4-D4D8-11C7-A7B5-2FBA6AC2D253}"/>
+              </a:ext>
+            </a:extLst>
+          </p:cNvPr>
+          <p:cNvSpPr>
+            <a:spLocks noGrp="1"/>
+          </p:cNvSpPr>
+          <p:nvPr>
+            <p:ph type="title"/>
+          </p:nvPr>
+        </p:nvSpPr>
+        <p:spPr/>
+        <p:txBody>
+          <a:bodyPr/>
+          <a:lstStyle/>
+          <a:p>
+            <a:r>
+              <a:rPr lang="en-US" dirty="0"/>
+              <a:t>Observing a Tree’s Growth…</a:t>
+            </a:r>
+          </a:p>
+        </p:txBody>
+      </p:sp>
+      <p:sp>
+        <p:nvSpPr>
+          <p:cNvPr id="3" name="Content Placeholder 2">
+            <a:extLst>
+              <a:ext uri="{FF2B5EF4-FFF2-40B4-BE49-F238E27FC236}">
+                <a16:creationId xmlns:a16="http://schemas.microsoft.com/office/drawing/2014/main" id="{4F2E773B-944D-A38F-663E-11F7EF98E059}"/>
+              </a:ext>
+            </a:extLst>
+          </p:cNvPr>
+          <p:cNvSpPr>
+            <a:spLocks noGrp="1"/>
+          </p:cNvSpPr>
+          <p:nvPr>
+            <p:ph idx="1"/>
+          </p:nvPr>
+        </p:nvSpPr>
+        <p:spPr>
+          <a:xfrm>
+            <a:off x="1313793" y="1954924"/>
+            <a:ext cx="9858704" cy="4098557"/>
+          </a:xfrm>
+        </p:spPr>
+        <p:txBody>
+          <a:bodyPr/>
+          <a:lstStyle/>
+          <a:p>
+            <a:r>
+              <a:rPr lang="en-US" dirty="0"/>
+              <a:t>Trees are ‘greedy’ – they will try to get as accurate as possible without limits. </a:t>
+            </a:r>
+          </a:p>
+          <a:p>
+            <a:pPr lvl="1"/>
+            <a:r>
+              <a:rPr lang="en-US" dirty="0"/>
+              <a:t>This means that if a node has 2 values, a 1 and a 0, the tree will split to two nodes of one item.</a:t>
+            </a:r>
+          </a:p>
+          <a:p>
+            <a:r>
+              <a:rPr lang="en-US" dirty="0"/>
+              <a:t>A tree working to get every single prediction correct in the training data is new. </a:t>
+            </a:r>
+          </a:p>
+          <a:p>
+            <a:pPr lvl="1"/>
+            <a:r>
+              <a:rPr lang="en-US" dirty="0"/>
+              <a:t>Regression models will try to generate a model that is “down the middle”. </a:t>
+            </a:r>
+          </a:p>
+          <a:p>
+            <a:pPr lvl="1"/>
+            <a:r>
+              <a:rPr lang="en-US" dirty="0"/>
+              <a:t>Regression models can’t really adapt to small differences in the data like a tree can. </a:t>
+            </a:r>
+          </a:p>
+          <a:p>
+            <a:r>
+              <a:rPr lang="en-US" dirty="0"/>
+              <a:t>Regression models need to take an “average” for the line to go down the middle, trees can adapt to ”pick out” values with much more precision. </a:t>
+            </a:r>
+          </a:p>
+          <a:p>
+            <a:r>
+              <a:rPr lang="en-US" dirty="0"/>
+              <a:t>One concern is that if a model is able to get so accurate on the training data, what happens when we have new data that it is trying to predict. </a:t>
+            </a:r>
+          </a:p>
+        </p:txBody>
+      </p:sp>
+    </p:spTree>
+    <p:extLst>
+      <p:ext uri="{BB962C8B-B14F-4D97-AF65-F5344CB8AC3E}">
+        <p14:creationId xmlns:p14="http://schemas.microsoft.com/office/powerpoint/2010/main" val="3607179106"/>
+      </p:ext>
+    </p:extLst>
+  </p:cSld>
+  <p:clrMapOvr>
+    <a:masterClrMapping/>
+  </p:clrMapOvr>
+</p:sld>
+</file>
+
+<file path=ppt/slides/slide19.xml><?xml version="1.0" encoding="utf-8"?>
+<p:sld xmlns:a="http://schemas.openxmlformats.org/drawingml/2006/main" xmlns:r="http://schemas.openxmlformats.org/officeDocument/2006/relationships" xmlns:p="http://schemas.openxmlformats.org/presentationml/2006/main">
+  <p:cSld>
+    <p:bg>
+      <p:bgPr>
+        <a:gradFill rotWithShape="1">
+          <a:gsLst>
+            <a:gs pos="0">
+              <a:schemeClr val="bg2">
+                <a:tint val="94000"/>
+                <a:satMod val="80000"/>
+                <a:lumMod val="106000"/>
+              </a:schemeClr>
+            </a:gs>
+            <a:gs pos="100000">
+              <a:schemeClr val="bg2">
+                <a:shade val="80000"/>
+              </a:schemeClr>
+            </a:gs>
+          </a:gsLst>
+          <a:path path="circle">
+            <a:fillToRect l="43000" r="43000" b="100000"/>
+          </a:path>
+        </a:gradFill>
+        <a:effectLst/>
+      </p:bgPr>
+    </p:bg>
+    <p:spTree>
+      <p:nvGrpSpPr>
+        <p:cNvPr id="1" name=""/>
+        <p:cNvGrpSpPr/>
+        <p:nvPr/>
+      </p:nvGrpSpPr>
+      <p:grpSpPr>
+        <a:xfrm>
+          <a:off x="0" y="0"/>
+          <a:ext cx="0" cy="0"/>
+          <a:chOff x="0" y="0"/>
+          <a:chExt cx="0" cy="0"/>
+        </a:xfrm>
+      </p:grpSpPr>
+      <p:sp>
+        <p:nvSpPr>
+          <p:cNvPr id="2" name="Title 1">
+            <a:extLst>
+              <a:ext uri="{FF2B5EF4-FFF2-40B4-BE49-F238E27FC236}">
                 <a16:creationId xmlns:a16="http://schemas.microsoft.com/office/drawing/2014/main" id="{3BE78364-C364-4F1A-1D16-E90E6269F8F1}"/>
               </a:ext>
             </a:extLst>
@@ -5408,161 +5677,6 @@
 </p:sld>
 </file>
 
-<file path=ppt/slides/slide19.xml><?xml version="1.0" encoding="utf-8"?>
-<p:sld xmlns:a="http://schemas.openxmlformats.org/drawingml/2006/main" xmlns:r="http://schemas.openxmlformats.org/officeDocument/2006/relationships" xmlns:p="http://schemas.openxmlformats.org/presentationml/2006/main">
-  <p:cSld>
-    <p:spTree>
-      <p:nvGrpSpPr>
-        <p:cNvPr id="1" name=""/>
-        <p:cNvGrpSpPr/>
-        <p:nvPr/>
-      </p:nvGrpSpPr>
-      <p:grpSpPr>
-        <a:xfrm>
-          <a:off x="0" y="0"/>
-          <a:ext cx="0" cy="0"/>
-          <a:chOff x="0" y="0"/>
-          <a:chExt cx="0" cy="0"/>
-        </a:xfrm>
-      </p:grpSpPr>
-      <p:sp>
-        <p:nvSpPr>
-          <p:cNvPr id="2" name="Title 1">
-            <a:extLst>
-              <a:ext uri="{FF2B5EF4-FFF2-40B4-BE49-F238E27FC236}">
-                <a16:creationId xmlns:a16="http://schemas.microsoft.com/office/drawing/2014/main" id="{3CBDA671-EE26-19ED-E3E4-FEA619807DC5}"/>
-              </a:ext>
-            </a:extLst>
-          </p:cNvPr>
-          <p:cNvSpPr>
-            <a:spLocks noGrp="1"/>
-          </p:cNvSpPr>
-          <p:nvPr>
-            <p:ph type="title"/>
-          </p:nvPr>
-        </p:nvSpPr>
-        <p:spPr/>
-        <p:txBody>
-          <a:bodyPr/>
-          <a:lstStyle/>
-          <a:p>
-            <a:r>
-              <a:rPr lang="en-US" dirty="0"/>
-              <a:t>Fitting analogy</a:t>
-            </a:r>
-          </a:p>
-        </p:txBody>
-      </p:sp>
-      <p:sp>
-        <p:nvSpPr>
-          <p:cNvPr id="3" name="Content Placeholder 2">
-            <a:extLst>
-              <a:ext uri="{FF2B5EF4-FFF2-40B4-BE49-F238E27FC236}">
-                <a16:creationId xmlns:a16="http://schemas.microsoft.com/office/drawing/2014/main" id="{49A9D62C-384B-870D-39B1-7BD089907E4B}"/>
-              </a:ext>
-            </a:extLst>
-          </p:cNvPr>
-          <p:cNvSpPr>
-            <a:spLocks noGrp="1"/>
-          </p:cNvSpPr>
-          <p:nvPr>
-            <p:ph idx="1"/>
-          </p:nvPr>
-        </p:nvSpPr>
-        <p:spPr>
-          <a:xfrm>
-            <a:off x="1451579" y="1853754"/>
-            <a:ext cx="9603275" cy="4301513"/>
-          </a:xfrm>
-        </p:spPr>
-        <p:txBody>
-          <a:bodyPr>
-            <a:normAutofit/>
-          </a:bodyPr>
-          <a:lstStyle/>
-          <a:p>
-            <a:r>
-              <a:rPr lang="en-US" dirty="0"/>
-              <a:t>Suppose I was a predictive model that predicted if someone will pass a class. </a:t>
-            </a:r>
-          </a:p>
-          <a:p>
-            <a:pPr lvl="1"/>
-            <a:r>
-              <a:rPr lang="en-US" dirty="0"/>
-              <a:t>My features (X values) are everything I can know about students – academic and demographic. </a:t>
-            </a:r>
-          </a:p>
-          <a:p>
-            <a:r>
-              <a:rPr lang="en-US" dirty="0"/>
-              <a:t>If I have a small tree (e.g. 3 levels), I’m probably going to decide based on attendance, HW, reading the text, </a:t>
-            </a:r>
-            <a:r>
-              <a:rPr lang="en-US" dirty="0" err="1"/>
-              <a:t>etc</a:t>
-            </a:r>
-            <a:r>
-              <a:rPr lang="en-US" dirty="0"/>
-              <a:t>….</a:t>
-            </a:r>
-          </a:p>
-          <a:p>
-            <a:r>
-              <a:rPr lang="en-US" dirty="0"/>
-              <a:t>If I have an unlimited size tree, I will split each of those nodes to get to 100% accuracy, using whatever I can to do so. </a:t>
-            </a:r>
-          </a:p>
-          <a:p>
-            <a:pPr lvl="1"/>
-            <a:r>
-              <a:rPr lang="en-US" dirty="0"/>
-              <a:t>Seat in class, hair color, </a:t>
-            </a:r>
-            <a:r>
-              <a:rPr lang="en-US" dirty="0" err="1"/>
-              <a:t>etc</a:t>
-            </a:r>
-            <a:r>
-              <a:rPr lang="en-US" dirty="0"/>
-              <a:t>….</a:t>
-            </a:r>
-          </a:p>
-          <a:p>
-            <a:pPr lvl="1"/>
-            <a:r>
-              <a:rPr lang="en-US" dirty="0"/>
-              <a:t>My model is overly customized to the specifics of this one class. </a:t>
-            </a:r>
-          </a:p>
-          <a:p>
-            <a:pPr lvl="1"/>
-            <a:r>
-              <a:rPr lang="en-US" dirty="0"/>
-              <a:t>This model is not generalizable, it works well for one exact example. </a:t>
-            </a:r>
-          </a:p>
-          <a:p>
-            <a:r>
-              <a:rPr lang="en-US" dirty="0"/>
-              <a:t>We want to stop a model before it gets overfitted, or too tailored to one dataset. </a:t>
-            </a:r>
-          </a:p>
-        </p:txBody>
-      </p:sp>
-    </p:spTree>
-    <p:extLst>
-      <p:ext uri="{BB962C8B-B14F-4D97-AF65-F5344CB8AC3E}">
-        <p14:creationId xmlns:p14="http://schemas.microsoft.com/office/powerpoint/2010/main" val="1501376360"/>
-      </p:ext>
-    </p:extLst>
-  </p:cSld>
-  <p:clrMapOvr>
-    <a:masterClrMapping/>
-  </p:clrMapOvr>
-</p:sld>
-</file>
-
 <file path=ppt/slides/slide2.xml><?xml version="1.0" encoding="utf-8"?>
 <p:sld xmlns:a="http://schemas.openxmlformats.org/drawingml/2006/main" xmlns:r="http://schemas.openxmlformats.org/officeDocument/2006/relationships" xmlns:p="http://schemas.openxmlformats.org/presentationml/2006/main">
   <p:cSld>
@@ -5585,7 +5699,7 @@
           <p:cNvPr id="2" name="Title 1">
             <a:extLst>
               <a:ext uri="{FF2B5EF4-FFF2-40B4-BE49-F238E27FC236}">
-                <a16:creationId xmlns:a16="http://schemas.microsoft.com/office/drawing/2014/main" id="{E8C3835D-501E-06CF-C1DC-44ACEAB1B986}"/>
+                <a16:creationId xmlns:a16="http://schemas.microsoft.com/office/drawing/2014/main" id="{B8E2AD5A-7A83-5C4C-9676-675895A77766}"/>
               </a:ext>
             </a:extLst>
           </p:cNvPr>
@@ -5593,7 +5707,7 @@
             <a:spLocks noGrp="1"/>
           </p:cNvSpPr>
           <p:nvPr>
-            <p:ph type="title"/>
+            <p:ph type="ctrTitle"/>
           </p:nvPr>
         </p:nvSpPr>
         <p:spPr/>
@@ -5603,17 +5717,17 @@
           <a:p>
             <a:r>
               <a:rPr lang="en-US" dirty="0"/>
-              <a:t>Preamble</a:t>
-            </a:r>
-          </a:p>
-        </p:txBody>
-      </p:sp>
-      <p:sp>
-        <p:nvSpPr>
-          <p:cNvPr id="3" name="Content Placeholder 2">
+              <a:t>Trees</a:t>
+            </a:r>
+          </a:p>
+        </p:txBody>
+      </p:sp>
+      <p:sp>
+        <p:nvSpPr>
+          <p:cNvPr id="3" name="Subtitle 2">
             <a:extLst>
               <a:ext uri="{FF2B5EF4-FFF2-40B4-BE49-F238E27FC236}">
-                <a16:creationId xmlns:a16="http://schemas.microsoft.com/office/drawing/2014/main" id="{F0FFF59D-F04A-BF4D-EB0D-2798804F8F40}"/>
+                <a16:creationId xmlns:a16="http://schemas.microsoft.com/office/drawing/2014/main" id="{1DF7E239-BEEB-794A-A95E-6522428CD737}"/>
               </a:ext>
             </a:extLst>
           </p:cNvPr>
@@ -5621,75 +5735,17 @@
             <a:spLocks noGrp="1"/>
           </p:cNvSpPr>
           <p:nvPr>
-            <p:ph idx="1"/>
-          </p:nvPr>
-        </p:nvSpPr>
-        <p:spPr>
-          <a:xfrm>
-            <a:off x="1451579" y="1853754"/>
-            <a:ext cx="9603275" cy="4199727"/>
-          </a:xfrm>
-        </p:spPr>
+            <p:ph type="subTitle" idx="1"/>
+          </p:nvPr>
+        </p:nvSpPr>
+        <p:spPr/>
         <p:txBody>
           <a:bodyPr/>
           <a:lstStyle/>
           <a:p>
             <a:r>
               <a:rPr lang="en-US" dirty="0"/>
-              <a:t>Train-test split and cross-validation. </a:t>
-            </a:r>
-          </a:p>
-          <a:p>
-            <a:r>
-              <a:rPr lang="en-US" dirty="0"/>
-              <a:t>We can use train-test split to get training and testing data. </a:t>
-            </a:r>
-          </a:p>
-          <a:p>
-            <a:pPr lvl="1"/>
-            <a:r>
-              <a:rPr lang="en-US" dirty="0"/>
-              <a:t>The training score is how accurate the model is on the predictions for the data it is using. </a:t>
-            </a:r>
-          </a:p>
-          <a:p>
-            <a:pPr lvl="1"/>
-            <a:r>
-              <a:rPr lang="en-US" dirty="0"/>
-              <a:t>The test score is how accurate the model is on the data that was held aside. </a:t>
-            </a:r>
-          </a:p>
-          <a:p>
-            <a:r>
-              <a:rPr lang="en-US" dirty="0"/>
-              <a:t>We can also use the grid search cv in its place. </a:t>
-            </a:r>
-          </a:p>
-          <a:p>
-            <a:pPr lvl="1"/>
-            <a:r>
-              <a:rPr lang="en-US" dirty="0"/>
-              <a:t>The data will be split into k sets, one used for testing each round.</a:t>
-            </a:r>
-          </a:p>
-          <a:p>
-            <a:r>
-              <a:rPr lang="en-US" dirty="0"/>
-              <a:t>These two can also be combined and used together. </a:t>
-            </a:r>
-          </a:p>
-          <a:p>
-            <a:pPr lvl="1"/>
-            <a:r>
-              <a:rPr lang="en-US" dirty="0"/>
-              <a:t>The cross-validation will do its thing, but only the test data is used for it. </a:t>
-            </a:r>
-          </a:p>
-          <a:p>
-            <a:pPr lvl="1"/>
-            <a:r>
-              <a:rPr lang="en-US" dirty="0"/>
-              <a:t>The test score is generated from the data held aside from the cross-validation. </a:t>
+              <a:t>They Grow</a:t>
             </a:r>
           </a:p>
         </p:txBody>
@@ -5697,7 +5753,7 @@
     </p:spTree>
     <p:extLst>
       <p:ext uri="{BB962C8B-B14F-4D97-AF65-F5344CB8AC3E}">
-        <p14:creationId xmlns:p14="http://schemas.microsoft.com/office/powerpoint/2010/main" val="3833307874"/>
+        <p14:creationId xmlns:p14="http://schemas.microsoft.com/office/powerpoint/2010/main" val="90841124"/>
       </p:ext>
     </p:extLst>
   </p:cSld>
@@ -5729,6 +5785,161 @@
           <p:cNvPr id="2" name="Title 1">
             <a:extLst>
               <a:ext uri="{FF2B5EF4-FFF2-40B4-BE49-F238E27FC236}">
+                <a16:creationId xmlns:a16="http://schemas.microsoft.com/office/drawing/2014/main" id="{3CBDA671-EE26-19ED-E3E4-FEA619807DC5}"/>
+              </a:ext>
+            </a:extLst>
+          </p:cNvPr>
+          <p:cNvSpPr>
+            <a:spLocks noGrp="1"/>
+          </p:cNvSpPr>
+          <p:nvPr>
+            <p:ph type="title"/>
+          </p:nvPr>
+        </p:nvSpPr>
+        <p:spPr/>
+        <p:txBody>
+          <a:bodyPr/>
+          <a:lstStyle/>
+          <a:p>
+            <a:r>
+              <a:rPr lang="en-US" dirty="0"/>
+              <a:t>Fitting analogy</a:t>
+            </a:r>
+          </a:p>
+        </p:txBody>
+      </p:sp>
+      <p:sp>
+        <p:nvSpPr>
+          <p:cNvPr id="3" name="Content Placeholder 2">
+            <a:extLst>
+              <a:ext uri="{FF2B5EF4-FFF2-40B4-BE49-F238E27FC236}">
+                <a16:creationId xmlns:a16="http://schemas.microsoft.com/office/drawing/2014/main" id="{49A9D62C-384B-870D-39B1-7BD089907E4B}"/>
+              </a:ext>
+            </a:extLst>
+          </p:cNvPr>
+          <p:cNvSpPr>
+            <a:spLocks noGrp="1"/>
+          </p:cNvSpPr>
+          <p:nvPr>
+            <p:ph idx="1"/>
+          </p:nvPr>
+        </p:nvSpPr>
+        <p:spPr>
+          <a:xfrm>
+            <a:off x="1451579" y="1853754"/>
+            <a:ext cx="9603275" cy="4301513"/>
+          </a:xfrm>
+        </p:spPr>
+        <p:txBody>
+          <a:bodyPr>
+            <a:normAutofit/>
+          </a:bodyPr>
+          <a:lstStyle/>
+          <a:p>
+            <a:r>
+              <a:rPr lang="en-US" dirty="0"/>
+              <a:t>Suppose I was a predictive model that predicted if someone will pass a class. </a:t>
+            </a:r>
+          </a:p>
+          <a:p>
+            <a:pPr lvl="1"/>
+            <a:r>
+              <a:rPr lang="en-US" dirty="0"/>
+              <a:t>My features (X values) are everything I can know about students – academic and demographic. </a:t>
+            </a:r>
+          </a:p>
+          <a:p>
+            <a:r>
+              <a:rPr lang="en-US" dirty="0"/>
+              <a:t>If I have a small tree (e.g. 3 levels), I’m probably going to decide based on attendance, HW, reading the text, </a:t>
+            </a:r>
+            <a:r>
+              <a:rPr lang="en-US" dirty="0" err="1"/>
+              <a:t>etc</a:t>
+            </a:r>
+            <a:r>
+              <a:rPr lang="en-US" dirty="0"/>
+              <a:t>….</a:t>
+            </a:r>
+          </a:p>
+          <a:p>
+            <a:r>
+              <a:rPr lang="en-US" dirty="0"/>
+              <a:t>If I have an unlimited size tree, I will split each of those nodes to get to 100% accuracy, using whatever I can to do so. </a:t>
+            </a:r>
+          </a:p>
+          <a:p>
+            <a:pPr lvl="1"/>
+            <a:r>
+              <a:rPr lang="en-US" dirty="0"/>
+              <a:t>Seat in class, hair color, </a:t>
+            </a:r>
+            <a:r>
+              <a:rPr lang="en-US" dirty="0" err="1"/>
+              <a:t>etc</a:t>
+            </a:r>
+            <a:r>
+              <a:rPr lang="en-US" dirty="0"/>
+              <a:t>….</a:t>
+            </a:r>
+          </a:p>
+          <a:p>
+            <a:pPr lvl="1"/>
+            <a:r>
+              <a:rPr lang="en-US" dirty="0"/>
+              <a:t>My model is overly customized to the specifics of this one class. </a:t>
+            </a:r>
+          </a:p>
+          <a:p>
+            <a:pPr lvl="1"/>
+            <a:r>
+              <a:rPr lang="en-US" dirty="0"/>
+              <a:t>This model is not generalizable, it works well for one exact example. </a:t>
+            </a:r>
+          </a:p>
+          <a:p>
+            <a:r>
+              <a:rPr lang="en-US" dirty="0"/>
+              <a:t>We want to stop a model before it gets overfitted, or too tailored to one dataset. </a:t>
+            </a:r>
+          </a:p>
+        </p:txBody>
+      </p:sp>
+    </p:spTree>
+    <p:extLst>
+      <p:ext uri="{BB962C8B-B14F-4D97-AF65-F5344CB8AC3E}">
+        <p14:creationId xmlns:p14="http://schemas.microsoft.com/office/powerpoint/2010/main" val="1501376360"/>
+      </p:ext>
+    </p:extLst>
+  </p:cSld>
+  <p:clrMapOvr>
+    <a:masterClrMapping/>
+  </p:clrMapOvr>
+</p:sld>
+</file>
+
+<file path=ppt/slides/slide21.xml><?xml version="1.0" encoding="utf-8"?>
+<p:sld xmlns:a="http://schemas.openxmlformats.org/drawingml/2006/main" xmlns:r="http://schemas.openxmlformats.org/officeDocument/2006/relationships" xmlns:p="http://schemas.openxmlformats.org/presentationml/2006/main">
+  <p:cSld>
+    <p:spTree>
+      <p:nvGrpSpPr>
+        <p:cNvPr id="1" name=""/>
+        <p:cNvGrpSpPr/>
+        <p:nvPr/>
+      </p:nvGrpSpPr>
+      <p:grpSpPr>
+        <a:xfrm>
+          <a:off x="0" y="0"/>
+          <a:ext cx="0" cy="0"/>
+          <a:chOff x="0" y="0"/>
+          <a:chExt cx="0" cy="0"/>
+        </a:xfrm>
+      </p:grpSpPr>
+      <p:sp>
+        <p:nvSpPr>
+          <p:cNvPr id="2" name="Title 1">
+            <a:extLst>
+              <a:ext uri="{FF2B5EF4-FFF2-40B4-BE49-F238E27FC236}">
                 <a16:creationId xmlns:a16="http://schemas.microsoft.com/office/drawing/2014/main" id="{0A2F3C07-EADE-97C7-4034-D24BC7060D5D}"/>
               </a:ext>
             </a:extLst>
@@ -5790,7 +6001,7 @@
 </p:sld>
 </file>
 
-<file path=ppt/slides/slide21.xml><?xml version="1.0" encoding="utf-8"?>
+<file path=ppt/slides/slide22.xml><?xml version="1.0" encoding="utf-8"?>
 <p:sld xmlns:a="http://schemas.openxmlformats.org/drawingml/2006/main" xmlns:r="http://schemas.openxmlformats.org/officeDocument/2006/relationships" xmlns:p="http://schemas.openxmlformats.org/presentationml/2006/main">
   <p:cSld>
     <p:spTree>
@@ -5980,166 +6191,6 @@
 </p:sld>
 </file>
 
-<file path=ppt/slides/slide22.xml><?xml version="1.0" encoding="utf-8"?>
-<p:sld xmlns:a="http://schemas.openxmlformats.org/drawingml/2006/main" xmlns:r="http://schemas.openxmlformats.org/officeDocument/2006/relationships" xmlns:p="http://schemas.openxmlformats.org/presentationml/2006/main">
-  <p:cSld>
-    <p:spTree>
-      <p:nvGrpSpPr>
-        <p:cNvPr id="1" name=""/>
-        <p:cNvGrpSpPr/>
-        <p:nvPr/>
-      </p:nvGrpSpPr>
-      <p:grpSpPr>
-        <a:xfrm>
-          <a:off x="0" y="0"/>
-          <a:ext cx="0" cy="0"/>
-          <a:chOff x="0" y="0"/>
-          <a:chExt cx="0" cy="0"/>
-        </a:xfrm>
-      </p:grpSpPr>
-      <p:sp>
-        <p:nvSpPr>
-          <p:cNvPr id="2" name="Title 1">
-            <a:extLst>
-              <a:ext uri="{FF2B5EF4-FFF2-40B4-BE49-F238E27FC236}">
-                <a16:creationId xmlns:a16="http://schemas.microsoft.com/office/drawing/2014/main" id="{A34FFB88-6CDD-12AE-73E0-9CEC1B34A90E}"/>
-              </a:ext>
-            </a:extLst>
-          </p:cNvPr>
-          <p:cNvSpPr>
-            <a:spLocks noGrp="1"/>
-          </p:cNvSpPr>
-          <p:nvPr>
-            <p:ph type="title"/>
-          </p:nvPr>
-        </p:nvSpPr>
-        <p:spPr/>
-        <p:txBody>
-          <a:bodyPr/>
-          <a:lstStyle/>
-          <a:p>
-            <a:r>
-              <a:rPr lang="en-US" dirty="0"/>
-              <a:t>So Many Parameters!</a:t>
-            </a:r>
-          </a:p>
-        </p:txBody>
-      </p:sp>
-      <p:sp>
-        <p:nvSpPr>
-          <p:cNvPr id="3" name="Content Placeholder 2">
-            <a:extLst>
-              <a:ext uri="{FF2B5EF4-FFF2-40B4-BE49-F238E27FC236}">
-                <a16:creationId xmlns:a16="http://schemas.microsoft.com/office/drawing/2014/main" id="{AAD6AA7C-5A86-FB19-8C90-806DD6BA00B7}"/>
-              </a:ext>
-            </a:extLst>
-          </p:cNvPr>
-          <p:cNvSpPr>
-            <a:spLocks noGrp="1"/>
-          </p:cNvSpPr>
-          <p:nvPr>
-            <p:ph idx="1"/>
-          </p:nvPr>
-        </p:nvSpPr>
-        <p:spPr>
-          <a:xfrm>
-            <a:off x="1451579" y="1853754"/>
-            <a:ext cx="9603275" cy="4267646"/>
-          </a:xfrm>
-        </p:spPr>
-        <p:txBody>
-          <a:bodyPr/>
-          <a:lstStyle/>
-          <a:p>
-            <a:r>
-              <a:rPr lang="en-US" dirty="0"/>
-              <a:t>Parameters are the things that the model learns internally while training. </a:t>
-            </a:r>
-          </a:p>
-          <a:p>
-            <a:pPr lvl="1"/>
-            <a:r>
-              <a:rPr lang="en-US" dirty="0"/>
-              <a:t>In a tree – split criteria. </a:t>
-            </a:r>
-          </a:p>
-          <a:p>
-            <a:pPr lvl="1"/>
-            <a:r>
-              <a:rPr lang="en-US" dirty="0"/>
-              <a:t>In other models – weights, values, centers, </a:t>
-            </a:r>
-            <a:r>
-              <a:rPr lang="en-US" dirty="0" err="1"/>
-              <a:t>etc</a:t>
-            </a:r>
-            <a:r>
-              <a:rPr lang="en-US" dirty="0"/>
-              <a:t>… (This will make more sense later) </a:t>
-            </a:r>
-          </a:p>
-          <a:p>
-            <a:r>
-              <a:rPr lang="en-US" dirty="0"/>
-              <a:t>Hyperparameters are the things the model is told from the developer. </a:t>
-            </a:r>
-          </a:p>
-          <a:p>
-            <a:pPr lvl="1"/>
-            <a:r>
-              <a:rPr lang="en-US" dirty="0"/>
-              <a:t>The rules on how the training process can run. </a:t>
-            </a:r>
-          </a:p>
-          <a:p>
-            <a:pPr lvl="1"/>
-            <a:r>
-              <a:rPr lang="en-US" dirty="0"/>
-              <a:t>Settings for how it does its job. </a:t>
-            </a:r>
-          </a:p>
-          <a:p>
-            <a:r>
-              <a:rPr lang="en-US" dirty="0"/>
-              <a:t>Creating a model will require [model type + HP choices]. </a:t>
-            </a:r>
-          </a:p>
-          <a:p>
-            <a:pPr lvl="1"/>
-            <a:r>
-              <a:rPr lang="en-US" dirty="0"/>
-              <a:t>We often want to compare different HP sets against each other. </a:t>
-            </a:r>
-          </a:p>
-          <a:p>
-            <a:pPr lvl="1"/>
-            <a:r>
-              <a:rPr lang="en-US" dirty="0"/>
-              <a:t>Soon we’ll look at tools to automate testing and comparing HP settings. </a:t>
-            </a:r>
-          </a:p>
-          <a:p>
-            <a:pPr lvl="1"/>
-            <a:r>
-              <a:rPr lang="en-US" dirty="0"/>
-              <a:t>Can use HP settings to mitigate over/under fitting in a model. </a:t>
-            </a:r>
-          </a:p>
-        </p:txBody>
-      </p:sp>
-    </p:spTree>
-    <p:extLst>
-      <p:ext uri="{BB962C8B-B14F-4D97-AF65-F5344CB8AC3E}">
-        <p14:creationId xmlns:p14="http://schemas.microsoft.com/office/powerpoint/2010/main" val="55262228"/>
-      </p:ext>
-    </p:extLst>
-  </p:cSld>
-  <p:clrMapOvr>
-    <a:masterClrMapping/>
-  </p:clrMapOvr>
-</p:sld>
-</file>
-
 <file path=ppt/slides/slide23.xml><?xml version="1.0" encoding="utf-8"?>
 <p:sld xmlns:a="http://schemas.openxmlformats.org/drawingml/2006/main" xmlns:r="http://schemas.openxmlformats.org/officeDocument/2006/relationships" xmlns:p="http://schemas.openxmlformats.org/presentationml/2006/main">
   <p:cSld>
@@ -6162,7 +6213,7 @@
           <p:cNvPr id="2" name="Title 1">
             <a:extLst>
               <a:ext uri="{FF2B5EF4-FFF2-40B4-BE49-F238E27FC236}">
-                <a16:creationId xmlns:a16="http://schemas.microsoft.com/office/drawing/2014/main" id="{8EABA6BA-10E2-0D27-27FB-10A6B139C063}"/>
+                <a16:creationId xmlns:a16="http://schemas.microsoft.com/office/drawing/2014/main" id="{A34FFB88-6CDD-12AE-73E0-9CEC1B34A90E}"/>
               </a:ext>
             </a:extLst>
           </p:cNvPr>
@@ -6180,7 +6231,7 @@
           <a:p>
             <a:r>
               <a:rPr lang="en-US" dirty="0"/>
-              <a:t>Tuning the Model</a:t>
+              <a:t>So Many Parameters!</a:t>
             </a:r>
           </a:p>
         </p:txBody>
@@ -6190,7 +6241,7 @@
           <p:cNvPr id="3" name="Content Placeholder 2">
             <a:extLst>
               <a:ext uri="{FF2B5EF4-FFF2-40B4-BE49-F238E27FC236}">
-                <a16:creationId xmlns:a16="http://schemas.microsoft.com/office/drawing/2014/main" id="{D08C41A7-4567-7ABA-D4A3-B7E570BB7762}"/>
+                <a16:creationId xmlns:a16="http://schemas.microsoft.com/office/drawing/2014/main" id="{AAD6AA7C-5A86-FB19-8C90-806DD6BA00B7}"/>
               </a:ext>
             </a:extLst>
           </p:cNvPr>
@@ -6203,8 +6254,8 @@
         </p:nvSpPr>
         <p:spPr>
           <a:xfrm>
-            <a:off x="1451579" y="2015732"/>
-            <a:ext cx="9603275" cy="4037749"/>
+            <a:off x="1451579" y="1853754"/>
+            <a:ext cx="9603275" cy="4267646"/>
           </a:xfrm>
         </p:spPr>
         <p:txBody>
@@ -6213,60 +6264,76 @@
           <a:p>
             <a:r>
               <a:rPr lang="en-US" dirty="0"/>
-              <a:t>We want our model to:</a:t>
-            </a:r>
-          </a:p>
-          <a:p>
-            <a:pPr lvl="1"/>
-            <a:r>
-              <a:rPr lang="en-US" dirty="0"/>
-              <a:t>Learn the data well, so it can make accurate predictions. </a:t>
-            </a:r>
-          </a:p>
-          <a:p>
-            <a:pPr lvl="1"/>
-            <a:r>
-              <a:rPr lang="en-US" dirty="0"/>
-              <a:t>Not become overly customized to the specifics, so it can make good predictions on new data. </a:t>
-            </a:r>
-          </a:p>
-          <a:p>
-            <a:r>
-              <a:rPr lang="en-US" dirty="0"/>
-              <a:t>We want to balance overfitting and underfitting. </a:t>
-            </a:r>
-          </a:p>
-          <a:p>
-            <a:r>
-              <a:rPr lang="en-US" dirty="0"/>
-              <a:t>Trees can tend to overfit if we don’t constrain their growth. </a:t>
-            </a:r>
-          </a:p>
-          <a:p>
-            <a:pPr lvl="1"/>
-            <a:r>
-              <a:rPr lang="en-US" dirty="0"/>
-              <a:t>E.g. if a node has a T and F, just split so each node is perfect. </a:t>
-            </a:r>
-          </a:p>
-          <a:p>
-            <a:r>
-              <a:rPr lang="en-US" dirty="0"/>
-              <a:t>We want to let our tree fit to data, but limit how far it can go. </a:t>
-            </a:r>
-          </a:p>
-          <a:p>
-            <a:pPr lvl="1"/>
-            <a:r>
-              <a:rPr lang="en-US" dirty="0"/>
-              <a:t>The model can get to near 100% in training, we want to constrain that growth. </a:t>
-            </a:r>
-          </a:p>
-          <a:p>
-            <a:pPr lvl="1"/>
-            <a:r>
-              <a:rPr lang="en-US" dirty="0"/>
-              <a:t>The most common thing we’ll do with tuning is limiting overfitting. </a:t>
+              <a:t>Parameters are the things that the model learns internally while training. </a:t>
+            </a:r>
+          </a:p>
+          <a:p>
+            <a:pPr lvl="1"/>
+            <a:r>
+              <a:rPr lang="en-US" dirty="0"/>
+              <a:t>In a tree – split criteria. </a:t>
+            </a:r>
+          </a:p>
+          <a:p>
+            <a:pPr lvl="1"/>
+            <a:r>
+              <a:rPr lang="en-US" dirty="0"/>
+              <a:t>In other models – weights, values, centers, </a:t>
+            </a:r>
+            <a:r>
+              <a:rPr lang="en-US" dirty="0" err="1"/>
+              <a:t>etc</a:t>
+            </a:r>
+            <a:r>
+              <a:rPr lang="en-US" dirty="0"/>
+              <a:t>… (This will make more sense later) </a:t>
+            </a:r>
+          </a:p>
+          <a:p>
+            <a:r>
+              <a:rPr lang="en-US" dirty="0"/>
+              <a:t>Hyperparameters are the things the model is told from the developer. </a:t>
+            </a:r>
+          </a:p>
+          <a:p>
+            <a:pPr lvl="1"/>
+            <a:r>
+              <a:rPr lang="en-US" dirty="0"/>
+              <a:t>The rules on how the training process can run. </a:t>
+            </a:r>
+          </a:p>
+          <a:p>
+            <a:pPr lvl="1"/>
+            <a:r>
+              <a:rPr lang="en-US" dirty="0"/>
+              <a:t>Settings for how it does its job. </a:t>
+            </a:r>
+          </a:p>
+          <a:p>
+            <a:r>
+              <a:rPr lang="en-US" dirty="0"/>
+              <a:t>Creating a model will require [model type + HP choices]. </a:t>
+            </a:r>
+          </a:p>
+          <a:p>
+            <a:pPr lvl="1"/>
+            <a:r>
+              <a:rPr lang="en-US" dirty="0"/>
+              <a:t>We often want to compare different HP sets against each other. </a:t>
+            </a:r>
+          </a:p>
+          <a:p>
+            <a:pPr lvl="1"/>
+            <a:r>
+              <a:rPr lang="en-US" dirty="0"/>
+              <a:t>Soon we’ll look at tools to automate testing and comparing HP settings. </a:t>
+            </a:r>
+          </a:p>
+          <a:p>
+            <a:pPr lvl="1"/>
+            <a:r>
+              <a:rPr lang="en-US" dirty="0"/>
+              <a:t>Can use HP settings to mitigate over/under fitting in a model. </a:t>
             </a:r>
           </a:p>
         </p:txBody>
@@ -6274,7 +6341,7 @@
     </p:spTree>
     <p:extLst>
       <p:ext uri="{BB962C8B-B14F-4D97-AF65-F5344CB8AC3E}">
-        <p14:creationId xmlns:p14="http://schemas.microsoft.com/office/powerpoint/2010/main" val="161820338"/>
+        <p14:creationId xmlns:p14="http://schemas.microsoft.com/office/powerpoint/2010/main" val="55262228"/>
       </p:ext>
     </p:extLst>
   </p:cSld>
@@ -6306,7 +6373,7 @@
           <p:cNvPr id="2" name="Title 1">
             <a:extLst>
               <a:ext uri="{FF2B5EF4-FFF2-40B4-BE49-F238E27FC236}">
-                <a16:creationId xmlns:a16="http://schemas.microsoft.com/office/drawing/2014/main" id="{1E97F5DB-3B29-55FD-A56F-98913C54B55A}"/>
+                <a16:creationId xmlns:a16="http://schemas.microsoft.com/office/drawing/2014/main" id="{8EABA6BA-10E2-0D27-27FB-10A6B139C063}"/>
               </a:ext>
             </a:extLst>
           </p:cNvPr>
@@ -6324,7 +6391,7 @@
           <a:p>
             <a:r>
               <a:rPr lang="en-US" dirty="0"/>
-              <a:t>Fitting a Tree</a:t>
+              <a:t>Tuning the Model</a:t>
             </a:r>
           </a:p>
         </p:txBody>
@@ -6334,7 +6401,7 @@
           <p:cNvPr id="3" name="Content Placeholder 2">
             <a:extLst>
               <a:ext uri="{FF2B5EF4-FFF2-40B4-BE49-F238E27FC236}">
-                <a16:creationId xmlns:a16="http://schemas.microsoft.com/office/drawing/2014/main" id="{B4634309-C70D-012A-9ADC-5DB38E2D3C79}"/>
+                <a16:creationId xmlns:a16="http://schemas.microsoft.com/office/drawing/2014/main" id="{D08C41A7-4567-7ABA-D4A3-B7E570BB7762}"/>
               </a:ext>
             </a:extLst>
           </p:cNvPr>
@@ -6347,71 +6414,70 @@
         </p:nvSpPr>
         <p:spPr>
           <a:xfrm>
-            <a:off x="599090" y="1853754"/>
-            <a:ext cx="10594427" cy="4199727"/>
+            <a:off x="1451579" y="2015732"/>
+            <a:ext cx="9603275" cy="4037749"/>
           </a:xfrm>
         </p:spPr>
         <p:txBody>
-          <a:bodyPr>
-            <a:normAutofit/>
-          </a:bodyPr>
-          <a:lstStyle/>
-          <a:p>
-            <a:r>
-              <a:rPr lang="en-US" dirty="0"/>
-              <a:t>Our tree models are more complex than regression – they can learn more complex things. </a:t>
-            </a:r>
-          </a:p>
-          <a:p>
-            <a:r>
-              <a:rPr lang="en-US" dirty="0"/>
-              <a:t>Hyperparameter tuning of our tree is more significant:</a:t>
-            </a:r>
-          </a:p>
-          <a:p>
-            <a:pPr lvl="1"/>
-            <a:r>
-              <a:rPr lang="en-US" dirty="0"/>
-              <a:t>The hyperparameters give us many different ways to limit this growth of the model. </a:t>
-            </a:r>
-          </a:p>
-          <a:p>
-            <a:pPr lvl="1"/>
-            <a:r>
-              <a:rPr lang="en-US" dirty="0"/>
-              <a:t>We can try different combinations to find a good balance. </a:t>
-            </a:r>
-          </a:p>
-          <a:p>
-            <a:r>
-              <a:rPr lang="en-US" dirty="0"/>
-              <a:t>Training vs testing vs cross-validation:</a:t>
-            </a:r>
-          </a:p>
-          <a:p>
-            <a:r>
-              <a:rPr lang="en-US" dirty="0"/>
-              <a:t>A training score that is much better than a testing score is an indicator of overfitting. </a:t>
-            </a:r>
-          </a:p>
-          <a:p>
-            <a:pPr lvl="1"/>
-            <a:r>
-              <a:rPr lang="en-US" dirty="0"/>
-              <a:t>The model has learned too much, and is excellent at predictions in training, but does poorly on new data. </a:t>
-            </a:r>
-          </a:p>
-          <a:p>
-            <a:r>
-              <a:rPr lang="en-US" dirty="0"/>
-              <a:t>A testing score that is much better than a training score is an indicator of underfitting. </a:t>
-            </a:r>
-          </a:p>
-          <a:p>
-            <a:pPr lvl="1"/>
-            <a:r>
-              <a:rPr lang="en-US" dirty="0"/>
-              <a:t>The model hasn’t learned enough about the training data to make accurate predictions. </a:t>
+          <a:bodyPr/>
+          <a:lstStyle/>
+          <a:p>
+            <a:r>
+              <a:rPr lang="en-US" dirty="0"/>
+              <a:t>We want our model to:</a:t>
+            </a:r>
+          </a:p>
+          <a:p>
+            <a:pPr lvl="1"/>
+            <a:r>
+              <a:rPr lang="en-US" dirty="0"/>
+              <a:t>Learn the data well, so it can make accurate predictions. </a:t>
+            </a:r>
+          </a:p>
+          <a:p>
+            <a:pPr lvl="1"/>
+            <a:r>
+              <a:rPr lang="en-US" dirty="0"/>
+              <a:t>Not become overly customized to the specifics, so it can make good predictions on new data. </a:t>
+            </a:r>
+          </a:p>
+          <a:p>
+            <a:r>
+              <a:rPr lang="en-US" dirty="0"/>
+              <a:t>We want to balance overfitting and underfitting. </a:t>
+            </a:r>
+          </a:p>
+          <a:p>
+            <a:r>
+              <a:rPr lang="en-US" dirty="0"/>
+              <a:t>Trees can tend to overfit if we don’t constrain their growth. </a:t>
+            </a:r>
+          </a:p>
+          <a:p>
+            <a:pPr lvl="1"/>
+            <a:r>
+              <a:rPr lang="en-US" dirty="0"/>
+              <a:t>E.g. if a node has a T and F, just split so each node is perfect. </a:t>
+            </a:r>
+          </a:p>
+          <a:p>
+            <a:r>
+              <a:rPr lang="en-US" dirty="0"/>
+              <a:t>We want to let our tree fit to data, but limit how far it can go. </a:t>
+            </a:r>
+          </a:p>
+          <a:p>
+            <a:pPr lvl="1"/>
+            <a:r>
+              <a:rPr lang="en-US" dirty="0"/>
+              <a:t>The model can get to near 100% in training, we want to constrain that growth. </a:t>
+            </a:r>
+          </a:p>
+          <a:p>
+            <a:pPr lvl="1"/>
+            <a:r>
+              <a:rPr lang="en-US" dirty="0"/>
+              <a:t>The most common thing we’ll do with tuning is limiting overfitting. </a:t>
             </a:r>
           </a:p>
         </p:txBody>
@@ -6419,7 +6485,7 @@
     </p:spTree>
     <p:extLst>
       <p:ext uri="{BB962C8B-B14F-4D97-AF65-F5344CB8AC3E}">
-        <p14:creationId xmlns:p14="http://schemas.microsoft.com/office/powerpoint/2010/main" val="3194020014"/>
+        <p14:creationId xmlns:p14="http://schemas.microsoft.com/office/powerpoint/2010/main" val="161820338"/>
       </p:ext>
     </p:extLst>
   </p:cSld>
@@ -6451,7 +6517,7 @@
           <p:cNvPr id="2" name="Title 1">
             <a:extLst>
               <a:ext uri="{FF2B5EF4-FFF2-40B4-BE49-F238E27FC236}">
-                <a16:creationId xmlns:a16="http://schemas.microsoft.com/office/drawing/2014/main" id="{D4D14B0D-99F5-CC6A-2158-62B3B409019D}"/>
+                <a16:creationId xmlns:a16="http://schemas.microsoft.com/office/drawing/2014/main" id="{1E97F5DB-3B29-55FD-A56F-98913C54B55A}"/>
               </a:ext>
             </a:extLst>
           </p:cNvPr>
@@ -6469,7 +6535,7 @@
           <a:p>
             <a:r>
               <a:rPr lang="en-US" dirty="0"/>
-              <a:t>Tools for a Good Fit</a:t>
+              <a:t>Fitting a Tree</a:t>
             </a:r>
           </a:p>
         </p:txBody>
@@ -6479,7 +6545,7 @@
           <p:cNvPr id="3" name="Content Placeholder 2">
             <a:extLst>
               <a:ext uri="{FF2B5EF4-FFF2-40B4-BE49-F238E27FC236}">
-                <a16:creationId xmlns:a16="http://schemas.microsoft.com/office/drawing/2014/main" id="{EDD11CF6-F3A9-DFEF-F839-11CAD8DCE20B}"/>
+                <a16:creationId xmlns:a16="http://schemas.microsoft.com/office/drawing/2014/main" id="{B4634309-C70D-012A-9ADC-5DB38E2D3C79}"/>
               </a:ext>
             </a:extLst>
           </p:cNvPr>
@@ -6492,78 +6558,71 @@
         </p:nvSpPr>
         <p:spPr>
           <a:xfrm>
-            <a:off x="1451579" y="2015732"/>
-            <a:ext cx="9603275" cy="4037749"/>
+            <a:off x="599090" y="1853754"/>
+            <a:ext cx="10594427" cy="4199727"/>
           </a:xfrm>
         </p:spPr>
         <p:txBody>
-          <a:bodyPr/>
-          <a:lstStyle/>
-          <a:p>
-            <a:r>
-              <a:rPr lang="en-US" dirty="0"/>
-              <a:t>For trees, hyperparameter tuning is our primary tool. </a:t>
-            </a:r>
-          </a:p>
-          <a:p>
-            <a:pPr lvl="1"/>
-            <a:r>
-              <a:rPr lang="en-US" dirty="0"/>
-              <a:t>We have many HPs that impact different aspects of how the tree is allowed to grow (learn). </a:t>
-            </a:r>
-          </a:p>
-          <a:p>
-            <a:pPr lvl="1"/>
-            <a:r>
-              <a:rPr lang="en-US" dirty="0"/>
-              <a:t>More aggressive constraints = less overfitting. </a:t>
-            </a:r>
-          </a:p>
-          <a:p>
-            <a:r>
-              <a:rPr lang="en-US" dirty="0"/>
-              <a:t>A grid search can automate this, as there are many combinations. </a:t>
-            </a:r>
-          </a:p>
-          <a:p>
-            <a:r>
-              <a:rPr lang="en-US" dirty="0"/>
-              <a:t>There are other techniques that apply with other ML models (for context):</a:t>
-            </a:r>
-          </a:p>
-          <a:p>
-            <a:pPr lvl="1"/>
-            <a:r>
-              <a:rPr lang="en-US" dirty="0"/>
-              <a:t>Regularization – limiting the ability of a model to grow. We’ll see this with </a:t>
-            </a:r>
-            <a:r>
-              <a:rPr lang="en-US" dirty="0" err="1"/>
-              <a:t>ccp_alpha</a:t>
-            </a:r>
-            <a:r>
-              <a:rPr lang="en-US" dirty="0"/>
-              <a:t> in trees. </a:t>
-            </a:r>
-          </a:p>
-          <a:p>
-            <a:pPr lvl="1"/>
-            <a:r>
-              <a:rPr lang="en-US" dirty="0"/>
-              <a:t>Early stopping – don’t allow the model to keep training after some cutoff. </a:t>
-            </a:r>
-          </a:p>
-          <a:p>
-            <a:pPr lvl="1"/>
-            <a:r>
-              <a:rPr lang="en-US" dirty="0"/>
-              <a:t>Dropout – remove parts of the data (at times) so a model can’t overtrain to it. </a:t>
-            </a:r>
-          </a:p>
-          <a:p>
-            <a:r>
-              <a:rPr lang="en-US" dirty="0"/>
-              <a:t>We force a tree to be accurate, with fewer possible decisions to do so. </a:t>
+          <a:bodyPr>
+            <a:normAutofit/>
+          </a:bodyPr>
+          <a:lstStyle/>
+          <a:p>
+            <a:r>
+              <a:rPr lang="en-US" dirty="0"/>
+              <a:t>Our tree models are more complex than regression – they can learn more complex things. </a:t>
+            </a:r>
+          </a:p>
+          <a:p>
+            <a:r>
+              <a:rPr lang="en-US" dirty="0"/>
+              <a:t>Hyperparameter tuning of our tree is more significant:</a:t>
+            </a:r>
+          </a:p>
+          <a:p>
+            <a:pPr lvl="1"/>
+            <a:r>
+              <a:rPr lang="en-US" dirty="0"/>
+              <a:t>The hyperparameters give us many different ways to limit this growth of the model. </a:t>
+            </a:r>
+          </a:p>
+          <a:p>
+            <a:pPr lvl="1"/>
+            <a:r>
+              <a:rPr lang="en-US" dirty="0"/>
+              <a:t>We can try different combinations to find a good balance. </a:t>
+            </a:r>
+          </a:p>
+          <a:p>
+            <a:r>
+              <a:rPr lang="en-US" dirty="0"/>
+              <a:t>Training vs testing vs cross-validation:</a:t>
+            </a:r>
+          </a:p>
+          <a:p>
+            <a:r>
+              <a:rPr lang="en-US" dirty="0"/>
+              <a:t>A training score that is much better than a testing score is an indicator of overfitting. </a:t>
+            </a:r>
+          </a:p>
+          <a:p>
+            <a:pPr lvl="1"/>
+            <a:r>
+              <a:rPr lang="en-US" dirty="0"/>
+              <a:t>The model has learned too much, and is excellent at predictions in training, but does poorly on new data. </a:t>
+            </a:r>
+          </a:p>
+          <a:p>
+            <a:r>
+              <a:rPr lang="en-US" dirty="0"/>
+              <a:t>A testing score that is much better than a training score is an indicator of underfitting. </a:t>
+            </a:r>
+          </a:p>
+          <a:p>
+            <a:pPr lvl="1"/>
+            <a:r>
+              <a:rPr lang="en-US" dirty="0"/>
+              <a:t>The model hasn’t learned enough about the training data to make accurate predictions. </a:t>
             </a:r>
           </a:p>
         </p:txBody>
@@ -6571,7 +6630,7 @@
     </p:spTree>
     <p:extLst>
       <p:ext uri="{BB962C8B-B14F-4D97-AF65-F5344CB8AC3E}">
-        <p14:creationId xmlns:p14="http://schemas.microsoft.com/office/powerpoint/2010/main" val="1975617156"/>
+        <p14:creationId xmlns:p14="http://schemas.microsoft.com/office/powerpoint/2010/main" val="3194020014"/>
       </p:ext>
     </p:extLst>
   </p:cSld>
@@ -6603,6 +6662,158 @@
           <p:cNvPr id="2" name="Title 1">
             <a:extLst>
               <a:ext uri="{FF2B5EF4-FFF2-40B4-BE49-F238E27FC236}">
+                <a16:creationId xmlns:a16="http://schemas.microsoft.com/office/drawing/2014/main" id="{D4D14B0D-99F5-CC6A-2158-62B3B409019D}"/>
+              </a:ext>
+            </a:extLst>
+          </p:cNvPr>
+          <p:cNvSpPr>
+            <a:spLocks noGrp="1"/>
+          </p:cNvSpPr>
+          <p:nvPr>
+            <p:ph type="title"/>
+          </p:nvPr>
+        </p:nvSpPr>
+        <p:spPr/>
+        <p:txBody>
+          <a:bodyPr/>
+          <a:lstStyle/>
+          <a:p>
+            <a:r>
+              <a:rPr lang="en-US" dirty="0"/>
+              <a:t>Tools for a Good Fit</a:t>
+            </a:r>
+          </a:p>
+        </p:txBody>
+      </p:sp>
+      <p:sp>
+        <p:nvSpPr>
+          <p:cNvPr id="3" name="Content Placeholder 2">
+            <a:extLst>
+              <a:ext uri="{FF2B5EF4-FFF2-40B4-BE49-F238E27FC236}">
+                <a16:creationId xmlns:a16="http://schemas.microsoft.com/office/drawing/2014/main" id="{EDD11CF6-F3A9-DFEF-F839-11CAD8DCE20B}"/>
+              </a:ext>
+            </a:extLst>
+          </p:cNvPr>
+          <p:cNvSpPr>
+            <a:spLocks noGrp="1"/>
+          </p:cNvSpPr>
+          <p:nvPr>
+            <p:ph idx="1"/>
+          </p:nvPr>
+        </p:nvSpPr>
+        <p:spPr>
+          <a:xfrm>
+            <a:off x="1451579" y="2015732"/>
+            <a:ext cx="9603275" cy="4037749"/>
+          </a:xfrm>
+        </p:spPr>
+        <p:txBody>
+          <a:bodyPr/>
+          <a:lstStyle/>
+          <a:p>
+            <a:r>
+              <a:rPr lang="en-US" dirty="0"/>
+              <a:t>For trees, hyperparameter tuning is our primary tool. </a:t>
+            </a:r>
+          </a:p>
+          <a:p>
+            <a:pPr lvl="1"/>
+            <a:r>
+              <a:rPr lang="en-US" dirty="0"/>
+              <a:t>We have many HPs that impact different aspects of how the tree is allowed to grow (learn). </a:t>
+            </a:r>
+          </a:p>
+          <a:p>
+            <a:pPr lvl="1"/>
+            <a:r>
+              <a:rPr lang="en-US" dirty="0"/>
+              <a:t>More aggressive constraints = less overfitting. </a:t>
+            </a:r>
+          </a:p>
+          <a:p>
+            <a:r>
+              <a:rPr lang="en-US" dirty="0"/>
+              <a:t>A grid search can automate this, as there are many combinations. </a:t>
+            </a:r>
+          </a:p>
+          <a:p>
+            <a:r>
+              <a:rPr lang="en-US" dirty="0"/>
+              <a:t>There are other techniques that apply with other ML models (for context):</a:t>
+            </a:r>
+          </a:p>
+          <a:p>
+            <a:pPr lvl="1"/>
+            <a:r>
+              <a:rPr lang="en-US" dirty="0"/>
+              <a:t>Regularization – limiting the ability of a model to grow. We’ll see this with </a:t>
+            </a:r>
+            <a:r>
+              <a:rPr lang="en-US" dirty="0" err="1"/>
+              <a:t>ccp_alpha</a:t>
+            </a:r>
+            <a:r>
+              <a:rPr lang="en-US" dirty="0"/>
+              <a:t> in trees. </a:t>
+            </a:r>
+          </a:p>
+          <a:p>
+            <a:pPr lvl="1"/>
+            <a:r>
+              <a:rPr lang="en-US" dirty="0"/>
+              <a:t>Early stopping – don’t allow the model to keep training after some cutoff. </a:t>
+            </a:r>
+          </a:p>
+          <a:p>
+            <a:pPr lvl="1"/>
+            <a:r>
+              <a:rPr lang="en-US" dirty="0"/>
+              <a:t>Dropout – remove parts of the data (at times) so a model can’t overtrain to it. </a:t>
+            </a:r>
+          </a:p>
+          <a:p>
+            <a:r>
+              <a:rPr lang="en-US" dirty="0"/>
+              <a:t>We force a tree to be accurate, with fewer possible decisions to do so. </a:t>
+            </a:r>
+          </a:p>
+        </p:txBody>
+      </p:sp>
+    </p:spTree>
+    <p:extLst>
+      <p:ext uri="{BB962C8B-B14F-4D97-AF65-F5344CB8AC3E}">
+        <p14:creationId xmlns:p14="http://schemas.microsoft.com/office/powerpoint/2010/main" val="1975617156"/>
+      </p:ext>
+    </p:extLst>
+  </p:cSld>
+  <p:clrMapOvr>
+    <a:masterClrMapping/>
+  </p:clrMapOvr>
+</p:sld>
+</file>
+
+<file path=ppt/slides/slide27.xml><?xml version="1.0" encoding="utf-8"?>
+<p:sld xmlns:a="http://schemas.openxmlformats.org/drawingml/2006/main" xmlns:r="http://schemas.openxmlformats.org/officeDocument/2006/relationships" xmlns:p="http://schemas.openxmlformats.org/presentationml/2006/main">
+  <p:cSld>
+    <p:spTree>
+      <p:nvGrpSpPr>
+        <p:cNvPr id="1" name=""/>
+        <p:cNvGrpSpPr/>
+        <p:nvPr/>
+      </p:nvGrpSpPr>
+      <p:grpSpPr>
+        <a:xfrm>
+          <a:off x="0" y="0"/>
+          <a:ext cx="0" cy="0"/>
+          <a:chOff x="0" y="0"/>
+          <a:chExt cx="0" cy="0"/>
+        </a:xfrm>
+      </p:grpSpPr>
+      <p:sp>
+        <p:nvSpPr>
+          <p:cNvPr id="2" name="Title 1">
+            <a:extLst>
+              <a:ext uri="{FF2B5EF4-FFF2-40B4-BE49-F238E27FC236}">
                 <a16:creationId xmlns:a16="http://schemas.microsoft.com/office/drawing/2014/main" id="{08947998-5C01-743A-980D-29F1A408E48A}"/>
               </a:ext>
             </a:extLst>
@@ -6727,7 +6938,7 @@
 </p:sld>
 </file>
 
-<file path=ppt/slides/slide27.xml><?xml version="1.0" encoding="utf-8"?>
+<file path=ppt/slides/slide28.xml><?xml version="1.0" encoding="utf-8"?>
 <p:sld xmlns:a="http://schemas.openxmlformats.org/drawingml/2006/main" xmlns:r="http://schemas.openxmlformats.org/officeDocument/2006/relationships" xmlns:p="http://schemas.openxmlformats.org/presentationml/2006/main" show="0">
   <p:cSld>
     <p:bg>
@@ -6920,7 +7131,7 @@
 </p:sld>
 </file>
 
-<file path=ppt/slides/slide28.xml><?xml version="1.0" encoding="utf-8"?>
+<file path=ppt/slides/slide29.xml><?xml version="1.0" encoding="utf-8"?>
 <p:sld xmlns:a="http://schemas.openxmlformats.org/drawingml/2006/main" xmlns:r="http://schemas.openxmlformats.org/officeDocument/2006/relationships" xmlns:p="http://schemas.openxmlformats.org/presentationml/2006/main" show="0">
   <p:cSld>
     <p:bg>
@@ -7206,7 +7417,7 @@
           <p:cNvPr id="2" name="Title 1">
             <a:extLst>
               <a:ext uri="{FF2B5EF4-FFF2-40B4-BE49-F238E27FC236}">
-                <a16:creationId xmlns:a16="http://schemas.microsoft.com/office/drawing/2014/main" id="{DBD31555-E665-D946-A295-44711B1FE323}"/>
+                <a16:creationId xmlns:a16="http://schemas.microsoft.com/office/drawing/2014/main" id="{E8C3835D-501E-06CF-C1DC-44ACEAB1B986}"/>
               </a:ext>
             </a:extLst>
           </p:cNvPr>
@@ -7231,7 +7442,7 @@
           <a:p>
             <a:r>
               <a:rPr lang="en-US" dirty="0"/>
-              <a:t>Trees</a:t>
+              <a:t>Preamble</a:t>
             </a:r>
           </a:p>
         </p:txBody>
@@ -7241,7 +7452,7 @@
           <p:cNvPr id="3" name="Content Placeholder 2">
             <a:extLst>
               <a:ext uri="{FF2B5EF4-FFF2-40B4-BE49-F238E27FC236}">
-                <a16:creationId xmlns:a16="http://schemas.microsoft.com/office/drawing/2014/main" id="{8833B30A-BF00-A34A-B7AB-3B3332C81B66}"/>
+                <a16:creationId xmlns:a16="http://schemas.microsoft.com/office/drawing/2014/main" id="{F0FFF59D-F04A-BF4D-EB0D-2798804F8F40}"/>
               </a:ext>
             </a:extLst>
           </p:cNvPr>
@@ -7254,13 +7465,13 @@
         </p:nvSpPr>
         <p:spPr>
           <a:xfrm>
-            <a:off x="1051035" y="1853754"/>
-            <a:ext cx="4563100" cy="4199727"/>
+            <a:off x="1" y="1912690"/>
+            <a:ext cx="7231556" cy="4202884"/>
           </a:xfrm>
         </p:spPr>
         <p:txBody>
           <a:bodyPr>
-            <a:normAutofit/>
+            <a:normAutofit fontScale="92500"/>
           </a:bodyPr>
           <a:lstStyle/>
           <a:p>
@@ -7270,8 +7481,8 @@
               </a:lnSpc>
             </a:pPr>
             <a:r>
-              <a:rPr lang="en-US" dirty="0"/>
-              <a:t>Trees are one of the simplest to understand models in machine learning. </a:t>
+              <a:rPr lang="en-US" sz="1800" dirty="0"/>
+              <a:t>Train-test split and cross-validation. </a:t>
             </a:r>
           </a:p>
           <a:p>
@@ -7281,8 +7492,30 @@
               </a:lnSpc>
             </a:pPr>
             <a:r>
-              <a:rPr lang="en-US" dirty="0"/>
-              <a:t>A tree is just a series of if statements, until a decision is reached. </a:t>
+              <a:rPr lang="en-US" sz="1800" dirty="0"/>
+              <a:t>We can use train-test split to get training and testing data. </a:t>
+            </a:r>
+          </a:p>
+          <a:p>
+            <a:pPr lvl="1">
+              <a:lnSpc>
+                <a:spcPct val="110000"/>
+              </a:lnSpc>
+            </a:pPr>
+            <a:r>
+              <a:rPr lang="en-US" dirty="0"/>
+              <a:t>The training score is how accurate the model is on the predictions for the data it is using. </a:t>
+            </a:r>
+          </a:p>
+          <a:p>
+            <a:pPr lvl="1">
+              <a:lnSpc>
+                <a:spcPct val="110000"/>
+              </a:lnSpc>
+            </a:pPr>
+            <a:r>
+              <a:rPr lang="en-US" dirty="0"/>
+              <a:t>The test score is how accurate the model is on the data that was held aside. </a:t>
             </a:r>
           </a:p>
           <a:p>
@@ -7292,8 +7525,19 @@
               </a:lnSpc>
             </a:pPr>
             <a:r>
-              <a:rPr lang="en-US" dirty="0"/>
-              <a:t>Once the tree is made, making a prediction is dead simple, just follow the tree and make decisions. </a:t>
+              <a:rPr lang="en-US" sz="1800" dirty="0"/>
+              <a:t>We can also use the grid search cv in its place. </a:t>
+            </a:r>
+          </a:p>
+          <a:p>
+            <a:pPr lvl="1">
+              <a:lnSpc>
+                <a:spcPct val="110000"/>
+              </a:lnSpc>
+            </a:pPr>
+            <a:r>
+              <a:rPr lang="en-US" dirty="0"/>
+              <a:t>The data will be split into k sets, one used for testing each round.</a:t>
             </a:r>
           </a:p>
           <a:p>
@@ -7303,18 +7547,40 @@
               </a:lnSpc>
             </a:pPr>
             <a:r>
-              <a:rPr lang="en-US" dirty="0"/>
-              <a:t>We’ll look at classification trees first, regression are similar once we understand classification. </a:t>
+              <a:rPr lang="en-US" sz="1800" dirty="0"/>
+              <a:t>These two can also be combined and used together. </a:t>
+            </a:r>
+          </a:p>
+          <a:p>
+            <a:pPr lvl="1">
+              <a:lnSpc>
+                <a:spcPct val="110000"/>
+              </a:lnSpc>
+            </a:pPr>
+            <a:r>
+              <a:rPr lang="en-US" dirty="0"/>
+              <a:t>The cross-validation will do its thing, but only the test data is used for it. </a:t>
+            </a:r>
+          </a:p>
+          <a:p>
+            <a:pPr lvl="1">
+              <a:lnSpc>
+                <a:spcPct val="110000"/>
+              </a:lnSpc>
+            </a:pPr>
+            <a:r>
+              <a:rPr lang="en-US" dirty="0"/>
+              <a:t>The test score is generated from the data held aside from the cross-validation. </a:t>
             </a:r>
           </a:p>
         </p:txBody>
       </p:sp>
       <p:pic>
         <p:nvPicPr>
-          <p:cNvPr id="3076" name="Picture 4">
+          <p:cNvPr id="5122" name="Picture 2" descr="3.1. Cross-validation: evaluating estimator performance — scikit-learn  1.4.1 documentation">
             <a:extLst>
               <a:ext uri="{FF2B5EF4-FFF2-40B4-BE49-F238E27FC236}">
-                <a16:creationId xmlns:a16="http://schemas.microsoft.com/office/drawing/2014/main" id="{830BD10B-12D6-C741-9047-F63F4B827F1F}"/>
+                <a16:creationId xmlns:a16="http://schemas.microsoft.com/office/drawing/2014/main" id="{FC025432-96FA-63DF-CE3A-79DC48858607}"/>
               </a:ext>
             </a:extLst>
           </p:cNvPr>
@@ -7337,8 +7603,8 @@
         </p:blipFill>
         <p:spPr bwMode="auto">
           <a:xfrm>
-            <a:off x="5933339" y="2015734"/>
-            <a:ext cx="6258661" cy="3630022"/>
+            <a:off x="7231557" y="2224438"/>
+            <a:ext cx="4960443" cy="3435877"/>
           </a:xfrm>
           <a:prstGeom prst="rect">
             <a:avLst/>
@@ -7358,7 +7624,7 @@
     </p:spTree>
     <p:extLst>
       <p:ext uri="{BB962C8B-B14F-4D97-AF65-F5344CB8AC3E}">
-        <p14:creationId xmlns:p14="http://schemas.microsoft.com/office/powerpoint/2010/main" val="648506847"/>
+        <p14:creationId xmlns:p14="http://schemas.microsoft.com/office/powerpoint/2010/main" val="3833307874"/>
       </p:ext>
     </p:extLst>
   </p:cSld>
@@ -7414,7 +7680,7 @@
           <p:cNvPr id="2" name="Title 1">
             <a:extLst>
               <a:ext uri="{FF2B5EF4-FFF2-40B4-BE49-F238E27FC236}">
-                <a16:creationId xmlns:a16="http://schemas.microsoft.com/office/drawing/2014/main" id="{549073CF-9BB8-D249-8490-065C3D1648AE}"/>
+                <a16:creationId xmlns:a16="http://schemas.microsoft.com/office/drawing/2014/main" id="{DBD31555-E665-D946-A295-44711B1FE323}"/>
               </a:ext>
             </a:extLst>
           </p:cNvPr>
@@ -7439,7 +7705,7 @@
           <a:p>
             <a:r>
               <a:rPr lang="en-US" dirty="0"/>
-              <a:t>Tree Parts</a:t>
+              <a:t>Trees</a:t>
             </a:r>
           </a:p>
         </p:txBody>
@@ -7449,7 +7715,7 @@
           <p:cNvPr id="3" name="Content Placeholder 2">
             <a:extLst>
               <a:ext uri="{FF2B5EF4-FFF2-40B4-BE49-F238E27FC236}">
-                <a16:creationId xmlns:a16="http://schemas.microsoft.com/office/drawing/2014/main" id="{598E3CBF-BCE9-D945-844F-2D58B1319335}"/>
+                <a16:creationId xmlns:a16="http://schemas.microsoft.com/office/drawing/2014/main" id="{8833B30A-BF00-A34A-B7AB-3B3332C81B66}"/>
               </a:ext>
             </a:extLst>
           </p:cNvPr>
@@ -7462,8 +7728,8 @@
         </p:nvSpPr>
         <p:spPr>
           <a:xfrm>
-            <a:off x="328767" y="2015734"/>
-            <a:ext cx="5285367" cy="3791300"/>
+            <a:off x="1051035" y="1853754"/>
+            <a:ext cx="4563100" cy="4199727"/>
           </a:xfrm>
         </p:spPr>
         <p:txBody>
@@ -7472,61 +7738,57 @@
           </a:bodyPr>
           <a:lstStyle/>
           <a:p>
-            <a:r>
-              <a:rPr lang="en-US" dirty="0"/>
-              <a:t>The parts of a tree are simple and tree like:</a:t>
-            </a:r>
-          </a:p>
-          <a:p>
-            <a:pPr lvl="1"/>
-            <a:r>
-              <a:rPr lang="en-US" dirty="0"/>
-              <a:t>Node– each point. </a:t>
-            </a:r>
-          </a:p>
-          <a:p>
-            <a:pPr lvl="1"/>
-            <a:r>
-              <a:rPr lang="en-US" dirty="0"/>
-              <a:t>Decision – node where a split is made.</a:t>
-            </a:r>
-          </a:p>
-          <a:p>
-            <a:pPr lvl="1"/>
-            <a:r>
-              <a:rPr lang="en-US" dirty="0"/>
-              <a:t>Terminal/leaf – node where a value is determined.</a:t>
-            </a:r>
-          </a:p>
-          <a:p>
-            <a:pPr lvl="1"/>
-            <a:r>
-              <a:rPr lang="en-US" dirty="0"/>
-              <a:t>Brach/Sub-Tree – a segment of a larger tree. </a:t>
-            </a:r>
-          </a:p>
-          <a:p>
-            <a:pPr lvl="1"/>
-            <a:r>
-              <a:rPr lang="en-US" dirty="0"/>
-              <a:t>Depth – how many layers the tree has. </a:t>
-            </a:r>
-          </a:p>
-          <a:p>
-            <a:pPr lvl="1"/>
-            <a:r>
-              <a:rPr lang="en-US" dirty="0"/>
-              <a:t>Samples – number of items in that node. </a:t>
+            <a:pPr>
+              <a:lnSpc>
+                <a:spcPct val="110000"/>
+              </a:lnSpc>
+            </a:pPr>
+            <a:r>
+              <a:rPr lang="en-US" dirty="0"/>
+              <a:t>Trees are one of the simplest to understand models in machine learning. </a:t>
+            </a:r>
+          </a:p>
+          <a:p>
+            <a:pPr>
+              <a:lnSpc>
+                <a:spcPct val="110000"/>
+              </a:lnSpc>
+            </a:pPr>
+            <a:r>
+              <a:rPr lang="en-US" dirty="0"/>
+              <a:t>A tree is just a series of if statements, until a decision is reached. </a:t>
+            </a:r>
+          </a:p>
+          <a:p>
+            <a:pPr>
+              <a:lnSpc>
+                <a:spcPct val="110000"/>
+              </a:lnSpc>
+            </a:pPr>
+            <a:r>
+              <a:rPr lang="en-US" dirty="0"/>
+              <a:t>Once the tree is made, making a prediction is dead simple, just follow the tree and make decisions. </a:t>
+            </a:r>
+          </a:p>
+          <a:p>
+            <a:pPr>
+              <a:lnSpc>
+                <a:spcPct val="110000"/>
+              </a:lnSpc>
+            </a:pPr>
+            <a:r>
+              <a:rPr lang="en-US" dirty="0"/>
+              <a:t>We’ll look at classification trees first, regression are similar once we understand classification. </a:t>
             </a:r>
           </a:p>
         </p:txBody>
       </p:sp>
       <p:pic>
         <p:nvPicPr>
-          <p:cNvPr id="4098" name="Picture 2">
+          <p:cNvPr id="3076" name="Picture 4">
             <a:extLst>
               <a:ext uri="{FF2B5EF4-FFF2-40B4-BE49-F238E27FC236}">
-                <a16:creationId xmlns:a16="http://schemas.microsoft.com/office/drawing/2014/main" id="{80F1B538-8674-E042-8AB4-2076A5CD0D6B}"/>
+                <a16:creationId xmlns:a16="http://schemas.microsoft.com/office/drawing/2014/main" id="{830BD10B-12D6-C741-9047-F63F4B827F1F}"/>
               </a:ext>
             </a:extLst>
           </p:cNvPr>
@@ -7549,8 +7811,8 @@
         </p:blipFill>
         <p:spPr bwMode="auto">
           <a:xfrm>
-            <a:off x="5868780" y="2015734"/>
-            <a:ext cx="6388404" cy="3184916"/>
+            <a:off x="5933339" y="2015734"/>
+            <a:ext cx="6258661" cy="3630022"/>
           </a:xfrm>
           <a:prstGeom prst="rect">
             <a:avLst/>
@@ -7570,7 +7832,7 @@
     </p:spTree>
     <p:extLst>
       <p:ext uri="{BB962C8B-B14F-4D97-AF65-F5344CB8AC3E}">
-        <p14:creationId xmlns:p14="http://schemas.microsoft.com/office/powerpoint/2010/main" val="1343627754"/>
+        <p14:creationId xmlns:p14="http://schemas.microsoft.com/office/powerpoint/2010/main" val="648506847"/>
       </p:ext>
     </p:extLst>
   </p:cSld>
@@ -7581,405 +7843,6 @@
 </file>
 
 <file path=ppt/slides/slide5.xml><?xml version="1.0" encoding="utf-8"?>
-<p:sld xmlns:a="http://schemas.openxmlformats.org/drawingml/2006/main" xmlns:r="http://schemas.openxmlformats.org/officeDocument/2006/relationships" xmlns:p="http://schemas.openxmlformats.org/presentationml/2006/main">
-  <p:cSld>
-    <p:spTree>
-      <p:nvGrpSpPr>
-        <p:cNvPr id="1" name=""/>
-        <p:cNvGrpSpPr/>
-        <p:nvPr/>
-      </p:nvGrpSpPr>
-      <p:grpSpPr>
-        <a:xfrm>
-          <a:off x="0" y="0"/>
-          <a:ext cx="0" cy="0"/>
-          <a:chOff x="0" y="0"/>
-          <a:chExt cx="0" cy="0"/>
-        </a:xfrm>
-      </p:grpSpPr>
-      <p:sp>
-        <p:nvSpPr>
-          <p:cNvPr id="2" name="Title 1">
-            <a:extLst>
-              <a:ext uri="{FF2B5EF4-FFF2-40B4-BE49-F238E27FC236}">
-                <a16:creationId xmlns:a16="http://schemas.microsoft.com/office/drawing/2014/main" id="{213D7092-F9F5-4049-A73E-5D27532C31F8}"/>
-              </a:ext>
-            </a:extLst>
-          </p:cNvPr>
-          <p:cNvSpPr>
-            <a:spLocks noGrp="1"/>
-          </p:cNvSpPr>
-          <p:nvPr>
-            <p:ph type="title"/>
-          </p:nvPr>
-        </p:nvSpPr>
-        <p:spPr/>
-        <p:txBody>
-          <a:bodyPr/>
-          <a:lstStyle/>
-          <a:p>
-            <a:r>
-              <a:rPr lang="en-US" dirty="0"/>
-              <a:t>Building the Tree</a:t>
-            </a:r>
-          </a:p>
-        </p:txBody>
-      </p:sp>
-      <p:sp>
-        <p:nvSpPr>
-          <p:cNvPr id="3" name="Content Placeholder 2">
-            <a:extLst>
-              <a:ext uri="{FF2B5EF4-FFF2-40B4-BE49-F238E27FC236}">
-                <a16:creationId xmlns:a16="http://schemas.microsoft.com/office/drawing/2014/main" id="{B093930D-FFFB-E743-816D-0DF4EDA3061F}"/>
-              </a:ext>
-            </a:extLst>
-          </p:cNvPr>
-          <p:cNvSpPr>
-            <a:spLocks noGrp="1"/>
-          </p:cNvSpPr>
-          <p:nvPr>
-            <p:ph idx="1"/>
-          </p:nvPr>
-        </p:nvSpPr>
-        <p:spPr>
-          <a:xfrm>
-            <a:off x="1451579" y="2015732"/>
-            <a:ext cx="9603275" cy="4037749"/>
-          </a:xfrm>
-        </p:spPr>
-        <p:txBody>
-          <a:bodyPr/>
-          <a:lstStyle/>
-          <a:p>
-            <a:r>
-              <a:rPr lang="en-US" dirty="0"/>
-              <a:t>The decisions and the cutoffs are created by looking at the features for the criteria that will do the “best job of deciding” – or that will split the group most sharply.</a:t>
-            </a:r>
-          </a:p>
-          <a:p>
-            <a:r>
-              <a:rPr lang="en-US" dirty="0"/>
-              <a:t>For example:</a:t>
-            </a:r>
-          </a:p>
-          <a:p>
-            <a:pPr lvl="1"/>
-            <a:r>
-              <a:rPr lang="en-US" dirty="0"/>
-              <a:t>You are classifying people as horse jockeys or basketball players. </a:t>
-            </a:r>
-          </a:p>
-          <a:p>
-            <a:pPr lvl="1"/>
-            <a:r>
-              <a:rPr lang="en-US" dirty="0"/>
-              <a:t>You know their height and hair color. </a:t>
-            </a:r>
-          </a:p>
-          <a:p>
-            <a:pPr lvl="1"/>
-            <a:r>
-              <a:rPr lang="en-US" dirty="0"/>
-              <a:t>Height does a better job of splitting the records.</a:t>
-            </a:r>
-          </a:p>
-          <a:p>
-            <a:pPr lvl="2"/>
-            <a:r>
-              <a:rPr lang="en-US" dirty="0"/>
-              <a:t>Those &gt;6ft are almost all </a:t>
-            </a:r>
-            <a:r>
-              <a:rPr lang="en-US" dirty="0" err="1"/>
-              <a:t>bball</a:t>
-            </a:r>
-            <a:r>
-              <a:rPr lang="en-US" dirty="0"/>
-              <a:t> </a:t>
-            </a:r>
-            <a:r>
-              <a:rPr lang="en-US" dirty="0" err="1"/>
-              <a:t>playters</a:t>
-            </a:r>
-            <a:r>
-              <a:rPr lang="en-US" dirty="0"/>
-              <a:t>.</a:t>
-            </a:r>
-          </a:p>
-          <a:p>
-            <a:pPr lvl="2"/>
-            <a:r>
-              <a:rPr lang="en-US" dirty="0"/>
-              <a:t>Those &lt;6ft are almost all jockeys. </a:t>
-            </a:r>
-          </a:p>
-          <a:p>
-            <a:pPr lvl="2"/>
-            <a:r>
-              <a:rPr lang="en-US" dirty="0"/>
-              <a:t>Your choice would be to divide the data based on height. </a:t>
-            </a:r>
-          </a:p>
-          <a:p>
-            <a:r>
-              <a:rPr lang="en-US" dirty="0"/>
-              <a:t>The algorithm finds the decisions that maximize this separation. </a:t>
-            </a:r>
-          </a:p>
-        </p:txBody>
-      </p:sp>
-    </p:spTree>
-    <p:extLst>
-      <p:ext uri="{BB962C8B-B14F-4D97-AF65-F5344CB8AC3E}">
-        <p14:creationId xmlns:p14="http://schemas.microsoft.com/office/powerpoint/2010/main" val="3275023272"/>
-      </p:ext>
-    </p:extLst>
-  </p:cSld>
-  <p:clrMapOvr>
-    <a:masterClrMapping/>
-  </p:clrMapOvr>
-</p:sld>
-</file>
-
-<file path=ppt/slides/slide6.xml><?xml version="1.0" encoding="utf-8"?>
-<p:sld xmlns:a="http://schemas.openxmlformats.org/drawingml/2006/main" xmlns:r="http://schemas.openxmlformats.org/officeDocument/2006/relationships" xmlns:p="http://schemas.openxmlformats.org/presentationml/2006/main">
-  <p:cSld>
-    <p:spTree>
-      <p:nvGrpSpPr>
-        <p:cNvPr id="1" name=""/>
-        <p:cNvGrpSpPr/>
-        <p:nvPr/>
-      </p:nvGrpSpPr>
-      <p:grpSpPr>
-        <a:xfrm>
-          <a:off x="0" y="0"/>
-          <a:ext cx="0" cy="0"/>
-          <a:chOff x="0" y="0"/>
-          <a:chExt cx="0" cy="0"/>
-        </a:xfrm>
-      </p:grpSpPr>
-      <p:sp>
-        <p:nvSpPr>
-          <p:cNvPr id="2" name="Title 1">
-            <a:extLst>
-              <a:ext uri="{FF2B5EF4-FFF2-40B4-BE49-F238E27FC236}">
-                <a16:creationId xmlns:a16="http://schemas.microsoft.com/office/drawing/2014/main" id="{45AAD9C9-D6C7-6A4D-BACF-FD38590F28B2}"/>
-              </a:ext>
-            </a:extLst>
-          </p:cNvPr>
-          <p:cNvSpPr>
-            <a:spLocks noGrp="1"/>
-          </p:cNvSpPr>
-          <p:nvPr>
-            <p:ph type="title"/>
-          </p:nvPr>
-        </p:nvSpPr>
-        <p:spPr/>
-        <p:txBody>
-          <a:bodyPr/>
-          <a:lstStyle/>
-          <a:p>
-            <a:r>
-              <a:rPr lang="en-US" dirty="0"/>
-              <a:t>Criteria</a:t>
-            </a:r>
-          </a:p>
-        </p:txBody>
-      </p:sp>
-      <p:sp>
-        <p:nvSpPr>
-          <p:cNvPr id="3" name="Content Placeholder 2">
-            <a:extLst>
-              <a:ext uri="{FF2B5EF4-FFF2-40B4-BE49-F238E27FC236}">
-                <a16:creationId xmlns:a16="http://schemas.microsoft.com/office/drawing/2014/main" id="{73D389BB-402F-C745-9433-D757D3F384E7}"/>
-              </a:ext>
-            </a:extLst>
-          </p:cNvPr>
-          <p:cNvSpPr>
-            <a:spLocks noGrp="1"/>
-          </p:cNvSpPr>
-          <p:nvPr>
-            <p:ph idx="1"/>
-          </p:nvPr>
-        </p:nvSpPr>
-        <p:spPr>
-          <a:xfrm>
-            <a:off x="1451579" y="2015732"/>
-            <a:ext cx="9603275" cy="4037749"/>
-          </a:xfrm>
-        </p:spPr>
-        <p:txBody>
-          <a:bodyPr/>
-          <a:lstStyle/>
-          <a:p>
-            <a:r>
-              <a:rPr lang="en-US" dirty="0"/>
-              <a:t>The criteria for how good the separation can be defined by different metrics. </a:t>
-            </a:r>
-          </a:p>
-          <a:p>
-            <a:pPr lvl="1"/>
-            <a:r>
-              <a:rPr lang="en-US" dirty="0"/>
-              <a:t>Gini.</a:t>
-            </a:r>
-          </a:p>
-          <a:p>
-            <a:pPr lvl="1"/>
-            <a:r>
-              <a:rPr lang="en-US" dirty="0"/>
-              <a:t>Entropy. </a:t>
-            </a:r>
-          </a:p>
-          <a:p>
-            <a:r>
-              <a:rPr lang="en-US" dirty="0"/>
-              <a:t>The math behind each is different, the idea is the same. </a:t>
-            </a:r>
-          </a:p>
-          <a:p>
-            <a:r>
-              <a:rPr lang="en-US" dirty="0"/>
-              <a:t>Gini is the default. </a:t>
-            </a:r>
-          </a:p>
-          <a:p>
-            <a:r>
-              <a:rPr lang="en-US" dirty="0"/>
-              <a:t>When the algorithm creating the tree is deciding how to split at one node, it picks whichever feature/criteria that does the best at improving the metric. </a:t>
-            </a:r>
-          </a:p>
-          <a:p>
-            <a:pPr lvl="1"/>
-            <a:r>
-              <a:rPr lang="en-US" dirty="0"/>
-              <a:t>In classification, that means each side of the split becomes the most ‘pure’.</a:t>
-            </a:r>
-          </a:p>
-          <a:p>
-            <a:pPr lvl="1"/>
-            <a:r>
-              <a:rPr lang="en-US" dirty="0"/>
-              <a:t>In regression, that means that the MSE is the lowest. </a:t>
-            </a:r>
-          </a:p>
-        </p:txBody>
-      </p:sp>
-    </p:spTree>
-    <p:extLst>
-      <p:ext uri="{BB962C8B-B14F-4D97-AF65-F5344CB8AC3E}">
-        <p14:creationId xmlns:p14="http://schemas.microsoft.com/office/powerpoint/2010/main" val="2489531369"/>
-      </p:ext>
-    </p:extLst>
-  </p:cSld>
-  <p:clrMapOvr>
-    <a:masterClrMapping/>
-  </p:clrMapOvr>
-</p:sld>
-</file>
-
-<file path=ppt/slides/slide7.xml><?xml version="1.0" encoding="utf-8"?>
-<p:sld xmlns:a="http://schemas.openxmlformats.org/drawingml/2006/main" xmlns:r="http://schemas.openxmlformats.org/officeDocument/2006/relationships" xmlns:p="http://schemas.openxmlformats.org/presentationml/2006/main">
-  <p:cSld>
-    <p:spTree>
-      <p:nvGrpSpPr>
-        <p:cNvPr id="1" name=""/>
-        <p:cNvGrpSpPr/>
-        <p:nvPr/>
-      </p:nvGrpSpPr>
-      <p:grpSpPr>
-        <a:xfrm>
-          <a:off x="0" y="0"/>
-          <a:ext cx="0" cy="0"/>
-          <a:chOff x="0" y="0"/>
-          <a:chExt cx="0" cy="0"/>
-        </a:xfrm>
-      </p:grpSpPr>
-      <p:sp>
-        <p:nvSpPr>
-          <p:cNvPr id="2" name="Title 1">
-            <a:extLst>
-              <a:ext uri="{FF2B5EF4-FFF2-40B4-BE49-F238E27FC236}">
-                <a16:creationId xmlns:a16="http://schemas.microsoft.com/office/drawing/2014/main" id="{1D965AF4-FB22-A045-ABA0-1FBD9BB81DBD}"/>
-              </a:ext>
-            </a:extLst>
-          </p:cNvPr>
-          <p:cNvSpPr>
-            <a:spLocks noGrp="1"/>
-          </p:cNvSpPr>
-          <p:nvPr>
-            <p:ph type="title"/>
-          </p:nvPr>
-        </p:nvSpPr>
-        <p:spPr/>
-        <p:txBody>
-          <a:bodyPr/>
-          <a:lstStyle/>
-          <a:p>
-            <a:r>
-              <a:rPr lang="en-US" dirty="0"/>
-              <a:t>Scenario</a:t>
-            </a:r>
-          </a:p>
-        </p:txBody>
-      </p:sp>
-      <p:sp>
-        <p:nvSpPr>
-          <p:cNvPr id="3" name="Content Placeholder 2">
-            <a:extLst>
-              <a:ext uri="{FF2B5EF4-FFF2-40B4-BE49-F238E27FC236}">
-                <a16:creationId xmlns:a16="http://schemas.microsoft.com/office/drawing/2014/main" id="{AD22AEBA-350D-6746-9554-318393C63B50}"/>
-              </a:ext>
-            </a:extLst>
-          </p:cNvPr>
-          <p:cNvSpPr>
-            <a:spLocks noGrp="1"/>
-          </p:cNvSpPr>
-          <p:nvPr>
-            <p:ph idx="1"/>
-          </p:nvPr>
-        </p:nvSpPr>
-        <p:spPr/>
-        <p:txBody>
-          <a:bodyPr/>
-          <a:lstStyle/>
-          <a:p>
-            <a:r>
-              <a:rPr lang="en-US" dirty="0"/>
-              <a:t>If we have 4 red gumballs and 0 blue gumballs, that group of 4 is 100% pure.</a:t>
-            </a:r>
-          </a:p>
-          <a:p>
-            <a:r>
-              <a:rPr lang="en-US" dirty="0"/>
-              <a:t>If we have 2 red and 2 blue, that group is 100% impure.</a:t>
-            </a:r>
-          </a:p>
-          <a:p>
-            <a:r>
-              <a:rPr lang="en-US" dirty="0"/>
-              <a:t>If we have 3 red and 1 blue, that group is either 75% or 81% pure, if we use Gini or Entropy respectively.</a:t>
-            </a:r>
-          </a:p>
-          <a:p>
-            <a:endParaRPr lang="en-US" dirty="0"/>
-          </a:p>
-        </p:txBody>
-      </p:sp>
-    </p:spTree>
-    <p:extLst>
-      <p:ext uri="{BB962C8B-B14F-4D97-AF65-F5344CB8AC3E}">
-        <p14:creationId xmlns:p14="http://schemas.microsoft.com/office/powerpoint/2010/main" val="960325421"/>
-      </p:ext>
-    </p:extLst>
-  </p:cSld>
-  <p:clrMapOvr>
-    <a:masterClrMapping/>
-  </p:clrMapOvr>
-</p:sld>
-</file>
-
-<file path=ppt/slides/slide8.xml><?xml version="1.0" encoding="utf-8"?>
 <p:sld xmlns:a="http://schemas.openxmlformats.org/drawingml/2006/main" xmlns:r="http://schemas.openxmlformats.org/officeDocument/2006/relationships" xmlns:p="http://schemas.openxmlformats.org/presentationml/2006/main">
   <p:cSld>
     <p:bg>
@@ -8025,7 +7888,7 @@
           <p:cNvPr id="2" name="Title 1">
             <a:extLst>
               <a:ext uri="{FF2B5EF4-FFF2-40B4-BE49-F238E27FC236}">
-                <a16:creationId xmlns:a16="http://schemas.microsoft.com/office/drawing/2014/main" id="{5E454A4A-2DC7-C74B-8813-1FA141CD648D}"/>
+                <a16:creationId xmlns:a16="http://schemas.microsoft.com/office/drawing/2014/main" id="{549073CF-9BB8-D249-8490-065C3D1648AE}"/>
               </a:ext>
             </a:extLst>
           </p:cNvPr>
@@ -8050,7 +7913,7 @@
           <a:p>
             <a:r>
               <a:rPr lang="en-US" dirty="0"/>
-              <a:t>Gini</a:t>
+              <a:t>Tree Parts</a:t>
             </a:r>
           </a:p>
         </p:txBody>
@@ -8060,7 +7923,7 @@
           <p:cNvPr id="3" name="Content Placeholder 2">
             <a:extLst>
               <a:ext uri="{FF2B5EF4-FFF2-40B4-BE49-F238E27FC236}">
-                <a16:creationId xmlns:a16="http://schemas.microsoft.com/office/drawing/2014/main" id="{6456C57F-ADF6-5848-821A-96A7541D80AE}"/>
+                <a16:creationId xmlns:a16="http://schemas.microsoft.com/office/drawing/2014/main" id="{598E3CBF-BCE9-D945-844F-2D58B1319335}"/>
               </a:ext>
             </a:extLst>
           </p:cNvPr>
@@ -8073,8 +7936,8 @@
         </p:nvSpPr>
         <p:spPr>
           <a:xfrm>
-            <a:off x="1451579" y="2015734"/>
-            <a:ext cx="5622284" cy="3450613"/>
+            <a:off x="328767" y="2015734"/>
+            <a:ext cx="5285367" cy="3791300"/>
           </a:xfrm>
         </p:spPr>
         <p:txBody>
@@ -8085,17 +7948,59 @@
           <a:p>
             <a:r>
               <a:rPr lang="en-US" dirty="0"/>
-              <a:t>Gini measures how often a randomly chosen element from the set would be incorrectly labeled.</a:t>
+              <a:t>The parts of a tree are simple and tree like:</a:t>
+            </a:r>
+          </a:p>
+          <a:p>
+            <a:pPr lvl="1"/>
+            <a:r>
+              <a:rPr lang="en-US" dirty="0"/>
+              <a:t>Node– each point. </a:t>
+            </a:r>
+          </a:p>
+          <a:p>
+            <a:pPr lvl="1"/>
+            <a:r>
+              <a:rPr lang="en-US" dirty="0"/>
+              <a:t>Decision – node where a split is made.</a:t>
+            </a:r>
+          </a:p>
+          <a:p>
+            <a:pPr lvl="1"/>
+            <a:r>
+              <a:rPr lang="en-US" dirty="0"/>
+              <a:t>Terminal/leaf – node where a value is determined.</a:t>
+            </a:r>
+          </a:p>
+          <a:p>
+            <a:pPr lvl="1"/>
+            <a:r>
+              <a:rPr lang="en-US" dirty="0"/>
+              <a:t>Brach/Sub-Tree – a segment of a larger tree. </a:t>
+            </a:r>
+          </a:p>
+          <a:p>
+            <a:pPr lvl="1"/>
+            <a:r>
+              <a:rPr lang="en-US" dirty="0"/>
+              <a:t>Depth – how many layers the tree has. </a:t>
+            </a:r>
+          </a:p>
+          <a:p>
+            <a:pPr lvl="1"/>
+            <a:r>
+              <a:rPr lang="en-US" dirty="0"/>
+              <a:t>Samples – number of items in that node. </a:t>
             </a:r>
           </a:p>
         </p:txBody>
       </p:sp>
       <p:pic>
         <p:nvPicPr>
-          <p:cNvPr id="1026" name="Picture 2">
+          <p:cNvPr id="4098" name="Picture 2">
             <a:extLst>
               <a:ext uri="{FF2B5EF4-FFF2-40B4-BE49-F238E27FC236}">
-                <a16:creationId xmlns:a16="http://schemas.microsoft.com/office/drawing/2014/main" id="{D9FBC998-1140-444B-91D5-A45D7176FAAB}"/>
+                <a16:creationId xmlns:a16="http://schemas.microsoft.com/office/drawing/2014/main" id="{80F1B538-8674-E042-8AB4-2076A5CD0D6B}"/>
               </a:ext>
             </a:extLst>
           </p:cNvPr>
@@ -8118,8 +8023,8 @@
         </p:blipFill>
         <p:spPr bwMode="auto">
           <a:xfrm>
-            <a:off x="7554139" y="2119806"/>
-            <a:ext cx="4305998" cy="1621234"/>
+            <a:off x="5868780" y="2015734"/>
+            <a:ext cx="6388404" cy="3184916"/>
           </a:xfrm>
           <a:prstGeom prst="rect">
             <a:avLst/>
@@ -8136,70 +8041,409 @@
           </a:extLst>
         </p:spPr>
       </p:pic>
-      <p:pic>
-        <p:nvPicPr>
-          <p:cNvPr id="5" name="Picture 4">
+    </p:spTree>
+    <p:extLst>
+      <p:ext uri="{BB962C8B-B14F-4D97-AF65-F5344CB8AC3E}">
+        <p14:creationId xmlns:p14="http://schemas.microsoft.com/office/powerpoint/2010/main" val="1343627754"/>
+      </p:ext>
+    </p:extLst>
+  </p:cSld>
+  <p:clrMapOvr>
+    <a:masterClrMapping/>
+  </p:clrMapOvr>
+</p:sld>
+</file>
+
+<file path=ppt/slides/slide6.xml><?xml version="1.0" encoding="utf-8"?>
+<p:sld xmlns:a="http://schemas.openxmlformats.org/drawingml/2006/main" xmlns:r="http://schemas.openxmlformats.org/officeDocument/2006/relationships" xmlns:p="http://schemas.openxmlformats.org/presentationml/2006/main">
+  <p:cSld>
+    <p:spTree>
+      <p:nvGrpSpPr>
+        <p:cNvPr id="1" name=""/>
+        <p:cNvGrpSpPr/>
+        <p:nvPr/>
+      </p:nvGrpSpPr>
+      <p:grpSpPr>
+        <a:xfrm>
+          <a:off x="0" y="0"/>
+          <a:ext cx="0" cy="0"/>
+          <a:chOff x="0" y="0"/>
+          <a:chExt cx="0" cy="0"/>
+        </a:xfrm>
+      </p:grpSpPr>
+      <p:sp>
+        <p:nvSpPr>
+          <p:cNvPr id="2" name="Title 1">
             <a:extLst>
               <a:ext uri="{FF2B5EF4-FFF2-40B4-BE49-F238E27FC236}">
-                <a16:creationId xmlns:a16="http://schemas.microsoft.com/office/drawing/2014/main" id="{FCF92602-4F5F-4B45-BDAC-D370BA4CCF4E}"/>
+                <a16:creationId xmlns:a16="http://schemas.microsoft.com/office/drawing/2014/main" id="{213D7092-F9F5-4049-A73E-5D27532C31F8}"/>
               </a:ext>
             </a:extLst>
           </p:cNvPr>
-          <p:cNvPicPr>
-            <a:picLocks noChangeAspect="1"/>
-          </p:cNvPicPr>
-          <p:nvPr/>
-        </p:nvPicPr>
-        <p:blipFill>
-          <a:blip r:embed="rId3"/>
-          <a:stretch>
-            <a:fillRect/>
-          </a:stretch>
-        </p:blipFill>
-        <p:spPr>
-          <a:xfrm>
-            <a:off x="331863" y="3379720"/>
-            <a:ext cx="3019708" cy="3249053"/>
-          </a:xfrm>
-          <a:prstGeom prst="rect">
-            <a:avLst/>
-          </a:prstGeom>
-        </p:spPr>
-      </p:pic>
-      <p:pic>
-        <p:nvPicPr>
-          <p:cNvPr id="6" name="Picture 5">
+          <p:cNvSpPr>
+            <a:spLocks noGrp="1"/>
+          </p:cNvSpPr>
+          <p:nvPr>
+            <p:ph type="title"/>
+          </p:nvPr>
+        </p:nvSpPr>
+        <p:spPr/>
+        <p:txBody>
+          <a:bodyPr/>
+          <a:lstStyle/>
+          <a:p>
+            <a:r>
+              <a:rPr lang="en-US" dirty="0"/>
+              <a:t>Building the Tree</a:t>
+            </a:r>
+          </a:p>
+        </p:txBody>
+      </p:sp>
+      <p:sp>
+        <p:nvSpPr>
+          <p:cNvPr id="3" name="Content Placeholder 2">
             <a:extLst>
               <a:ext uri="{FF2B5EF4-FFF2-40B4-BE49-F238E27FC236}">
-                <a16:creationId xmlns:a16="http://schemas.microsoft.com/office/drawing/2014/main" id="{9A152B4F-6F8D-3E4A-8BAD-44C466C01AAA}"/>
+                <a16:creationId xmlns:a16="http://schemas.microsoft.com/office/drawing/2014/main" id="{B093930D-FFFB-E743-816D-0DF4EDA3061F}"/>
               </a:ext>
             </a:extLst>
           </p:cNvPr>
-          <p:cNvPicPr>
-            <a:picLocks noChangeAspect="1"/>
-          </p:cNvPicPr>
-          <p:nvPr/>
-        </p:nvPicPr>
-        <p:blipFill>
-          <a:blip r:embed="rId4"/>
-          <a:stretch>
-            <a:fillRect/>
-          </a:stretch>
-        </p:blipFill>
+          <p:cNvSpPr>
+            <a:spLocks noGrp="1"/>
+          </p:cNvSpPr>
+          <p:nvPr>
+            <p:ph idx="1"/>
+          </p:nvPr>
+        </p:nvSpPr>
         <p:spPr>
           <a:xfrm>
-            <a:off x="4119951" y="4139252"/>
-            <a:ext cx="6388100" cy="2349500"/>
-          </a:xfrm>
-          <a:prstGeom prst="rect">
-            <a:avLst/>
-          </a:prstGeom>
+            <a:off x="1451579" y="2015732"/>
+            <a:ext cx="9603275" cy="4037749"/>
+          </a:xfrm>
         </p:spPr>
-      </p:pic>
+        <p:txBody>
+          <a:bodyPr/>
+          <a:lstStyle/>
+          <a:p>
+            <a:r>
+              <a:rPr lang="en-US" dirty="0"/>
+              <a:t>The decisions and the cutoffs are created by looking at the features for the criteria that will do the “best job of deciding” – or that will split the group most sharply.</a:t>
+            </a:r>
+          </a:p>
+          <a:p>
+            <a:r>
+              <a:rPr lang="en-US" dirty="0"/>
+              <a:t>For example:</a:t>
+            </a:r>
+          </a:p>
+          <a:p>
+            <a:pPr lvl="1"/>
+            <a:r>
+              <a:rPr lang="en-US" dirty="0"/>
+              <a:t>You are classifying people as horse jockeys or basketball players. </a:t>
+            </a:r>
+          </a:p>
+          <a:p>
+            <a:pPr lvl="1"/>
+            <a:r>
+              <a:rPr lang="en-US" dirty="0"/>
+              <a:t>You know their height and hair color. </a:t>
+            </a:r>
+          </a:p>
+          <a:p>
+            <a:pPr lvl="1"/>
+            <a:r>
+              <a:rPr lang="en-US" dirty="0"/>
+              <a:t>Height does a better job of splitting the records.</a:t>
+            </a:r>
+          </a:p>
+          <a:p>
+            <a:pPr lvl="2"/>
+            <a:r>
+              <a:rPr lang="en-US" dirty="0"/>
+              <a:t>Those &gt;6ft are almost all </a:t>
+            </a:r>
+            <a:r>
+              <a:rPr lang="en-US" dirty="0" err="1"/>
+              <a:t>bball</a:t>
+            </a:r>
+            <a:r>
+              <a:rPr lang="en-US" dirty="0"/>
+              <a:t> </a:t>
+            </a:r>
+            <a:r>
+              <a:rPr lang="en-US" dirty="0" err="1"/>
+              <a:t>playters</a:t>
+            </a:r>
+            <a:r>
+              <a:rPr lang="en-US" dirty="0"/>
+              <a:t>.</a:t>
+            </a:r>
+          </a:p>
+          <a:p>
+            <a:pPr lvl="2"/>
+            <a:r>
+              <a:rPr lang="en-US" dirty="0"/>
+              <a:t>Those &lt;6ft are almost all jockeys. </a:t>
+            </a:r>
+          </a:p>
+          <a:p>
+            <a:pPr lvl="2"/>
+            <a:r>
+              <a:rPr lang="en-US" dirty="0"/>
+              <a:t>Your choice would be to divide the data based on height. </a:t>
+            </a:r>
+          </a:p>
+          <a:p>
+            <a:r>
+              <a:rPr lang="en-US" dirty="0"/>
+              <a:t>The algorithm finds the decisions that maximize this separation. </a:t>
+            </a:r>
+          </a:p>
+        </p:txBody>
+      </p:sp>
     </p:spTree>
     <p:extLst>
       <p:ext uri="{BB962C8B-B14F-4D97-AF65-F5344CB8AC3E}">
-        <p14:creationId xmlns:p14="http://schemas.microsoft.com/office/powerpoint/2010/main" val="3389133257"/>
+        <p14:creationId xmlns:p14="http://schemas.microsoft.com/office/powerpoint/2010/main" val="3275023272"/>
+      </p:ext>
+    </p:extLst>
+  </p:cSld>
+  <p:clrMapOvr>
+    <a:masterClrMapping/>
+  </p:clrMapOvr>
+</p:sld>
+</file>
+
+<file path=ppt/slides/slide7.xml><?xml version="1.0" encoding="utf-8"?>
+<p:sld xmlns:a="http://schemas.openxmlformats.org/drawingml/2006/main" xmlns:r="http://schemas.openxmlformats.org/officeDocument/2006/relationships" xmlns:p="http://schemas.openxmlformats.org/presentationml/2006/main">
+  <p:cSld>
+    <p:spTree>
+      <p:nvGrpSpPr>
+        <p:cNvPr id="1" name=""/>
+        <p:cNvGrpSpPr/>
+        <p:nvPr/>
+      </p:nvGrpSpPr>
+      <p:grpSpPr>
+        <a:xfrm>
+          <a:off x="0" y="0"/>
+          <a:ext cx="0" cy="0"/>
+          <a:chOff x="0" y="0"/>
+          <a:chExt cx="0" cy="0"/>
+        </a:xfrm>
+      </p:grpSpPr>
+      <p:sp>
+        <p:nvSpPr>
+          <p:cNvPr id="2" name="Title 1">
+            <a:extLst>
+              <a:ext uri="{FF2B5EF4-FFF2-40B4-BE49-F238E27FC236}">
+                <a16:creationId xmlns:a16="http://schemas.microsoft.com/office/drawing/2014/main" id="{45AAD9C9-D6C7-6A4D-BACF-FD38590F28B2}"/>
+              </a:ext>
+            </a:extLst>
+          </p:cNvPr>
+          <p:cNvSpPr>
+            <a:spLocks noGrp="1"/>
+          </p:cNvSpPr>
+          <p:nvPr>
+            <p:ph type="title"/>
+          </p:nvPr>
+        </p:nvSpPr>
+        <p:spPr/>
+        <p:txBody>
+          <a:bodyPr/>
+          <a:lstStyle/>
+          <a:p>
+            <a:r>
+              <a:rPr lang="en-US" dirty="0"/>
+              <a:t>Criteria</a:t>
+            </a:r>
+          </a:p>
+        </p:txBody>
+      </p:sp>
+      <p:sp>
+        <p:nvSpPr>
+          <p:cNvPr id="3" name="Content Placeholder 2">
+            <a:extLst>
+              <a:ext uri="{FF2B5EF4-FFF2-40B4-BE49-F238E27FC236}">
+                <a16:creationId xmlns:a16="http://schemas.microsoft.com/office/drawing/2014/main" id="{73D389BB-402F-C745-9433-D757D3F384E7}"/>
+              </a:ext>
+            </a:extLst>
+          </p:cNvPr>
+          <p:cNvSpPr>
+            <a:spLocks noGrp="1"/>
+          </p:cNvSpPr>
+          <p:nvPr>
+            <p:ph idx="1"/>
+          </p:nvPr>
+        </p:nvSpPr>
+        <p:spPr>
+          <a:xfrm>
+            <a:off x="1451579" y="2015732"/>
+            <a:ext cx="9603275" cy="4037749"/>
+          </a:xfrm>
+        </p:spPr>
+        <p:txBody>
+          <a:bodyPr/>
+          <a:lstStyle/>
+          <a:p>
+            <a:r>
+              <a:rPr lang="en-US" dirty="0"/>
+              <a:t>The criteria for how good the separation can be defined by different metrics. </a:t>
+            </a:r>
+          </a:p>
+          <a:p>
+            <a:pPr lvl="1"/>
+            <a:r>
+              <a:rPr lang="en-US" dirty="0"/>
+              <a:t>Gini.</a:t>
+            </a:r>
+          </a:p>
+          <a:p>
+            <a:pPr lvl="1"/>
+            <a:r>
+              <a:rPr lang="en-US" dirty="0"/>
+              <a:t>Entropy. </a:t>
+            </a:r>
+          </a:p>
+          <a:p>
+            <a:r>
+              <a:rPr lang="en-US" dirty="0"/>
+              <a:t>The math behind each is different, the idea is the same. </a:t>
+            </a:r>
+          </a:p>
+          <a:p>
+            <a:r>
+              <a:rPr lang="en-US" dirty="0"/>
+              <a:t>Gini is the default. </a:t>
+            </a:r>
+          </a:p>
+          <a:p>
+            <a:r>
+              <a:rPr lang="en-US" dirty="0"/>
+              <a:t>When the algorithm creating the tree is deciding how to split at one node, it picks whichever feature/criteria that does the best at improving the metric. </a:t>
+            </a:r>
+          </a:p>
+          <a:p>
+            <a:pPr lvl="1"/>
+            <a:r>
+              <a:rPr lang="en-US" dirty="0"/>
+              <a:t>In classification, that means each side of the split becomes the most ‘pure’.</a:t>
+            </a:r>
+          </a:p>
+          <a:p>
+            <a:pPr lvl="1"/>
+            <a:r>
+              <a:rPr lang="en-US" dirty="0"/>
+              <a:t>In regression, that means that the MSE is the lowest. </a:t>
+            </a:r>
+          </a:p>
+        </p:txBody>
+      </p:sp>
+    </p:spTree>
+    <p:extLst>
+      <p:ext uri="{BB962C8B-B14F-4D97-AF65-F5344CB8AC3E}">
+        <p14:creationId xmlns:p14="http://schemas.microsoft.com/office/powerpoint/2010/main" val="2489531369"/>
+      </p:ext>
+    </p:extLst>
+  </p:cSld>
+  <p:clrMapOvr>
+    <a:masterClrMapping/>
+  </p:clrMapOvr>
+</p:sld>
+</file>
+
+<file path=ppt/slides/slide8.xml><?xml version="1.0" encoding="utf-8"?>
+<p:sld xmlns:a="http://schemas.openxmlformats.org/drawingml/2006/main" xmlns:r="http://schemas.openxmlformats.org/officeDocument/2006/relationships" xmlns:p="http://schemas.openxmlformats.org/presentationml/2006/main">
+  <p:cSld>
+    <p:spTree>
+      <p:nvGrpSpPr>
+        <p:cNvPr id="1" name=""/>
+        <p:cNvGrpSpPr/>
+        <p:nvPr/>
+      </p:nvGrpSpPr>
+      <p:grpSpPr>
+        <a:xfrm>
+          <a:off x="0" y="0"/>
+          <a:ext cx="0" cy="0"/>
+          <a:chOff x="0" y="0"/>
+          <a:chExt cx="0" cy="0"/>
+        </a:xfrm>
+      </p:grpSpPr>
+      <p:sp>
+        <p:nvSpPr>
+          <p:cNvPr id="2" name="Title 1">
+            <a:extLst>
+              <a:ext uri="{FF2B5EF4-FFF2-40B4-BE49-F238E27FC236}">
+                <a16:creationId xmlns:a16="http://schemas.microsoft.com/office/drawing/2014/main" id="{1D965AF4-FB22-A045-ABA0-1FBD9BB81DBD}"/>
+              </a:ext>
+            </a:extLst>
+          </p:cNvPr>
+          <p:cNvSpPr>
+            <a:spLocks noGrp="1"/>
+          </p:cNvSpPr>
+          <p:nvPr>
+            <p:ph type="title"/>
+          </p:nvPr>
+        </p:nvSpPr>
+        <p:spPr/>
+        <p:txBody>
+          <a:bodyPr/>
+          <a:lstStyle/>
+          <a:p>
+            <a:r>
+              <a:rPr lang="en-US" dirty="0"/>
+              <a:t>Scenario</a:t>
+            </a:r>
+          </a:p>
+        </p:txBody>
+      </p:sp>
+      <p:sp>
+        <p:nvSpPr>
+          <p:cNvPr id="3" name="Content Placeholder 2">
+            <a:extLst>
+              <a:ext uri="{FF2B5EF4-FFF2-40B4-BE49-F238E27FC236}">
+                <a16:creationId xmlns:a16="http://schemas.microsoft.com/office/drawing/2014/main" id="{AD22AEBA-350D-6746-9554-318393C63B50}"/>
+              </a:ext>
+            </a:extLst>
+          </p:cNvPr>
+          <p:cNvSpPr>
+            <a:spLocks noGrp="1"/>
+          </p:cNvSpPr>
+          <p:nvPr>
+            <p:ph idx="1"/>
+          </p:nvPr>
+        </p:nvSpPr>
+        <p:spPr/>
+        <p:txBody>
+          <a:bodyPr/>
+          <a:lstStyle/>
+          <a:p>
+            <a:r>
+              <a:rPr lang="en-US" dirty="0"/>
+              <a:t>If we have 4 red gumballs and 0 blue gumballs, that group of 4 is 100% pure.</a:t>
+            </a:r>
+          </a:p>
+          <a:p>
+            <a:r>
+              <a:rPr lang="en-US" dirty="0"/>
+              <a:t>If we have 2 red and 2 blue, that group is 100% impure.</a:t>
+            </a:r>
+          </a:p>
+          <a:p>
+            <a:r>
+              <a:rPr lang="en-US" dirty="0"/>
+              <a:t>If we have 3 red and 1 blue, that group is either 75% or 81% pure, if we use Gini or Entropy respectively.</a:t>
+            </a:r>
+          </a:p>
+          <a:p>
+            <a:endParaRPr lang="en-US" dirty="0"/>
+          </a:p>
+        </p:txBody>
+      </p:sp>
+    </p:spTree>
+    <p:extLst>
+      <p:ext uri="{BB962C8B-B14F-4D97-AF65-F5344CB8AC3E}">
+        <p14:creationId xmlns:p14="http://schemas.microsoft.com/office/powerpoint/2010/main" val="960325421"/>
       </p:ext>
     </p:extLst>
   </p:cSld>
@@ -8255,7 +8499,7 @@
           <p:cNvPr id="2" name="Title 1">
             <a:extLst>
               <a:ext uri="{FF2B5EF4-FFF2-40B4-BE49-F238E27FC236}">
-                <a16:creationId xmlns:a16="http://schemas.microsoft.com/office/drawing/2014/main" id="{ED543A67-B4E8-0540-8FF0-60889B16AAC5}"/>
+                <a16:creationId xmlns:a16="http://schemas.microsoft.com/office/drawing/2014/main" id="{5E454A4A-2DC7-C74B-8813-1FA141CD648D}"/>
               </a:ext>
             </a:extLst>
           </p:cNvPr>
@@ -8280,7 +8524,7 @@
           <a:p>
             <a:r>
               <a:rPr lang="en-US" dirty="0"/>
-              <a:t>Entropy</a:t>
+              <a:t>Gini</a:t>
             </a:r>
           </a:p>
         </p:txBody>
@@ -8290,7 +8534,7 @@
           <p:cNvPr id="3" name="Content Placeholder 2">
             <a:extLst>
               <a:ext uri="{FF2B5EF4-FFF2-40B4-BE49-F238E27FC236}">
-                <a16:creationId xmlns:a16="http://schemas.microsoft.com/office/drawing/2014/main" id="{9A2CDE5A-927B-D742-8DDC-8D84EDD06445}"/>
+                <a16:creationId xmlns:a16="http://schemas.microsoft.com/office/drawing/2014/main" id="{6456C57F-ADF6-5848-821A-96A7541D80AE}"/>
               </a:ext>
             </a:extLst>
           </p:cNvPr>
@@ -8303,8 +8547,8 @@
         </p:nvSpPr>
         <p:spPr>
           <a:xfrm>
-            <a:off x="485775" y="2015733"/>
-            <a:ext cx="5610225" cy="1856180"/>
+            <a:off x="1451579" y="2015734"/>
+            <a:ext cx="5622284" cy="3450613"/>
           </a:xfrm>
         </p:spPr>
         <p:txBody>
@@ -8315,23 +8559,17 @@
           <a:p>
             <a:r>
               <a:rPr lang="en-US" dirty="0"/>
-              <a:t>Entropy is similar to Gini – a measure of impurity. </a:t>
-            </a:r>
-          </a:p>
-          <a:p>
-            <a:r>
-              <a:rPr lang="en-US" dirty="0"/>
-              <a:t>Created to convey the idea of information – the lower the entropy the more “information” it conveys. </a:t>
+              <a:t>Gini measures how often a randomly chosen element from the set would be incorrectly labeled.</a:t>
             </a:r>
           </a:p>
         </p:txBody>
       </p:sp>
       <p:pic>
         <p:nvPicPr>
-          <p:cNvPr id="2052" name="Picture 4" descr="The image highlights the variation of entropy over data points, Entropy is the lowest at end and maximum in middle of graph.">
+          <p:cNvPr id="1026" name="Picture 2">
             <a:extLst>
               <a:ext uri="{FF2B5EF4-FFF2-40B4-BE49-F238E27FC236}">
-                <a16:creationId xmlns:a16="http://schemas.microsoft.com/office/drawing/2014/main" id="{74E08735-059A-8642-B840-778AF373968F}"/>
+                <a16:creationId xmlns:a16="http://schemas.microsoft.com/office/drawing/2014/main" id="{D9FBC998-1140-444B-91D5-A45D7176FAAB}"/>
               </a:ext>
             </a:extLst>
           </p:cNvPr>
@@ -8340,7 +8578,7 @@
           </p:cNvPicPr>
           <p:nvPr/>
         </p:nvPicPr>
-        <p:blipFill rotWithShape="1">
+        <p:blipFill>
           <a:blip r:embed="rId2">
             <a:extLst>
               <a:ext uri="{28A0092B-C50C-407E-A947-70E740481C1C}">
@@ -8348,13 +8586,14 @@
               </a:ext>
             </a:extLst>
           </a:blip>
-          <a:srcRect l="19828" r="19004"/>
-          <a:stretch/>
+          <a:stretch>
+            <a:fillRect/>
+          </a:stretch>
         </p:blipFill>
         <p:spPr bwMode="auto">
           <a:xfrm>
-            <a:off x="6451186" y="2015733"/>
-            <a:ext cx="5091630" cy="3995505"/>
+            <a:off x="7554139" y="2119806"/>
+            <a:ext cx="4305998" cy="1621234"/>
           </a:xfrm>
           <a:prstGeom prst="rect">
             <a:avLst/>
@@ -8373,54 +8612,68 @@
       </p:pic>
       <p:pic>
         <p:nvPicPr>
-          <p:cNvPr id="2050" name="Picture 2">
+          <p:cNvPr id="5" name="Picture 4">
             <a:extLst>
               <a:ext uri="{FF2B5EF4-FFF2-40B4-BE49-F238E27FC236}">
-                <a16:creationId xmlns:a16="http://schemas.microsoft.com/office/drawing/2014/main" id="{809AE712-1D3F-034B-88C6-9DC63BB6B5DA}"/>
+                <a16:creationId xmlns:a16="http://schemas.microsoft.com/office/drawing/2014/main" id="{FCF92602-4F5F-4B45-BDAC-D370BA4CCF4E}"/>
               </a:ext>
             </a:extLst>
           </p:cNvPr>
           <p:cNvPicPr>
-            <a:picLocks noChangeAspect="1" noChangeArrowheads="1"/>
+            <a:picLocks noChangeAspect="1"/>
           </p:cNvPicPr>
           <p:nvPr/>
         </p:nvPicPr>
         <p:blipFill>
-          <a:blip r:embed="rId3">
-            <a:extLst>
-              <a:ext uri="{28A0092B-C50C-407E-A947-70E740481C1C}">
-                <a14:useLocalDpi xmlns:a14="http://schemas.microsoft.com/office/drawing/2010/main" val="0"/>
-              </a:ext>
-            </a:extLst>
-          </a:blip>
+          <a:blip r:embed="rId3"/>
           <a:stretch>
             <a:fillRect/>
           </a:stretch>
         </p:blipFill>
-        <p:spPr bwMode="auto">
-          <a:xfrm>
-            <a:off x="165434" y="3994851"/>
-            <a:ext cx="5559145" cy="1298968"/>
+        <p:spPr>
+          <a:xfrm>
+            <a:off x="331863" y="3379720"/>
+            <a:ext cx="3019708" cy="3249053"/>
           </a:xfrm>
           <a:prstGeom prst="rect">
             <a:avLst/>
           </a:prstGeom>
-          <a:noFill/>
-          <a:extLst>
-            <a:ext uri="{909E8E84-426E-40DD-AFC4-6F175D3DCCD1}">
-              <a14:hiddenFill xmlns:a14="http://schemas.microsoft.com/office/drawing/2010/main">
-                <a:solidFill>
-                  <a:srgbClr val="FFFFFF"/>
-                </a:solidFill>
-              </a14:hiddenFill>
-            </a:ext>
-          </a:extLst>
+        </p:spPr>
+      </p:pic>
+      <p:pic>
+        <p:nvPicPr>
+          <p:cNvPr id="6" name="Picture 5">
+            <a:extLst>
+              <a:ext uri="{FF2B5EF4-FFF2-40B4-BE49-F238E27FC236}">
+                <a16:creationId xmlns:a16="http://schemas.microsoft.com/office/drawing/2014/main" id="{9A152B4F-6F8D-3E4A-8BAD-44C466C01AAA}"/>
+              </a:ext>
+            </a:extLst>
+          </p:cNvPr>
+          <p:cNvPicPr>
+            <a:picLocks noChangeAspect="1"/>
+          </p:cNvPicPr>
+          <p:nvPr/>
+        </p:nvPicPr>
+        <p:blipFill>
+          <a:blip r:embed="rId4"/>
+          <a:stretch>
+            <a:fillRect/>
+          </a:stretch>
+        </p:blipFill>
+        <p:spPr>
+          <a:xfrm>
+            <a:off x="4119951" y="4139252"/>
+            <a:ext cx="6388100" cy="2349500"/>
+          </a:xfrm>
+          <a:prstGeom prst="rect">
+            <a:avLst/>
+          </a:prstGeom>
         </p:spPr>
       </p:pic>
     </p:spTree>
     <p:extLst>
       <p:ext uri="{BB962C8B-B14F-4D97-AF65-F5344CB8AC3E}">
-        <p14:creationId xmlns:p14="http://schemas.microsoft.com/office/powerpoint/2010/main" val="2776245751"/>
+        <p14:creationId xmlns:p14="http://schemas.microsoft.com/office/powerpoint/2010/main" val="3389133257"/>
       </p:ext>
     </p:extLst>
   </p:cSld>

--- a/course_resources/slides/Used/019_Trees_over_under.pptx
+++ b/course_resources/slides/Used/019_Trees_over_under.pptx
@@ -4133,14 +4133,19 @@
             <p:ph idx="1"/>
           </p:nvPr>
         </p:nvSpPr>
-        <p:spPr/>
+        <p:spPr>
+          <a:xfrm>
+            <a:off x="1451579" y="2015732"/>
+            <a:ext cx="9603275" cy="3882497"/>
+          </a:xfrm>
+        </p:spPr>
         <p:txBody>
           <a:bodyPr/>
           <a:lstStyle/>
           <a:p>
             <a:r>
               <a:rPr lang="en-US" dirty="0"/>
-              <a:t>Today – trees</a:t>
+              <a:t>Today – trees (017)</a:t>
             </a:r>
           </a:p>
           <a:p>
@@ -4168,13 +4173,8 @@
             <a:pPr lvl="1"/>
             <a:r>
               <a:rPr lang="en-US" dirty="0"/>
-              <a:t>Under and over fitting and mitigation with </a:t>
-            </a:r>
-            <a:r>
-              <a:rPr lang="en-US"/>
-              <a:t>HP tuning. </a:t>
-            </a:r>
-            <a:endParaRPr lang="en-US" dirty="0"/>
+              <a:t>Under and over fitting and mitigation with HP tuning. </a:t>
+            </a:r>
           </a:p>
         </p:txBody>
       </p:sp>
